--- a/Office Docs/4 Storing numbers.pptx
+++ b/Office Docs/4 Storing numbers.pptx
@@ -5,7 +5,7 @@
     <p:sldMasterId id="2147483660" r:id="rId1"/>
   </p:sldMasterIdLst>
   <p:notesMasterIdLst>
-    <p:notesMasterId r:id="rId23"/>
+    <p:notesMasterId r:id="rId24"/>
   </p:notesMasterIdLst>
   <p:sldIdLst>
     <p:sldId id="357" r:id="rId2"/>
@@ -16,19 +16,20 @@
     <p:sldId id="271" r:id="rId7"/>
     <p:sldId id="369" r:id="rId8"/>
     <p:sldId id="363" r:id="rId9"/>
-    <p:sldId id="366" r:id="rId10"/>
-    <p:sldId id="361" r:id="rId11"/>
-    <p:sldId id="370" r:id="rId12"/>
-    <p:sldId id="335" r:id="rId13"/>
-    <p:sldId id="275" r:id="rId14"/>
-    <p:sldId id="334" r:id="rId15"/>
-    <p:sldId id="336" r:id="rId16"/>
-    <p:sldId id="333" r:id="rId17"/>
-    <p:sldId id="337" r:id="rId18"/>
-    <p:sldId id="368" r:id="rId19"/>
-    <p:sldId id="360" r:id="rId20"/>
-    <p:sldId id="364" r:id="rId21"/>
-    <p:sldId id="365" r:id="rId22"/>
+    <p:sldId id="371" r:id="rId10"/>
+    <p:sldId id="366" r:id="rId11"/>
+    <p:sldId id="361" r:id="rId12"/>
+    <p:sldId id="370" r:id="rId13"/>
+    <p:sldId id="335" r:id="rId14"/>
+    <p:sldId id="275" r:id="rId15"/>
+    <p:sldId id="334" r:id="rId16"/>
+    <p:sldId id="336" r:id="rId17"/>
+    <p:sldId id="333" r:id="rId18"/>
+    <p:sldId id="337" r:id="rId19"/>
+    <p:sldId id="368" r:id="rId20"/>
+    <p:sldId id="360" r:id="rId21"/>
+    <p:sldId id="364" r:id="rId22"/>
+    <p:sldId id="365" r:id="rId23"/>
   </p:sldIdLst>
   <p:sldSz cx="12192000" cy="6858000"/>
   <p:notesSz cx="6858000" cy="9144000"/>
@@ -140,6 +141,7 @@
             <p14:sldId id="271"/>
             <p14:sldId id="369"/>
             <p14:sldId id="363"/>
+            <p14:sldId id="371"/>
             <p14:sldId id="366"/>
             <p14:sldId id="361"/>
             <p14:sldId id="370"/>
@@ -252,7 +254,7 @@
           <a:p>
             <a:fld id="{A9DDBD42-E139-45FA-9C16-1611187CAC3F}" type="datetimeFigureOut">
               <a:rPr lang="en-US" smtClean="0"/>
-              <a:t>9/18/2014</a:t>
+              <a:t>9/22/2014</a:t>
             </a:fld>
             <a:endParaRPr lang="en-US"/>
           </a:p>
@@ -669,7 +671,7 @@
           <a:p>
             <a:fld id="{906AB01E-7BD7-442B-8A6B-D31FAFDAE830}" type="slidenum">
               <a:rPr lang="en-US" smtClean="0"/>
-              <a:t>10</a:t>
+              <a:t>11</a:t>
             </a:fld>
             <a:endParaRPr lang="en-US"/>
           </a:p>
@@ -732,7 +734,7 @@
           <a:bodyPr/>
           <a:lstStyle/>
           <a:p>
-            <a:endParaRPr lang="en-US"/>
+            <a:endParaRPr lang="en-US" dirty="0"/>
           </a:p>
         </p:txBody>
       </p:sp>
@@ -753,7 +755,7 @@
           <a:p>
             <a:fld id="{906AB01E-7BD7-442B-8A6B-D31FAFDAE830}" type="slidenum">
               <a:rPr lang="en-US" smtClean="0"/>
-              <a:t>‹#›</a:t>
+              <a:t>13</a:t>
             </a:fld>
             <a:endParaRPr lang="en-US"/>
           </a:p>
@@ -762,7 +764,7 @@
     </p:spTree>
     <p:extLst>
       <p:ext uri="{BB962C8B-B14F-4D97-AF65-F5344CB8AC3E}">
-        <p14:creationId xmlns:p14="http://schemas.microsoft.com/office/powerpoint/2010/main" val="2563258685"/>
+        <p14:creationId xmlns:p14="http://schemas.microsoft.com/office/powerpoint/2010/main" val="3311934197"/>
       </p:ext>
     </p:extLst>
   </p:cSld>
@@ -837,7 +839,7 @@
           <a:p>
             <a:fld id="{906AB01E-7BD7-442B-8A6B-D31FAFDAE830}" type="slidenum">
               <a:rPr lang="en-US" smtClean="0"/>
-              <a:t>12</a:t>
+              <a:t>14</a:t>
             </a:fld>
             <a:endParaRPr lang="en-US"/>
           </a:p>
@@ -846,7 +848,7 @@
     </p:spTree>
     <p:extLst>
       <p:ext uri="{BB962C8B-B14F-4D97-AF65-F5344CB8AC3E}">
-        <p14:creationId xmlns:p14="http://schemas.microsoft.com/office/powerpoint/2010/main" val="3311934197"/>
+        <p14:creationId xmlns:p14="http://schemas.microsoft.com/office/powerpoint/2010/main" val="2457414035"/>
       </p:ext>
     </p:extLst>
   </p:cSld>
@@ -921,7 +923,7 @@
           <a:p>
             <a:fld id="{906AB01E-7BD7-442B-8A6B-D31FAFDAE830}" type="slidenum">
               <a:rPr lang="en-US" smtClean="0"/>
-              <a:t>13</a:t>
+              <a:t>15</a:t>
             </a:fld>
             <a:endParaRPr lang="en-US"/>
           </a:p>
@@ -930,7 +932,7 @@
     </p:spTree>
     <p:extLst>
       <p:ext uri="{BB962C8B-B14F-4D97-AF65-F5344CB8AC3E}">
-        <p14:creationId xmlns:p14="http://schemas.microsoft.com/office/powerpoint/2010/main" val="2457414035"/>
+        <p14:creationId xmlns:p14="http://schemas.microsoft.com/office/powerpoint/2010/main" val="1055315005"/>
       </p:ext>
     </p:extLst>
   </p:cSld>
@@ -1005,7 +1007,7 @@
           <a:p>
             <a:fld id="{906AB01E-7BD7-442B-8A6B-D31FAFDAE830}" type="slidenum">
               <a:rPr lang="en-US" smtClean="0"/>
-              <a:t>14</a:t>
+              <a:t>16</a:t>
             </a:fld>
             <a:endParaRPr lang="en-US"/>
           </a:p>
@@ -1014,7 +1016,7 @@
     </p:spTree>
     <p:extLst>
       <p:ext uri="{BB962C8B-B14F-4D97-AF65-F5344CB8AC3E}">
-        <p14:creationId xmlns:p14="http://schemas.microsoft.com/office/powerpoint/2010/main" val="1055315005"/>
+        <p14:creationId xmlns:p14="http://schemas.microsoft.com/office/powerpoint/2010/main" val="2557497943"/>
       </p:ext>
     </p:extLst>
   </p:cSld>
@@ -1089,7 +1091,7 @@
           <a:p>
             <a:fld id="{906AB01E-7BD7-442B-8A6B-D31FAFDAE830}" type="slidenum">
               <a:rPr lang="en-US" smtClean="0"/>
-              <a:t>15</a:t>
+              <a:t>17</a:t>
             </a:fld>
             <a:endParaRPr lang="en-US"/>
           </a:p>
@@ -1098,7 +1100,7 @@
     </p:spTree>
     <p:extLst>
       <p:ext uri="{BB962C8B-B14F-4D97-AF65-F5344CB8AC3E}">
-        <p14:creationId xmlns:p14="http://schemas.microsoft.com/office/powerpoint/2010/main" val="2557497943"/>
+        <p14:creationId xmlns:p14="http://schemas.microsoft.com/office/powerpoint/2010/main" val="1840343009"/>
       </p:ext>
     </p:extLst>
   </p:cSld>
@@ -1173,7 +1175,7 @@
           <a:p>
             <a:fld id="{906AB01E-7BD7-442B-8A6B-D31FAFDAE830}" type="slidenum">
               <a:rPr lang="en-US" smtClean="0"/>
-              <a:t>16</a:t>
+              <a:t>18</a:t>
             </a:fld>
             <a:endParaRPr lang="en-US"/>
           </a:p>
@@ -1182,7 +1184,7 @@
     </p:spTree>
     <p:extLst>
       <p:ext uri="{BB962C8B-B14F-4D97-AF65-F5344CB8AC3E}">
-        <p14:creationId xmlns:p14="http://schemas.microsoft.com/office/powerpoint/2010/main" val="1840343009"/>
+        <p14:creationId xmlns:p14="http://schemas.microsoft.com/office/powerpoint/2010/main" val="2543056692"/>
       </p:ext>
     </p:extLst>
   </p:cSld>
@@ -1236,7 +1238,14 @@
           <a:bodyPr/>
           <a:lstStyle/>
           <a:p>
-            <a:endParaRPr lang="en-US" dirty="0"/>
+            <a:r>
+              <a:rPr lang="en-US"/>
+              <a:t>Good side</a:t>
+            </a:r>
+            <a:br>
+              <a:rPr lang="en-US"/>
+            </a:br>
+            <a:endParaRPr lang="en-US"/>
           </a:p>
         </p:txBody>
       </p:sp>
@@ -1257,7 +1266,7 @@
           <a:p>
             <a:fld id="{906AB01E-7BD7-442B-8A6B-D31FAFDAE830}" type="slidenum">
               <a:rPr lang="en-US" smtClean="0"/>
-              <a:t>17</a:t>
+              <a:t>19</a:t>
             </a:fld>
             <a:endParaRPr lang="en-US"/>
           </a:p>
@@ -1266,7 +1275,7 @@
     </p:spTree>
     <p:extLst>
       <p:ext uri="{BB962C8B-B14F-4D97-AF65-F5344CB8AC3E}">
-        <p14:creationId xmlns:p14="http://schemas.microsoft.com/office/powerpoint/2010/main" val="2543056692"/>
+        <p14:creationId xmlns:p14="http://schemas.microsoft.com/office/powerpoint/2010/main" val="3850092846"/>
       </p:ext>
     </p:extLst>
   </p:cSld>
@@ -1320,13 +1329,6 @@
           <a:bodyPr/>
           <a:lstStyle/>
           <a:p>
-            <a:r>
-              <a:rPr lang="en-US"/>
-              <a:t>Good side</a:t>
-            </a:r>
-            <a:br>
-              <a:rPr lang="en-US"/>
-            </a:br>
             <a:endParaRPr lang="en-US"/>
           </a:p>
         </p:txBody>
@@ -1348,7 +1350,7 @@
           <a:p>
             <a:fld id="{906AB01E-7BD7-442B-8A6B-D31FAFDAE830}" type="slidenum">
               <a:rPr lang="en-US" smtClean="0"/>
-              <a:t>18</a:t>
+              <a:t>20</a:t>
             </a:fld>
             <a:endParaRPr lang="en-US"/>
           </a:p>
@@ -1357,7 +1359,7 @@
     </p:spTree>
     <p:extLst>
       <p:ext uri="{BB962C8B-B14F-4D97-AF65-F5344CB8AC3E}">
-        <p14:creationId xmlns:p14="http://schemas.microsoft.com/office/powerpoint/2010/main" val="3850092846"/>
+        <p14:creationId xmlns:p14="http://schemas.microsoft.com/office/powerpoint/2010/main" val="4142944077"/>
       </p:ext>
     </p:extLst>
   </p:cSld>
@@ -1432,7 +1434,7 @@
           <a:p>
             <a:fld id="{906AB01E-7BD7-442B-8A6B-D31FAFDAE830}" type="slidenum">
               <a:rPr lang="en-US" smtClean="0"/>
-              <a:t>19</a:t>
+              <a:t>21</a:t>
             </a:fld>
             <a:endParaRPr lang="en-US"/>
           </a:p>
@@ -1441,7 +1443,7 @@
     </p:spTree>
     <p:extLst>
       <p:ext uri="{BB962C8B-B14F-4D97-AF65-F5344CB8AC3E}">
-        <p14:creationId xmlns:p14="http://schemas.microsoft.com/office/powerpoint/2010/main" val="4142944077"/>
+        <p14:creationId xmlns:p14="http://schemas.microsoft.com/office/powerpoint/2010/main" val="1895857876"/>
       </p:ext>
     </p:extLst>
   </p:cSld>
@@ -1526,174 +1528,6 @@
     <p:extLst>
       <p:ext uri="{BB962C8B-B14F-4D97-AF65-F5344CB8AC3E}">
         <p14:creationId xmlns:p14="http://schemas.microsoft.com/office/powerpoint/2010/main" val="517171428"/>
-      </p:ext>
-    </p:extLst>
-  </p:cSld>
-  <p:clrMapOvr>
-    <a:masterClrMapping/>
-  </p:clrMapOvr>
-</p:notes>
-</file>
-
-<file path=ppt/notesSlides/notesSlide20.xml><?xml version="1.0" encoding="utf-8"?>
-<p:notes xmlns:a="http://schemas.openxmlformats.org/drawingml/2006/main" xmlns:r="http://schemas.openxmlformats.org/officeDocument/2006/relationships" xmlns:p="http://schemas.openxmlformats.org/presentationml/2006/main">
-  <p:cSld>
-    <p:spTree>
-      <p:nvGrpSpPr>
-        <p:cNvPr id="1" name=""/>
-        <p:cNvGrpSpPr/>
-        <p:nvPr/>
-      </p:nvGrpSpPr>
-      <p:grpSpPr>
-        <a:xfrm>
-          <a:off x="0" y="0"/>
-          <a:ext cx="0" cy="0"/>
-          <a:chOff x="0" y="0"/>
-          <a:chExt cx="0" cy="0"/>
-        </a:xfrm>
-      </p:grpSpPr>
-      <p:sp>
-        <p:nvSpPr>
-          <p:cNvPr id="2" name="Slide Image Placeholder 1"/>
-          <p:cNvSpPr>
-            <a:spLocks noGrp="1" noRot="1" noChangeAspect="1"/>
-          </p:cNvSpPr>
-          <p:nvPr>
-            <p:ph type="sldImg"/>
-          </p:nvPr>
-        </p:nvSpPr>
-        <p:spPr/>
-      </p:sp>
-      <p:sp>
-        <p:nvSpPr>
-          <p:cNvPr id="3" name="Notes Placeholder 2"/>
-          <p:cNvSpPr>
-            <a:spLocks noGrp="1"/>
-          </p:cNvSpPr>
-          <p:nvPr>
-            <p:ph type="body" idx="1"/>
-          </p:nvPr>
-        </p:nvSpPr>
-        <p:spPr/>
-        <p:txBody>
-          <a:bodyPr/>
-          <a:lstStyle/>
-          <a:p>
-            <a:endParaRPr lang="en-US"/>
-          </a:p>
-        </p:txBody>
-      </p:sp>
-      <p:sp>
-        <p:nvSpPr>
-          <p:cNvPr id="4" name="Slide Number Placeholder 3"/>
-          <p:cNvSpPr>
-            <a:spLocks noGrp="1"/>
-          </p:cNvSpPr>
-          <p:nvPr>
-            <p:ph type="sldNum" sz="quarter" idx="10"/>
-          </p:nvPr>
-        </p:nvSpPr>
-        <p:spPr/>
-        <p:txBody>
-          <a:bodyPr/>
-          <a:lstStyle/>
-          <a:p>
-            <a:fld id="{906AB01E-7BD7-442B-8A6B-D31FAFDAE830}" type="slidenum">
-              <a:rPr lang="en-US" smtClean="0"/>
-              <a:t>20</a:t>
-            </a:fld>
-            <a:endParaRPr lang="en-US"/>
-          </a:p>
-        </p:txBody>
-      </p:sp>
-    </p:spTree>
-    <p:extLst>
-      <p:ext uri="{BB962C8B-B14F-4D97-AF65-F5344CB8AC3E}">
-        <p14:creationId xmlns:p14="http://schemas.microsoft.com/office/powerpoint/2010/main" val="1895857876"/>
-      </p:ext>
-    </p:extLst>
-  </p:cSld>
-  <p:clrMapOvr>
-    <a:masterClrMapping/>
-  </p:clrMapOvr>
-</p:notes>
-</file>
-
-<file path=ppt/notesSlides/notesSlide21.xml><?xml version="1.0" encoding="utf-8"?>
-<p:notes xmlns:a="http://schemas.openxmlformats.org/drawingml/2006/main" xmlns:r="http://schemas.openxmlformats.org/officeDocument/2006/relationships" xmlns:p="http://schemas.openxmlformats.org/presentationml/2006/main">
-  <p:cSld>
-    <p:spTree>
-      <p:nvGrpSpPr>
-        <p:cNvPr id="1" name=""/>
-        <p:cNvGrpSpPr/>
-        <p:nvPr/>
-      </p:nvGrpSpPr>
-      <p:grpSpPr>
-        <a:xfrm>
-          <a:off x="0" y="0"/>
-          <a:ext cx="0" cy="0"/>
-          <a:chOff x="0" y="0"/>
-          <a:chExt cx="0" cy="0"/>
-        </a:xfrm>
-      </p:grpSpPr>
-      <p:sp>
-        <p:nvSpPr>
-          <p:cNvPr id="2" name="Slide Image Placeholder 1"/>
-          <p:cNvSpPr>
-            <a:spLocks noGrp="1" noRot="1" noChangeAspect="1"/>
-          </p:cNvSpPr>
-          <p:nvPr>
-            <p:ph type="sldImg"/>
-          </p:nvPr>
-        </p:nvSpPr>
-        <p:spPr/>
-      </p:sp>
-      <p:sp>
-        <p:nvSpPr>
-          <p:cNvPr id="3" name="Notes Placeholder 2"/>
-          <p:cNvSpPr>
-            <a:spLocks noGrp="1"/>
-          </p:cNvSpPr>
-          <p:nvPr>
-            <p:ph type="body" idx="1"/>
-          </p:nvPr>
-        </p:nvSpPr>
-        <p:spPr/>
-        <p:txBody>
-          <a:bodyPr/>
-          <a:lstStyle/>
-          <a:p>
-            <a:endParaRPr lang="en-US"/>
-          </a:p>
-        </p:txBody>
-      </p:sp>
-      <p:sp>
-        <p:nvSpPr>
-          <p:cNvPr id="4" name="Slide Number Placeholder 3"/>
-          <p:cNvSpPr>
-            <a:spLocks noGrp="1"/>
-          </p:cNvSpPr>
-          <p:nvPr>
-            <p:ph type="sldNum" sz="quarter" idx="10"/>
-          </p:nvPr>
-        </p:nvSpPr>
-        <p:spPr/>
-        <p:txBody>
-          <a:bodyPr/>
-          <a:lstStyle/>
-          <a:p>
-            <a:fld id="{906AB01E-7BD7-442B-8A6B-D31FAFDAE830}" type="slidenum">
-              <a:rPr lang="en-US" smtClean="0"/>
-              <a:t>‹#›</a:t>
-            </a:fld>
-            <a:endParaRPr lang="en-US"/>
-          </a:p>
-        </p:txBody>
-      </p:sp>
-    </p:spTree>
-    <p:extLst>
-      <p:ext uri="{BB962C8B-B14F-4D97-AF65-F5344CB8AC3E}">
-        <p14:creationId xmlns:p14="http://schemas.microsoft.com/office/powerpoint/2010/main" val="269958144"/>
       </p:ext>
     </p:extLst>
   </p:cSld>
@@ -2104,7 +1938,7 @@
           <a:p>
             <a:fld id="{906AB01E-7BD7-442B-8A6B-D31FAFDAE830}" type="slidenum">
               <a:rPr lang="en-US" smtClean="0"/>
-              <a:t>‹#›</a:t>
+              <a:t>8</a:t>
             </a:fld>
             <a:endParaRPr lang="en-US"/>
           </a:p>
@@ -2113,7 +1947,7 @@
     </p:spTree>
     <p:extLst>
       <p:ext uri="{BB962C8B-B14F-4D97-AF65-F5344CB8AC3E}">
-        <p14:creationId xmlns:p14="http://schemas.microsoft.com/office/powerpoint/2010/main" val="3365928670"/>
+        <p14:creationId xmlns:p14="http://schemas.microsoft.com/office/powerpoint/2010/main" val="1679356279"/>
       </p:ext>
     </p:extLst>
   </p:cSld>
@@ -2188,7 +2022,7 @@
           <a:p>
             <a:fld id="{906AB01E-7BD7-442B-8A6B-D31FAFDAE830}" type="slidenum">
               <a:rPr lang="en-US" smtClean="0"/>
-              <a:t>8</a:t>
+              <a:t>9</a:t>
             </a:fld>
             <a:endParaRPr lang="en-US"/>
           </a:p>
@@ -2197,7 +2031,7 @@
     </p:spTree>
     <p:extLst>
       <p:ext uri="{BB962C8B-B14F-4D97-AF65-F5344CB8AC3E}">
-        <p14:creationId xmlns:p14="http://schemas.microsoft.com/office/powerpoint/2010/main" val="1679356279"/>
+        <p14:creationId xmlns:p14="http://schemas.microsoft.com/office/powerpoint/2010/main" val="2129098694"/>
       </p:ext>
     </p:extLst>
   </p:cSld>
@@ -2253,7 +2087,13 @@
           <a:p>
             <a:r>
               <a:rPr lang="en-US" dirty="0"/>
-              <a:t/>
+              <a:t>Show good demo - add numbers correctly</a:t>
+            </a:r>
+          </a:p>
+          <a:p>
+            <a:r>
+              <a:rPr lang="en-US" dirty="0"/>
+              <a:t>Show bad demo - use string literals</a:t>
             </a:r>
             <a:br>
               <a:rPr lang="en-US" dirty="0"/>
@@ -2279,7 +2119,7 @@
           <a:p>
             <a:fld id="{906AB01E-7BD7-442B-8A6B-D31FAFDAE830}" type="slidenum">
               <a:rPr lang="en-US" smtClean="0"/>
-              <a:t>9</a:t>
+              <a:t>10</a:t>
             </a:fld>
             <a:endParaRPr lang="en-US"/>
           </a:p>
@@ -4987,6 +4827,59 @@
           <a:chExt cx="0" cy="0"/>
         </a:xfrm>
       </p:grpSpPr>
+      <p:sp>
+        <p:nvSpPr>
+          <p:cNvPr id="2" name="Title 1"/>
+          <p:cNvSpPr>
+            <a:spLocks noGrp="1"/>
+          </p:cNvSpPr>
+          <p:nvPr>
+            <p:ph type="title"/>
+          </p:nvPr>
+        </p:nvSpPr>
+        <p:spPr/>
+        <p:txBody>
+          <a:bodyPr/>
+          <a:lstStyle/>
+          <a:p>
+            <a:r>
+              <a:rPr lang="en-US" dirty="0" smtClean="0"/>
+              <a:t>Formatting numeric values</a:t>
+            </a:r>
+            <a:endParaRPr lang="en-US" dirty="0"/>
+          </a:p>
+        </p:txBody>
+      </p:sp>
+    </p:spTree>
+    <p:extLst>
+      <p:ext uri="{BB962C8B-B14F-4D97-AF65-F5344CB8AC3E}">
+        <p14:creationId xmlns:p14="http://schemas.microsoft.com/office/powerpoint/2010/main" val="2002188732"/>
+      </p:ext>
+    </p:extLst>
+  </p:cSld>
+  <p:clrMapOvr>
+    <a:masterClrMapping/>
+  </p:clrMapOvr>
+</p:sld>
+</file>
+
+<file path=ppt/slides/slide11.xml><?xml version="1.0" encoding="utf-8"?>
+<p:sld xmlns:a="http://schemas.openxmlformats.org/drawingml/2006/main" xmlns:r="http://schemas.openxmlformats.org/officeDocument/2006/relationships" xmlns:p="http://schemas.openxmlformats.org/presentationml/2006/main">
+  <p:cSld>
+    <p:spTree>
+      <p:nvGrpSpPr>
+        <p:cNvPr id="1" name=""/>
+        <p:cNvGrpSpPr/>
+        <p:nvPr/>
+      </p:nvGrpSpPr>
+      <p:grpSpPr>
+        <a:xfrm>
+          <a:off x="0" y="0"/>
+          <a:ext cx="0" cy="0"/>
+          <a:chOff x="0" y="0"/>
+          <a:chExt cx="0" cy="0"/>
+        </a:xfrm>
+      </p:grpSpPr>
       <p:pic>
         <p:nvPicPr>
           <p:cNvPr id="7" name="Content Placeholder 6"/>
@@ -5253,7 +5146,7 @@
 </p:sld>
 </file>
 
-<file path=ppt/slides/slide11.xml><?xml version="1.0" encoding="utf-8"?>
+<file path=ppt/slides/slide12.xml><?xml version="1.0" encoding="utf-8"?>
 <p:sld xmlns:a="http://schemas.openxmlformats.org/drawingml/2006/main" xmlns:r="http://schemas.openxmlformats.org/officeDocument/2006/relationships" xmlns:p="http://schemas.openxmlformats.org/presentationml/2006/main">
   <p:cSld>
     <p:spTree>
@@ -5306,7 +5199,7 @@
 </p:sld>
 </file>
 
-<file path=ppt/slides/slide12.xml><?xml version="1.0" encoding="utf-8"?>
+<file path=ppt/slides/slide13.xml><?xml version="1.0" encoding="utf-8"?>
 <p:sld xmlns:a="http://schemas.openxmlformats.org/drawingml/2006/main" xmlns:r="http://schemas.openxmlformats.org/officeDocument/2006/relationships" xmlns:p="http://schemas.openxmlformats.org/presentationml/2006/main">
   <p:cSld>
     <p:spTree>
@@ -5974,7 +5867,7 @@
 </p:sld>
 </file>
 
-<file path=ppt/slides/slide13.xml><?xml version="1.0" encoding="utf-8"?>
+<file path=ppt/slides/slide14.xml><?xml version="1.0" encoding="utf-8"?>
 <p:sld xmlns:a="http://schemas.openxmlformats.org/drawingml/2006/main" xmlns:r="http://schemas.openxmlformats.org/officeDocument/2006/relationships" xmlns:p="http://schemas.openxmlformats.org/presentationml/2006/main">
   <p:cSld>
     <p:spTree>
@@ -6516,7 +6409,7 @@
 </p:sld>
 </file>
 
-<file path=ppt/slides/slide14.xml><?xml version="1.0" encoding="utf-8"?>
+<file path=ppt/slides/slide15.xml><?xml version="1.0" encoding="utf-8"?>
 <p:sld xmlns:a="http://schemas.openxmlformats.org/drawingml/2006/main" xmlns:r="http://schemas.openxmlformats.org/officeDocument/2006/relationships" xmlns:p="http://schemas.openxmlformats.org/presentationml/2006/main">
   <p:cSld>
     <p:spTree>
@@ -6995,7 +6888,7 @@
 </p:sld>
 </file>
 
-<file path=ppt/slides/slide15.xml><?xml version="1.0" encoding="utf-8"?>
+<file path=ppt/slides/slide16.xml><?xml version="1.0" encoding="utf-8"?>
 <p:sld xmlns:a="http://schemas.openxmlformats.org/drawingml/2006/main" xmlns:r="http://schemas.openxmlformats.org/officeDocument/2006/relationships" xmlns:p="http://schemas.openxmlformats.org/presentationml/2006/main">
   <p:cSld>
     <p:spTree>
@@ -7243,7 +7136,7 @@
 </p:sld>
 </file>
 
-<file path=ppt/slides/slide16.xml><?xml version="1.0" encoding="utf-8"?>
+<file path=ppt/slides/slide17.xml><?xml version="1.0" encoding="utf-8"?>
 <p:sld xmlns:a="http://schemas.openxmlformats.org/drawingml/2006/main" xmlns:r="http://schemas.openxmlformats.org/officeDocument/2006/relationships" xmlns:p="http://schemas.openxmlformats.org/presentationml/2006/main">
   <p:cSld>
     <p:spTree>
@@ -7673,7 +7566,7 @@
 </p:sld>
 </file>
 
-<file path=ppt/slides/slide17.xml><?xml version="1.0" encoding="utf-8"?>
+<file path=ppt/slides/slide18.xml><?xml version="1.0" encoding="utf-8"?>
 <p:sld xmlns:a="http://schemas.openxmlformats.org/drawingml/2006/main" xmlns:r="http://schemas.openxmlformats.org/officeDocument/2006/relationships" xmlns:p="http://schemas.openxmlformats.org/presentationml/2006/main">
   <p:cSld>
     <p:spTree>
@@ -8384,7 +8277,7 @@
 </p:sld>
 </file>
 
-<file path=ppt/slides/slide18.xml><?xml version="1.0" encoding="utf-8"?>
+<file path=ppt/slides/slide19.xml><?xml version="1.0" encoding="utf-8"?>
 <p:sld xmlns:a="http://schemas.openxmlformats.org/drawingml/2006/main" xmlns:r="http://schemas.openxmlformats.org/officeDocument/2006/relationships" xmlns:p="http://schemas.openxmlformats.org/presentationml/2006/main">
   <p:cSld>
     <p:spTree>
@@ -8441,7 +8334,280 @@
 </p:sld>
 </file>
 
-<file path=ppt/slides/slide19.xml><?xml version="1.0" encoding="utf-8"?>
+<file path=ppt/slides/slide2.xml><?xml version="1.0" encoding="utf-8"?>
+<p:sld xmlns:a="http://schemas.openxmlformats.org/drawingml/2006/main" xmlns:r="http://schemas.openxmlformats.org/officeDocument/2006/relationships" xmlns:p="http://schemas.openxmlformats.org/presentationml/2006/main">
+  <p:cSld>
+    <p:spTree>
+      <p:nvGrpSpPr>
+        <p:cNvPr id="1" name=""/>
+        <p:cNvGrpSpPr/>
+        <p:nvPr/>
+      </p:nvGrpSpPr>
+      <p:grpSpPr>
+        <a:xfrm>
+          <a:off x="0" y="0"/>
+          <a:ext cx="0" cy="0"/>
+          <a:chOff x="0" y="0"/>
+          <a:chExt cx="0" cy="0"/>
+        </a:xfrm>
+      </p:grpSpPr>
+      <p:sp>
+        <p:nvSpPr>
+          <p:cNvPr id="4" name="Title 3"/>
+          <p:cNvSpPr>
+            <a:spLocks noGrp="1"/>
+          </p:cNvSpPr>
+          <p:nvPr>
+            <p:ph type="title"/>
+          </p:nvPr>
+        </p:nvSpPr>
+        <p:spPr/>
+        <p:txBody>
+          <a:bodyPr/>
+          <a:lstStyle/>
+          <a:p>
+            <a:r>
+              <a:rPr lang="en-CA" dirty="0" smtClean="0"/>
+              <a:t>Many problems we have to solve involve math</a:t>
+            </a:r>
+            <a:endParaRPr lang="en-US" dirty="0"/>
+          </a:p>
+        </p:txBody>
+      </p:sp>
+      <p:sp>
+        <p:nvSpPr>
+          <p:cNvPr id="5" name="Content Placeholder 4"/>
+          <p:cNvSpPr>
+            <a:spLocks noGrp="1"/>
+          </p:cNvSpPr>
+          <p:nvPr>
+            <p:ph sz="quarter" idx="10"/>
+          </p:nvPr>
+        </p:nvSpPr>
+        <p:spPr/>
+        <p:txBody>
+          <a:bodyPr/>
+          <a:lstStyle/>
+          <a:p>
+            <a:r>
+              <a:rPr lang="en-CA" dirty="0" smtClean="0"/>
+              <a:t>How much will I pay monthly on a mortgage?</a:t>
+            </a:r>
+          </a:p>
+          <a:p>
+            <a:r>
+              <a:rPr lang="en-CA" dirty="0" smtClean="0"/>
+              <a:t>How much will this cost when I add taxes?</a:t>
+            </a:r>
+          </a:p>
+          <a:p>
+            <a:r>
+              <a:rPr lang="en-CA" dirty="0" smtClean="0"/>
+              <a:t>How much milk do I need to use in this recipe if I want to double the recipe?</a:t>
+            </a:r>
+          </a:p>
+          <a:p>
+            <a:pPr marL="0" indent="0">
+              <a:buNone/>
+            </a:pPr>
+            <a:endParaRPr lang="en-US" dirty="0"/>
+          </a:p>
+        </p:txBody>
+      </p:sp>
+    </p:spTree>
+    <p:extLst>
+      <p:ext uri="{BB962C8B-B14F-4D97-AF65-F5344CB8AC3E}">
+        <p14:creationId xmlns:p14="http://schemas.microsoft.com/office/powerpoint/2010/main" val="2449272264"/>
+      </p:ext>
+    </p:extLst>
+  </p:cSld>
+  <p:clrMapOvr>
+    <a:masterClrMapping/>
+  </p:clrMapOvr>
+  <p:timing>
+    <p:tnLst>
+      <p:par>
+        <p:cTn id="1" dur="indefinite" restart="never" nodeType="tmRoot">
+          <p:childTnLst>
+            <p:seq concurrent="1" nextAc="seek">
+              <p:cTn id="2" dur="indefinite" nodeType="mainSeq">
+                <p:childTnLst>
+                  <p:par>
+                    <p:cTn id="3" fill="hold">
+                      <p:stCondLst>
+                        <p:cond delay="indefinite"/>
+                      </p:stCondLst>
+                      <p:childTnLst>
+                        <p:par>
+                          <p:cTn id="4" fill="hold">
+                            <p:stCondLst>
+                              <p:cond delay="0"/>
+                            </p:stCondLst>
+                            <p:childTnLst>
+                              <p:par>
+                                <p:cTn id="5" presetID="1" presetClass="entr" presetSubtype="0" fill="hold" grpId="0" nodeType="clickEffect">
+                                  <p:stCondLst>
+                                    <p:cond delay="0"/>
+                                  </p:stCondLst>
+                                  <p:childTnLst>
+                                    <p:set>
+                                      <p:cBhvr>
+                                        <p:cTn id="6" dur="1" fill="hold">
+                                          <p:stCondLst>
+                                            <p:cond delay="0"/>
+                                          </p:stCondLst>
+                                        </p:cTn>
+                                        <p:tgtEl>
+                                          <p:spTgt spid="5">
+                                            <p:txEl>
+                                              <p:pRg st="0" end="0"/>
+                                            </p:txEl>
+                                          </p:spTgt>
+                                        </p:tgtEl>
+                                        <p:attrNameLst>
+                                          <p:attrName>style.visibility</p:attrName>
+                                        </p:attrNameLst>
+                                      </p:cBhvr>
+                                      <p:to>
+                                        <p:strVal val="visible"/>
+                                      </p:to>
+                                    </p:set>
+                                  </p:childTnLst>
+                                </p:cTn>
+                              </p:par>
+                            </p:childTnLst>
+                          </p:cTn>
+                        </p:par>
+                      </p:childTnLst>
+                    </p:cTn>
+                  </p:par>
+                  <p:par>
+                    <p:cTn id="7" fill="hold">
+                      <p:stCondLst>
+                        <p:cond delay="indefinite"/>
+                      </p:stCondLst>
+                      <p:childTnLst>
+                        <p:par>
+                          <p:cTn id="8" fill="hold">
+                            <p:stCondLst>
+                              <p:cond delay="0"/>
+                            </p:stCondLst>
+                            <p:childTnLst>
+                              <p:par>
+                                <p:cTn id="9" presetID="1" presetClass="entr" presetSubtype="0" fill="hold" grpId="0" nodeType="clickEffect">
+                                  <p:stCondLst>
+                                    <p:cond delay="0"/>
+                                  </p:stCondLst>
+                                  <p:childTnLst>
+                                    <p:set>
+                                      <p:cBhvr>
+                                        <p:cTn id="10" dur="1" fill="hold">
+                                          <p:stCondLst>
+                                            <p:cond delay="0"/>
+                                          </p:stCondLst>
+                                        </p:cTn>
+                                        <p:tgtEl>
+                                          <p:spTgt spid="5">
+                                            <p:txEl>
+                                              <p:pRg st="1" end="1"/>
+                                            </p:txEl>
+                                          </p:spTgt>
+                                        </p:tgtEl>
+                                        <p:attrNameLst>
+                                          <p:attrName>style.visibility</p:attrName>
+                                        </p:attrNameLst>
+                                      </p:cBhvr>
+                                      <p:to>
+                                        <p:strVal val="visible"/>
+                                      </p:to>
+                                    </p:set>
+                                  </p:childTnLst>
+                                </p:cTn>
+                              </p:par>
+                            </p:childTnLst>
+                          </p:cTn>
+                        </p:par>
+                      </p:childTnLst>
+                    </p:cTn>
+                  </p:par>
+                  <p:par>
+                    <p:cTn id="11" fill="hold">
+                      <p:stCondLst>
+                        <p:cond delay="indefinite"/>
+                      </p:stCondLst>
+                      <p:childTnLst>
+                        <p:par>
+                          <p:cTn id="12" fill="hold">
+                            <p:stCondLst>
+                              <p:cond delay="0"/>
+                            </p:stCondLst>
+                            <p:childTnLst>
+                              <p:par>
+                                <p:cTn id="13" presetID="1" presetClass="entr" presetSubtype="0" fill="hold" grpId="0" nodeType="clickEffect">
+                                  <p:stCondLst>
+                                    <p:cond delay="0"/>
+                                  </p:stCondLst>
+                                  <p:childTnLst>
+                                    <p:set>
+                                      <p:cBhvr>
+                                        <p:cTn id="14" dur="1" fill="hold">
+                                          <p:stCondLst>
+                                            <p:cond delay="0"/>
+                                          </p:stCondLst>
+                                        </p:cTn>
+                                        <p:tgtEl>
+                                          <p:spTgt spid="5">
+                                            <p:txEl>
+                                              <p:pRg st="2" end="2"/>
+                                            </p:txEl>
+                                          </p:spTgt>
+                                        </p:tgtEl>
+                                        <p:attrNameLst>
+                                          <p:attrName>style.visibility</p:attrName>
+                                        </p:attrNameLst>
+                                      </p:cBhvr>
+                                      <p:to>
+                                        <p:strVal val="visible"/>
+                                      </p:to>
+                                    </p:set>
+                                  </p:childTnLst>
+                                </p:cTn>
+                              </p:par>
+                            </p:childTnLst>
+                          </p:cTn>
+                        </p:par>
+                      </p:childTnLst>
+                    </p:cTn>
+                  </p:par>
+                </p:childTnLst>
+              </p:cTn>
+              <p:prevCondLst>
+                <p:cond evt="onPrev" delay="0">
+                  <p:tgtEl>
+                    <p:sldTgt/>
+                  </p:tgtEl>
+                </p:cond>
+              </p:prevCondLst>
+              <p:nextCondLst>
+                <p:cond evt="onNext" delay="0">
+                  <p:tgtEl>
+                    <p:sldTgt/>
+                  </p:tgtEl>
+                </p:cond>
+              </p:nextCondLst>
+            </p:seq>
+          </p:childTnLst>
+        </p:cTn>
+      </p:par>
+    </p:tnLst>
+    <p:bldLst>
+      <p:bldP spid="5" grpId="0" build="p"/>
+    </p:bldLst>
+  </p:timing>
+</p:sld>
+</file>
+
+<file path=ppt/slides/slide20.xml><?xml version="1.0" encoding="utf-8"?>
 <p:sld xmlns:a="http://schemas.openxmlformats.org/drawingml/2006/main" xmlns:r="http://schemas.openxmlformats.org/officeDocument/2006/relationships" xmlns:p="http://schemas.openxmlformats.org/presentationml/2006/main">
   <p:cSld>
     <p:spTree>
@@ -8859,280 +9025,7 @@
 </p:sld>
 </file>
 
-<file path=ppt/slides/slide2.xml><?xml version="1.0" encoding="utf-8"?>
-<p:sld xmlns:a="http://schemas.openxmlformats.org/drawingml/2006/main" xmlns:r="http://schemas.openxmlformats.org/officeDocument/2006/relationships" xmlns:p="http://schemas.openxmlformats.org/presentationml/2006/main">
-  <p:cSld>
-    <p:spTree>
-      <p:nvGrpSpPr>
-        <p:cNvPr id="1" name=""/>
-        <p:cNvGrpSpPr/>
-        <p:nvPr/>
-      </p:nvGrpSpPr>
-      <p:grpSpPr>
-        <a:xfrm>
-          <a:off x="0" y="0"/>
-          <a:ext cx="0" cy="0"/>
-          <a:chOff x="0" y="0"/>
-          <a:chExt cx="0" cy="0"/>
-        </a:xfrm>
-      </p:grpSpPr>
-      <p:sp>
-        <p:nvSpPr>
-          <p:cNvPr id="4" name="Title 3"/>
-          <p:cNvSpPr>
-            <a:spLocks noGrp="1"/>
-          </p:cNvSpPr>
-          <p:nvPr>
-            <p:ph type="title"/>
-          </p:nvPr>
-        </p:nvSpPr>
-        <p:spPr/>
-        <p:txBody>
-          <a:bodyPr/>
-          <a:lstStyle/>
-          <a:p>
-            <a:r>
-              <a:rPr lang="en-CA" dirty="0" smtClean="0"/>
-              <a:t>Many problems we have to solve involve math</a:t>
-            </a:r>
-            <a:endParaRPr lang="en-US" dirty="0"/>
-          </a:p>
-        </p:txBody>
-      </p:sp>
-      <p:sp>
-        <p:nvSpPr>
-          <p:cNvPr id="5" name="Content Placeholder 4"/>
-          <p:cNvSpPr>
-            <a:spLocks noGrp="1"/>
-          </p:cNvSpPr>
-          <p:nvPr>
-            <p:ph sz="quarter" idx="10"/>
-          </p:nvPr>
-        </p:nvSpPr>
-        <p:spPr/>
-        <p:txBody>
-          <a:bodyPr/>
-          <a:lstStyle/>
-          <a:p>
-            <a:r>
-              <a:rPr lang="en-CA" dirty="0" smtClean="0"/>
-              <a:t>How much will I pay monthly on a mortgage?</a:t>
-            </a:r>
-          </a:p>
-          <a:p>
-            <a:r>
-              <a:rPr lang="en-CA" dirty="0" smtClean="0"/>
-              <a:t>How much will this cost when I add taxes?</a:t>
-            </a:r>
-          </a:p>
-          <a:p>
-            <a:r>
-              <a:rPr lang="en-CA" dirty="0" smtClean="0"/>
-              <a:t>How much milk do I need to use in this recipe if I want to double the recipe?</a:t>
-            </a:r>
-          </a:p>
-          <a:p>
-            <a:pPr marL="0" indent="0">
-              <a:buNone/>
-            </a:pPr>
-            <a:endParaRPr lang="en-US" dirty="0"/>
-          </a:p>
-        </p:txBody>
-      </p:sp>
-    </p:spTree>
-    <p:extLst>
-      <p:ext uri="{BB962C8B-B14F-4D97-AF65-F5344CB8AC3E}">
-        <p14:creationId xmlns:p14="http://schemas.microsoft.com/office/powerpoint/2010/main" val="2449272264"/>
-      </p:ext>
-    </p:extLst>
-  </p:cSld>
-  <p:clrMapOvr>
-    <a:masterClrMapping/>
-  </p:clrMapOvr>
-  <p:timing>
-    <p:tnLst>
-      <p:par>
-        <p:cTn id="1" dur="indefinite" restart="never" nodeType="tmRoot">
-          <p:childTnLst>
-            <p:seq concurrent="1" nextAc="seek">
-              <p:cTn id="2" dur="indefinite" nodeType="mainSeq">
-                <p:childTnLst>
-                  <p:par>
-                    <p:cTn id="3" fill="hold">
-                      <p:stCondLst>
-                        <p:cond delay="indefinite"/>
-                      </p:stCondLst>
-                      <p:childTnLst>
-                        <p:par>
-                          <p:cTn id="4" fill="hold">
-                            <p:stCondLst>
-                              <p:cond delay="0"/>
-                            </p:stCondLst>
-                            <p:childTnLst>
-                              <p:par>
-                                <p:cTn id="5" presetID="1" presetClass="entr" presetSubtype="0" fill="hold" grpId="0" nodeType="clickEffect">
-                                  <p:stCondLst>
-                                    <p:cond delay="0"/>
-                                  </p:stCondLst>
-                                  <p:childTnLst>
-                                    <p:set>
-                                      <p:cBhvr>
-                                        <p:cTn id="6" dur="1" fill="hold">
-                                          <p:stCondLst>
-                                            <p:cond delay="0"/>
-                                          </p:stCondLst>
-                                        </p:cTn>
-                                        <p:tgtEl>
-                                          <p:spTgt spid="5">
-                                            <p:txEl>
-                                              <p:pRg st="0" end="0"/>
-                                            </p:txEl>
-                                          </p:spTgt>
-                                        </p:tgtEl>
-                                        <p:attrNameLst>
-                                          <p:attrName>style.visibility</p:attrName>
-                                        </p:attrNameLst>
-                                      </p:cBhvr>
-                                      <p:to>
-                                        <p:strVal val="visible"/>
-                                      </p:to>
-                                    </p:set>
-                                  </p:childTnLst>
-                                </p:cTn>
-                              </p:par>
-                            </p:childTnLst>
-                          </p:cTn>
-                        </p:par>
-                      </p:childTnLst>
-                    </p:cTn>
-                  </p:par>
-                  <p:par>
-                    <p:cTn id="7" fill="hold">
-                      <p:stCondLst>
-                        <p:cond delay="indefinite"/>
-                      </p:stCondLst>
-                      <p:childTnLst>
-                        <p:par>
-                          <p:cTn id="8" fill="hold">
-                            <p:stCondLst>
-                              <p:cond delay="0"/>
-                            </p:stCondLst>
-                            <p:childTnLst>
-                              <p:par>
-                                <p:cTn id="9" presetID="1" presetClass="entr" presetSubtype="0" fill="hold" grpId="0" nodeType="clickEffect">
-                                  <p:stCondLst>
-                                    <p:cond delay="0"/>
-                                  </p:stCondLst>
-                                  <p:childTnLst>
-                                    <p:set>
-                                      <p:cBhvr>
-                                        <p:cTn id="10" dur="1" fill="hold">
-                                          <p:stCondLst>
-                                            <p:cond delay="0"/>
-                                          </p:stCondLst>
-                                        </p:cTn>
-                                        <p:tgtEl>
-                                          <p:spTgt spid="5">
-                                            <p:txEl>
-                                              <p:pRg st="1" end="1"/>
-                                            </p:txEl>
-                                          </p:spTgt>
-                                        </p:tgtEl>
-                                        <p:attrNameLst>
-                                          <p:attrName>style.visibility</p:attrName>
-                                        </p:attrNameLst>
-                                      </p:cBhvr>
-                                      <p:to>
-                                        <p:strVal val="visible"/>
-                                      </p:to>
-                                    </p:set>
-                                  </p:childTnLst>
-                                </p:cTn>
-                              </p:par>
-                            </p:childTnLst>
-                          </p:cTn>
-                        </p:par>
-                      </p:childTnLst>
-                    </p:cTn>
-                  </p:par>
-                  <p:par>
-                    <p:cTn id="11" fill="hold">
-                      <p:stCondLst>
-                        <p:cond delay="indefinite"/>
-                      </p:stCondLst>
-                      <p:childTnLst>
-                        <p:par>
-                          <p:cTn id="12" fill="hold">
-                            <p:stCondLst>
-                              <p:cond delay="0"/>
-                            </p:stCondLst>
-                            <p:childTnLst>
-                              <p:par>
-                                <p:cTn id="13" presetID="1" presetClass="entr" presetSubtype="0" fill="hold" grpId="0" nodeType="clickEffect">
-                                  <p:stCondLst>
-                                    <p:cond delay="0"/>
-                                  </p:stCondLst>
-                                  <p:childTnLst>
-                                    <p:set>
-                                      <p:cBhvr>
-                                        <p:cTn id="14" dur="1" fill="hold">
-                                          <p:stCondLst>
-                                            <p:cond delay="0"/>
-                                          </p:stCondLst>
-                                        </p:cTn>
-                                        <p:tgtEl>
-                                          <p:spTgt spid="5">
-                                            <p:txEl>
-                                              <p:pRg st="2" end="2"/>
-                                            </p:txEl>
-                                          </p:spTgt>
-                                        </p:tgtEl>
-                                        <p:attrNameLst>
-                                          <p:attrName>style.visibility</p:attrName>
-                                        </p:attrNameLst>
-                                      </p:cBhvr>
-                                      <p:to>
-                                        <p:strVal val="visible"/>
-                                      </p:to>
-                                    </p:set>
-                                  </p:childTnLst>
-                                </p:cTn>
-                              </p:par>
-                            </p:childTnLst>
-                          </p:cTn>
-                        </p:par>
-                      </p:childTnLst>
-                    </p:cTn>
-                  </p:par>
-                </p:childTnLst>
-              </p:cTn>
-              <p:prevCondLst>
-                <p:cond evt="onPrev" delay="0">
-                  <p:tgtEl>
-                    <p:sldTgt/>
-                  </p:tgtEl>
-                </p:cond>
-              </p:prevCondLst>
-              <p:nextCondLst>
-                <p:cond evt="onNext" delay="0">
-                  <p:tgtEl>
-                    <p:sldTgt/>
-                  </p:tgtEl>
-                </p:cond>
-              </p:nextCondLst>
-            </p:seq>
-          </p:childTnLst>
-        </p:cTn>
-      </p:par>
-    </p:tnLst>
-    <p:bldLst>
-      <p:bldP spid="5" grpId="0" build="p"/>
-    </p:bldLst>
-  </p:timing>
-</p:sld>
-</file>
-
-<file path=ppt/slides/slide20.xml><?xml version="1.0" encoding="utf-8"?>
+<file path=ppt/slides/slide21.xml><?xml version="1.0" encoding="utf-8"?>
 <p:sld xmlns:a="http://schemas.openxmlformats.org/drawingml/2006/main" xmlns:r="http://schemas.openxmlformats.org/officeDocument/2006/relationships" xmlns:p="http://schemas.openxmlformats.org/presentationml/2006/main">
   <p:cSld>
     <p:spTree>
@@ -9244,7 +9137,7 @@
 </p:sld>
 </file>
 
-<file path=ppt/slides/slide21.xml><?xml version="1.0" encoding="utf-8"?>
+<file path=ppt/slides/slide22.xml><?xml version="1.0" encoding="utf-8"?>
 <p:sld xmlns:a="http://schemas.openxmlformats.org/drawingml/2006/main" xmlns:r="http://schemas.openxmlformats.org/officeDocument/2006/relationships" xmlns:p="http://schemas.openxmlformats.org/presentationml/2006/main">
   <p:cSld>
     <p:spTree>
@@ -10109,21 +10002,21 @@
                 <a:gridCol w="1463147">
                   <a:extLst>
                     <a:ext uri="{9D8B030D-6E8A-4147-A177-3AD203B41FA5}">
-                      <a16:colId xmlns:a16="http://schemas.microsoft.com/office/drawing/2014/main" val="3302812797"/>
+                      <a16:colId xmlns="" xmlns:a16="http://schemas.microsoft.com/office/drawing/2014/main" val="3302812797"/>
                     </a:ext>
                   </a:extLst>
                 </a:gridCol>
                 <a:gridCol w="3078131">
                   <a:extLst>
                     <a:ext uri="{9D8B030D-6E8A-4147-A177-3AD203B41FA5}">
-                      <a16:colId xmlns:a16="http://schemas.microsoft.com/office/drawing/2014/main" val="726788657"/>
+                      <a16:colId xmlns="" xmlns:a16="http://schemas.microsoft.com/office/drawing/2014/main" val="726788657"/>
                     </a:ext>
                   </a:extLst>
                 </a:gridCol>
                 <a:gridCol w="2608821">
                   <a:extLst>
                     <a:ext uri="{9D8B030D-6E8A-4147-A177-3AD203B41FA5}">
-                      <a16:colId xmlns:a16="http://schemas.microsoft.com/office/drawing/2014/main" val="479426941"/>
+                      <a16:colId xmlns="" xmlns:a16="http://schemas.microsoft.com/office/drawing/2014/main" val="479426941"/>
                     </a:ext>
                   </a:extLst>
                 </a:gridCol>
@@ -10176,7 +10069,7 @@
                 </a:tc>
                 <a:extLst>
                   <a:ext uri="{0D108BD9-81ED-4DB2-BD59-A6C34878D82A}">
-                    <a16:rowId xmlns:a16="http://schemas.microsoft.com/office/drawing/2014/main" val="1522480120"/>
+                    <a16:rowId xmlns="" xmlns:a16="http://schemas.microsoft.com/office/drawing/2014/main" val="1522480120"/>
                   </a:ext>
                 </a:extLst>
               </a:tr>
@@ -10229,7 +10122,7 @@
                 </a:tc>
                 <a:extLst>
                   <a:ext uri="{0D108BD9-81ED-4DB2-BD59-A6C34878D82A}">
-                    <a16:rowId xmlns:a16="http://schemas.microsoft.com/office/drawing/2014/main" val="3206670584"/>
+                    <a16:rowId xmlns="" xmlns:a16="http://schemas.microsoft.com/office/drawing/2014/main" val="3206670584"/>
                   </a:ext>
                 </a:extLst>
               </a:tr>
@@ -10282,7 +10175,7 @@
                 </a:tc>
                 <a:extLst>
                   <a:ext uri="{0D108BD9-81ED-4DB2-BD59-A6C34878D82A}">
-                    <a16:rowId xmlns:a16="http://schemas.microsoft.com/office/drawing/2014/main" val="1688054447"/>
+                    <a16:rowId xmlns="" xmlns:a16="http://schemas.microsoft.com/office/drawing/2014/main" val="1688054447"/>
                   </a:ext>
                 </a:extLst>
               </a:tr>
@@ -10331,7 +10224,7 @@
                 </a:tc>
                 <a:extLst>
                   <a:ext uri="{0D108BD9-81ED-4DB2-BD59-A6C34878D82A}">
-                    <a16:rowId xmlns:a16="http://schemas.microsoft.com/office/drawing/2014/main" val="549480022"/>
+                    <a16:rowId xmlns="" xmlns:a16="http://schemas.microsoft.com/office/drawing/2014/main" val="549480022"/>
                   </a:ext>
                 </a:extLst>
               </a:tr>
@@ -10380,7 +10273,7 @@
                 </a:tc>
                 <a:extLst>
                   <a:ext uri="{0D108BD9-81ED-4DB2-BD59-A6C34878D82A}">
-                    <a16:rowId xmlns:a16="http://schemas.microsoft.com/office/drawing/2014/main" val="3885486608"/>
+                    <a16:rowId xmlns="" xmlns:a16="http://schemas.microsoft.com/office/drawing/2014/main" val="3885486608"/>
                   </a:ext>
                 </a:extLst>
               </a:tr>
@@ -10429,7 +10322,7 @@
                 </a:tc>
                 <a:extLst>
                   <a:ext uri="{0D108BD9-81ED-4DB2-BD59-A6C34878D82A}">
-                    <a16:rowId xmlns:a16="http://schemas.microsoft.com/office/drawing/2014/main" val="4020642671"/>
+                    <a16:rowId xmlns="" xmlns:a16="http://schemas.microsoft.com/office/drawing/2014/main" val="4020642671"/>
                   </a:ext>
                 </a:extLst>
               </a:tr>
@@ -10478,7 +10371,7 @@
                 </a:tc>
                 <a:extLst>
                   <a:ext uri="{0D108BD9-81ED-4DB2-BD59-A6C34878D82A}">
-                    <a16:rowId xmlns:a16="http://schemas.microsoft.com/office/drawing/2014/main" val="2247788632"/>
+                    <a16:rowId xmlns="" xmlns:a16="http://schemas.microsoft.com/office/drawing/2014/main" val="2247788632"/>
                   </a:ext>
                 </a:extLst>
               </a:tr>
@@ -10941,14 +10834,14 @@
                 <a:gridCol w="5702300">
                   <a:extLst>
                     <a:ext uri="{9D8B030D-6E8A-4147-A177-3AD203B41FA5}">
-                      <a16:colId xmlns:a16="http://schemas.microsoft.com/office/drawing/2014/main" val="961687235"/>
+                      <a16:colId xmlns="" xmlns:a16="http://schemas.microsoft.com/office/drawing/2014/main" val="961687235"/>
                     </a:ext>
                   </a:extLst>
                 </a:gridCol>
                 <a:gridCol w="3202426">
                   <a:extLst>
                     <a:ext uri="{9D8B030D-6E8A-4147-A177-3AD203B41FA5}">
-                      <a16:colId xmlns:a16="http://schemas.microsoft.com/office/drawing/2014/main" val="1769846214"/>
+                      <a16:colId xmlns="" xmlns:a16="http://schemas.microsoft.com/office/drawing/2014/main" val="1769846214"/>
                     </a:ext>
                   </a:extLst>
                 </a:gridCol>
@@ -10986,7 +10879,7 @@
                 </a:tc>
                 <a:extLst>
                   <a:ext uri="{0D108BD9-81ED-4DB2-BD59-A6C34878D82A}">
-                    <a16:rowId xmlns:a16="http://schemas.microsoft.com/office/drawing/2014/main" val="4236792033"/>
+                    <a16:rowId xmlns="" xmlns:a16="http://schemas.microsoft.com/office/drawing/2014/main" val="4236792033"/>
                   </a:ext>
                 </a:extLst>
               </a:tr>
@@ -11079,7 +10972,7 @@
                 </a:tc>
                 <a:extLst>
                   <a:ext uri="{0D108BD9-81ED-4DB2-BD59-A6C34878D82A}">
-                    <a16:rowId xmlns:a16="http://schemas.microsoft.com/office/drawing/2014/main" val="173323767"/>
+                    <a16:rowId xmlns="" xmlns:a16="http://schemas.microsoft.com/office/drawing/2014/main" val="173323767"/>
                   </a:ext>
                 </a:extLst>
               </a:tr>
@@ -11172,7 +11065,7 @@
                 </a:tc>
                 <a:extLst>
                   <a:ext uri="{0D108BD9-81ED-4DB2-BD59-A6C34878D82A}">
-                    <a16:rowId xmlns:a16="http://schemas.microsoft.com/office/drawing/2014/main" val="3917988680"/>
+                    <a16:rowId xmlns="" xmlns:a16="http://schemas.microsoft.com/office/drawing/2014/main" val="3917988680"/>
                   </a:ext>
                 </a:extLst>
               </a:tr>
@@ -11265,7 +11158,7 @@
                 </a:tc>
                 <a:extLst>
                   <a:ext uri="{0D108BD9-81ED-4DB2-BD59-A6C34878D82A}">
-                    <a16:rowId xmlns:a16="http://schemas.microsoft.com/office/drawing/2014/main" val="3659282646"/>
+                    <a16:rowId xmlns="" xmlns:a16="http://schemas.microsoft.com/office/drawing/2014/main" val="3659282646"/>
                   </a:ext>
                 </a:extLst>
               </a:tr>
@@ -11358,7 +11251,7 @@
                 </a:tc>
                 <a:extLst>
                   <a:ext uri="{0D108BD9-81ED-4DB2-BD59-A6C34878D82A}">
-                    <a16:rowId xmlns:a16="http://schemas.microsoft.com/office/drawing/2014/main" val="3087695988"/>
+                    <a16:rowId xmlns="" xmlns:a16="http://schemas.microsoft.com/office/drawing/2014/main" val="3087695988"/>
                   </a:ext>
                 </a:extLst>
               </a:tr>
@@ -11454,7 +11347,7 @@
                 </a:tc>
                 <a:extLst>
                   <a:ext uri="{0D108BD9-81ED-4DB2-BD59-A6C34878D82A}">
-                    <a16:rowId xmlns:a16="http://schemas.microsoft.com/office/drawing/2014/main" val="1983132832"/>
+                    <a16:rowId xmlns="" xmlns:a16="http://schemas.microsoft.com/office/drawing/2014/main" val="1983132832"/>
                   </a:ext>
                 </a:extLst>
               </a:tr>
@@ -11524,9 +11417,800 @@
           <a:chExt cx="0" cy="0"/>
         </a:xfrm>
       </p:grpSpPr>
-      <p:sp>
-        <p:nvSpPr>
-          <p:cNvPr id="2" name="Title 1"/>
+      <p:graphicFrame>
+        <p:nvGraphicFramePr>
+          <p:cNvPr id="8" name="Table 7"/>
+          <p:cNvGraphicFramePr>
+            <a:graphicFrameLocks noGrp="1"/>
+          </p:cNvGraphicFramePr>
+          <p:nvPr>
+            <p:extLst>
+              <p:ext uri="{D42A27DB-BD31-4B8C-83A1-F6EECF244321}">
+                <p14:modId xmlns:p14="http://schemas.microsoft.com/office/powerpoint/2010/main" val="4258549136"/>
+              </p:ext>
+            </p:extLst>
+          </p:nvPr>
+        </p:nvGraphicFramePr>
+        <p:xfrm>
+          <a:off x="652780" y="2411901"/>
+          <a:ext cx="10418046" cy="2743200"/>
+        </p:xfrm>
+        <a:graphic>
+          <a:graphicData uri="http://schemas.openxmlformats.org/drawingml/2006/table">
+            <a:tbl>
+              <a:tblPr firstRow="1" bandRow="1">
+                <a:tableStyleId>{5C22544A-7EE6-4342-B048-85BDC9FD1C3A}</a:tableStyleId>
+              </a:tblPr>
+              <a:tblGrid>
+                <a:gridCol w="7580710">
+                  <a:extLst>
+                    <a:ext uri="{9D8B030D-6E8A-4147-A177-3AD203B41FA5}">
+                      <a16:colId xmlns="" xmlns:a16="http://schemas.microsoft.com/office/drawing/2014/main" val="961687235"/>
+                    </a:ext>
+                  </a:extLst>
+                </a:gridCol>
+                <a:gridCol w="2837336">
+                  <a:extLst>
+                    <a:ext uri="{9D8B030D-6E8A-4147-A177-3AD203B41FA5}">
+                      <a16:colId xmlns="" xmlns:a16="http://schemas.microsoft.com/office/drawing/2014/main" val="1769846214"/>
+                    </a:ext>
+                  </a:extLst>
+                </a:gridCol>
+              </a:tblGrid>
+              <a:tr h="239606">
+                <a:tc>
+                  <a:txBody>
+                    <a:bodyPr/>
+                    <a:lstStyle/>
+                    <a:p>
+                      <a:pPr algn="ctr"/>
+                      <a:r>
+                        <a:rPr lang="en-CA" sz="2400" dirty="0" smtClean="0"/>
+                        <a:t>Syntax</a:t>
+                      </a:r>
+                      <a:endParaRPr lang="en-US" sz="2400" dirty="0"/>
+                    </a:p>
+                  </a:txBody>
+                  <a:tcPr/>
+                </a:tc>
+                <a:tc>
+                  <a:txBody>
+                    <a:bodyPr/>
+                    <a:lstStyle/>
+                    <a:p>
+                      <a:pPr algn="ctr"/>
+                      <a:r>
+                        <a:rPr lang="en-CA" sz="2400" dirty="0" smtClean="0"/>
+                        <a:t>Output</a:t>
+                      </a:r>
+                      <a:endParaRPr lang="en-US" sz="2400" dirty="0"/>
+                    </a:p>
+                  </a:txBody>
+                  <a:tcPr/>
+                </a:tc>
+                <a:extLst>
+                  <a:ext uri="{0D108BD9-81ED-4DB2-BD59-A6C34878D82A}">
+                    <a16:rowId xmlns="" xmlns:a16="http://schemas.microsoft.com/office/drawing/2014/main" val="4236792033"/>
+                  </a:ext>
+                </a:extLst>
+              </a:tr>
+              <a:tr h="370840">
+                <a:tc>
+                  <a:txBody>
+                    <a:bodyPr/>
+                    <a:lstStyle/>
+                    <a:p>
+                      <a:pPr marL="0" marR="0" lvl="0" indent="0" algn="l" defTabSz="914400" rtl="0" eaLnBrk="0" fontAlgn="base" latinLnBrk="0" hangingPunct="0">
+                        <a:lnSpc>
+                          <a:spcPct val="100000"/>
+                        </a:lnSpc>
+                        <a:spcBef>
+                          <a:spcPct val="0"/>
+                        </a:spcBef>
+                        <a:spcAft>
+                          <a:spcPct val="0"/>
+                        </a:spcAft>
+                        <a:buClrTx/>
+                        <a:buSzTx/>
+                        <a:buFontTx/>
+                        <a:buNone/>
+                        <a:tabLst/>
+                      </a:pPr>
+                      <a:r>
+                        <a:rPr kumimoji="0" lang="en-US" altLang="en-US" sz="2400" b="0" i="0" u="none" strike="noStrike" cap="none" normalizeH="0" baseline="0" dirty="0" smtClean="0">
+                          <a:ln>
+                            <a:noFill/>
+                          </a:ln>
+                          <a:solidFill>
+                            <a:srgbClr val="000000"/>
+                          </a:solidFill>
+                          <a:effectLst/>
+                          <a:latin typeface="Consolas" panose="020B0609020204030204" pitchFamily="49" charset="0"/>
+                          <a:cs typeface="Consolas" panose="020B0609020204030204" pitchFamily="49" charset="0"/>
+                        </a:rPr>
+                        <a:t>print(</a:t>
+                      </a:r>
+                      <a:r>
+                        <a:rPr kumimoji="0" lang="en-US" altLang="en-US" sz="2400" b="0" i="0" u="none" strike="noStrike" cap="none" normalizeH="0" baseline="0" dirty="0" smtClean="0">
+                          <a:ln>
+                            <a:noFill/>
+                          </a:ln>
+                          <a:solidFill>
+                            <a:srgbClr val="A31515"/>
+                          </a:solidFill>
+                          <a:effectLst/>
+                          <a:latin typeface="Consolas" panose="020B0609020204030204" pitchFamily="49" charset="0"/>
+                          <a:cs typeface="Consolas" panose="020B0609020204030204" pitchFamily="49" charset="0"/>
+                        </a:rPr>
+                        <a:t>"I have {0:d} </a:t>
+                      </a:r>
+                      <a:r>
+                        <a:rPr kumimoji="0" lang="en-US" altLang="en-US" sz="2400" b="0" i="0" u="none" strike="noStrike" cap="none" normalizeH="0" baseline="0" dirty="0" err="1" smtClean="0">
+                          <a:ln>
+                            <a:noFill/>
+                          </a:ln>
+                          <a:solidFill>
+                            <a:srgbClr val="A31515"/>
+                          </a:solidFill>
+                          <a:effectLst/>
+                          <a:latin typeface="Consolas" panose="020B0609020204030204" pitchFamily="49" charset="0"/>
+                          <a:cs typeface="Consolas" panose="020B0609020204030204" pitchFamily="49" charset="0"/>
+                        </a:rPr>
+                        <a:t>cats"</a:t>
+                      </a:r>
+                      <a:r>
+                        <a:rPr kumimoji="0" lang="en-US" altLang="en-US" sz="2400" b="0" i="0" u="none" strike="noStrike" cap="none" normalizeH="0" baseline="0" dirty="0" err="1" smtClean="0">
+                          <a:ln>
+                            <a:noFill/>
+                          </a:ln>
+                          <a:solidFill>
+                            <a:srgbClr val="000000"/>
+                          </a:solidFill>
+                          <a:effectLst/>
+                          <a:latin typeface="Consolas" panose="020B0609020204030204" pitchFamily="49" charset="0"/>
+                          <a:cs typeface="Consolas" panose="020B0609020204030204" pitchFamily="49" charset="0"/>
+                        </a:rPr>
+                        <a:t>.format</a:t>
+                      </a:r>
+                      <a:r>
+                        <a:rPr kumimoji="0" lang="en-US" altLang="en-US" sz="2400" b="0" i="0" u="none" strike="noStrike" cap="none" normalizeH="0" baseline="0" dirty="0" smtClean="0">
+                          <a:ln>
+                            <a:noFill/>
+                          </a:ln>
+                          <a:solidFill>
+                            <a:srgbClr val="000000"/>
+                          </a:solidFill>
+                          <a:effectLst/>
+                          <a:latin typeface="Consolas" panose="020B0609020204030204" pitchFamily="49" charset="0"/>
+                          <a:cs typeface="Consolas" panose="020B0609020204030204" pitchFamily="49" charset="0"/>
+                        </a:rPr>
+                        <a:t>(6)) </a:t>
+                      </a:r>
+                      <a:endParaRPr kumimoji="0" lang="en-US" altLang="en-US" sz="5400" b="0" i="0" u="none" strike="noStrike" cap="none" normalizeH="0" baseline="0" dirty="0" smtClean="0">
+                        <a:ln>
+                          <a:noFill/>
+                        </a:ln>
+                        <a:solidFill>
+                          <a:schemeClr val="tx1"/>
+                        </a:solidFill>
+                        <a:effectLst/>
+                        <a:latin typeface="Arial" panose="020B0604020202020204" pitchFamily="34" charset="0"/>
+                      </a:endParaRPr>
+                    </a:p>
+                  </a:txBody>
+                  <a:tcPr/>
+                </a:tc>
+                <a:tc>
+                  <a:txBody>
+                    <a:bodyPr/>
+                    <a:lstStyle/>
+                    <a:p>
+                      <a:pPr marL="0" marR="0" indent="0" algn="l" defTabSz="914088" rtl="0" eaLnBrk="1" fontAlgn="auto" latinLnBrk="0" hangingPunct="1">
+                        <a:lnSpc>
+                          <a:spcPct val="100000"/>
+                        </a:lnSpc>
+                        <a:spcBef>
+                          <a:spcPts val="0"/>
+                        </a:spcBef>
+                        <a:spcAft>
+                          <a:spcPts val="0"/>
+                        </a:spcAft>
+                        <a:buClrTx/>
+                        <a:buSzTx/>
+                        <a:buFontTx/>
+                        <a:buNone/>
+                        <a:tabLst/>
+                        <a:defRPr/>
+                      </a:pPr>
+                      <a:r>
+                        <a:rPr lang="en-CA" sz="2400" dirty="0" smtClean="0"/>
+                        <a:t>I have 6 cats</a:t>
+                      </a:r>
+                    </a:p>
+                  </a:txBody>
+                  <a:tcPr/>
+                </a:tc>
+                <a:extLst>
+                  <a:ext uri="{0D108BD9-81ED-4DB2-BD59-A6C34878D82A}">
+                    <a16:rowId xmlns="" xmlns:a16="http://schemas.microsoft.com/office/drawing/2014/main" val="173323767"/>
+                  </a:ext>
+                </a:extLst>
+              </a:tr>
+              <a:tr h="370840">
+                <a:tc>
+                  <a:txBody>
+                    <a:bodyPr/>
+                    <a:lstStyle/>
+                    <a:p>
+                      <a:pPr marL="0" marR="0" lvl="0" indent="0" algn="l" defTabSz="914400" rtl="0" eaLnBrk="0" fontAlgn="base" latinLnBrk="0" hangingPunct="0">
+                        <a:lnSpc>
+                          <a:spcPct val="100000"/>
+                        </a:lnSpc>
+                        <a:spcBef>
+                          <a:spcPct val="0"/>
+                        </a:spcBef>
+                        <a:spcAft>
+                          <a:spcPct val="0"/>
+                        </a:spcAft>
+                        <a:buClrTx/>
+                        <a:buSzTx/>
+                        <a:buFontTx/>
+                        <a:buNone/>
+                        <a:tabLst/>
+                      </a:pPr>
+                      <a:r>
+                        <a:rPr kumimoji="0" lang="en-US" altLang="en-US" sz="2400" b="0" i="0" u="none" strike="noStrike" cap="none" normalizeH="0" baseline="0" dirty="0" smtClean="0">
+                          <a:ln>
+                            <a:noFill/>
+                          </a:ln>
+                          <a:solidFill>
+                            <a:srgbClr val="000000"/>
+                          </a:solidFill>
+                          <a:effectLst/>
+                          <a:latin typeface="Consolas" panose="020B0609020204030204" pitchFamily="49" charset="0"/>
+                          <a:cs typeface="Consolas" panose="020B0609020204030204" pitchFamily="49" charset="0"/>
+                        </a:rPr>
+                        <a:t>print(</a:t>
+                      </a:r>
+                      <a:r>
+                        <a:rPr kumimoji="0" lang="en-US" altLang="en-US" sz="2400" b="0" i="0" u="none" strike="noStrike" cap="none" normalizeH="0" baseline="0" dirty="0" smtClean="0">
+                          <a:ln>
+                            <a:noFill/>
+                          </a:ln>
+                          <a:solidFill>
+                            <a:srgbClr val="A31515"/>
+                          </a:solidFill>
+                          <a:effectLst/>
+                          <a:latin typeface="Consolas" panose="020B0609020204030204" pitchFamily="49" charset="0"/>
+                          <a:cs typeface="Consolas" panose="020B0609020204030204" pitchFamily="49" charset="0"/>
+                        </a:rPr>
+                        <a:t>"I have {0:3d} </a:t>
+                      </a:r>
+                      <a:r>
+                        <a:rPr kumimoji="0" lang="en-US" altLang="en-US" sz="2400" b="0" i="0" u="none" strike="noStrike" cap="none" normalizeH="0" baseline="0" dirty="0" err="1" smtClean="0">
+                          <a:ln>
+                            <a:noFill/>
+                          </a:ln>
+                          <a:solidFill>
+                            <a:srgbClr val="A31515"/>
+                          </a:solidFill>
+                          <a:effectLst/>
+                          <a:latin typeface="Consolas" panose="020B0609020204030204" pitchFamily="49" charset="0"/>
+                          <a:cs typeface="Consolas" panose="020B0609020204030204" pitchFamily="49" charset="0"/>
+                        </a:rPr>
+                        <a:t>cats"</a:t>
+                      </a:r>
+                      <a:r>
+                        <a:rPr kumimoji="0" lang="en-US" altLang="en-US" sz="2400" b="0" i="0" u="none" strike="noStrike" cap="none" normalizeH="0" baseline="0" dirty="0" err="1" smtClean="0">
+                          <a:ln>
+                            <a:noFill/>
+                          </a:ln>
+                          <a:solidFill>
+                            <a:srgbClr val="000000"/>
+                          </a:solidFill>
+                          <a:effectLst/>
+                          <a:latin typeface="Consolas" panose="020B0609020204030204" pitchFamily="49" charset="0"/>
+                          <a:cs typeface="Consolas" panose="020B0609020204030204" pitchFamily="49" charset="0"/>
+                        </a:rPr>
+                        <a:t>.format</a:t>
+                      </a:r>
+                      <a:r>
+                        <a:rPr kumimoji="0" lang="en-US" altLang="en-US" sz="2400" b="0" i="0" u="none" strike="noStrike" cap="none" normalizeH="0" baseline="0" dirty="0" smtClean="0">
+                          <a:ln>
+                            <a:noFill/>
+                          </a:ln>
+                          <a:solidFill>
+                            <a:srgbClr val="000000"/>
+                          </a:solidFill>
+                          <a:effectLst/>
+                          <a:latin typeface="Consolas" panose="020B0609020204030204" pitchFamily="49" charset="0"/>
+                          <a:cs typeface="Consolas" panose="020B0609020204030204" pitchFamily="49" charset="0"/>
+                        </a:rPr>
+                        <a:t>(6)) </a:t>
+                      </a:r>
+                      <a:endParaRPr kumimoji="0" lang="en-US" altLang="en-US" sz="5400" b="0" i="0" u="none" strike="noStrike" cap="none" normalizeH="0" baseline="0" dirty="0" smtClean="0">
+                        <a:ln>
+                          <a:noFill/>
+                        </a:ln>
+                        <a:solidFill>
+                          <a:schemeClr val="tx1"/>
+                        </a:solidFill>
+                        <a:effectLst/>
+                        <a:latin typeface="Arial" panose="020B0604020202020204" pitchFamily="34" charset="0"/>
+                      </a:endParaRPr>
+                    </a:p>
+                  </a:txBody>
+                  <a:tcPr/>
+                </a:tc>
+                <a:tc>
+                  <a:txBody>
+                    <a:bodyPr/>
+                    <a:lstStyle/>
+                    <a:p>
+                      <a:pPr marL="0" marR="0" indent="0" algn="l" defTabSz="914088" rtl="0" eaLnBrk="1" fontAlgn="auto" latinLnBrk="0" hangingPunct="1">
+                        <a:lnSpc>
+                          <a:spcPct val="100000"/>
+                        </a:lnSpc>
+                        <a:spcBef>
+                          <a:spcPts val="0"/>
+                        </a:spcBef>
+                        <a:spcAft>
+                          <a:spcPts val="0"/>
+                        </a:spcAft>
+                        <a:buClrTx/>
+                        <a:buSzTx/>
+                        <a:buFontTx/>
+                        <a:buNone/>
+                        <a:tabLst/>
+                        <a:defRPr/>
+                      </a:pPr>
+                      <a:r>
+                        <a:rPr lang="en-CA" sz="2400" dirty="0" smtClean="0"/>
+                        <a:t>I have    6 cats</a:t>
+                      </a:r>
+                    </a:p>
+                  </a:txBody>
+                  <a:tcPr/>
+                </a:tc>
+                <a:extLst>
+                  <a:ext uri="{0D108BD9-81ED-4DB2-BD59-A6C34878D82A}">
+                    <a16:rowId xmlns="" xmlns:a16="http://schemas.microsoft.com/office/drawing/2014/main" val="3917988680"/>
+                  </a:ext>
+                </a:extLst>
+              </a:tr>
+              <a:tr h="370840">
+                <a:tc>
+                  <a:txBody>
+                    <a:bodyPr/>
+                    <a:lstStyle/>
+                    <a:p>
+                      <a:pPr marL="0" marR="0" lvl="0" indent="0" algn="l" defTabSz="914400" rtl="0" eaLnBrk="0" fontAlgn="base" latinLnBrk="0" hangingPunct="0">
+                        <a:lnSpc>
+                          <a:spcPct val="100000"/>
+                        </a:lnSpc>
+                        <a:spcBef>
+                          <a:spcPct val="0"/>
+                        </a:spcBef>
+                        <a:spcAft>
+                          <a:spcPct val="0"/>
+                        </a:spcAft>
+                        <a:buClrTx/>
+                        <a:buSzTx/>
+                        <a:buFontTx/>
+                        <a:buNone/>
+                        <a:tabLst/>
+                      </a:pPr>
+                      <a:r>
+                        <a:rPr kumimoji="0" lang="en-US" altLang="en-US" sz="2400" b="0" i="0" u="none" strike="noStrike" cap="none" normalizeH="0" baseline="0" dirty="0" smtClean="0">
+                          <a:ln>
+                            <a:noFill/>
+                          </a:ln>
+                          <a:solidFill>
+                            <a:srgbClr val="000000"/>
+                          </a:solidFill>
+                          <a:effectLst/>
+                          <a:latin typeface="Consolas" panose="020B0609020204030204" pitchFamily="49" charset="0"/>
+                          <a:cs typeface="Consolas" panose="020B0609020204030204" pitchFamily="49" charset="0"/>
+                        </a:rPr>
+                        <a:t>print(</a:t>
+                      </a:r>
+                      <a:r>
+                        <a:rPr kumimoji="0" lang="en-US" altLang="en-US" sz="2400" b="0" i="0" u="none" strike="noStrike" cap="none" normalizeH="0" baseline="0" dirty="0" smtClean="0">
+                          <a:ln>
+                            <a:noFill/>
+                          </a:ln>
+                          <a:solidFill>
+                            <a:srgbClr val="A31515"/>
+                          </a:solidFill>
+                          <a:effectLst/>
+                          <a:latin typeface="Consolas" panose="020B0609020204030204" pitchFamily="49" charset="0"/>
+                          <a:cs typeface="Consolas" panose="020B0609020204030204" pitchFamily="49" charset="0"/>
+                        </a:rPr>
+                        <a:t>"I have {0:03d} </a:t>
+                      </a:r>
+                      <a:r>
+                        <a:rPr kumimoji="0" lang="en-US" altLang="en-US" sz="2400" b="0" i="0" u="none" strike="noStrike" cap="none" normalizeH="0" baseline="0" dirty="0" err="1" smtClean="0">
+                          <a:ln>
+                            <a:noFill/>
+                          </a:ln>
+                          <a:solidFill>
+                            <a:srgbClr val="A31515"/>
+                          </a:solidFill>
+                          <a:effectLst/>
+                          <a:latin typeface="Consolas" panose="020B0609020204030204" pitchFamily="49" charset="0"/>
+                          <a:cs typeface="Consolas" panose="020B0609020204030204" pitchFamily="49" charset="0"/>
+                        </a:rPr>
+                        <a:t>cats"</a:t>
+                      </a:r>
+                      <a:r>
+                        <a:rPr kumimoji="0" lang="en-US" altLang="en-US" sz="2400" b="0" i="0" u="none" strike="noStrike" cap="none" normalizeH="0" baseline="0" dirty="0" err="1" smtClean="0">
+                          <a:ln>
+                            <a:noFill/>
+                          </a:ln>
+                          <a:solidFill>
+                            <a:srgbClr val="000000"/>
+                          </a:solidFill>
+                          <a:effectLst/>
+                          <a:latin typeface="Consolas" panose="020B0609020204030204" pitchFamily="49" charset="0"/>
+                          <a:cs typeface="Consolas" panose="020B0609020204030204" pitchFamily="49" charset="0"/>
+                        </a:rPr>
+                        <a:t>.format</a:t>
+                      </a:r>
+                      <a:r>
+                        <a:rPr kumimoji="0" lang="en-US" altLang="en-US" sz="2400" b="0" i="0" u="none" strike="noStrike" cap="none" normalizeH="0" baseline="0" dirty="0" smtClean="0">
+                          <a:ln>
+                            <a:noFill/>
+                          </a:ln>
+                          <a:solidFill>
+                            <a:srgbClr val="000000"/>
+                          </a:solidFill>
+                          <a:effectLst/>
+                          <a:latin typeface="Consolas" panose="020B0609020204030204" pitchFamily="49" charset="0"/>
+                          <a:cs typeface="Consolas" panose="020B0609020204030204" pitchFamily="49" charset="0"/>
+                        </a:rPr>
+                        <a:t>(6)) </a:t>
+                      </a:r>
+                      <a:endParaRPr kumimoji="0" lang="en-US" altLang="en-US" sz="5400" b="0" i="0" u="none" strike="noStrike" cap="none" normalizeH="0" baseline="0" dirty="0" smtClean="0">
+                        <a:ln>
+                          <a:noFill/>
+                        </a:ln>
+                        <a:solidFill>
+                          <a:schemeClr val="tx1"/>
+                        </a:solidFill>
+                        <a:effectLst/>
+                        <a:latin typeface="Arial" panose="020B0604020202020204" pitchFamily="34" charset="0"/>
+                      </a:endParaRPr>
+                    </a:p>
+                  </a:txBody>
+                  <a:tcPr/>
+                </a:tc>
+                <a:tc>
+                  <a:txBody>
+                    <a:bodyPr/>
+                    <a:lstStyle/>
+                    <a:p>
+                      <a:pPr marL="0" marR="0" indent="0" algn="l" defTabSz="914088" rtl="0" eaLnBrk="1" fontAlgn="auto" latinLnBrk="0" hangingPunct="1">
+                        <a:lnSpc>
+                          <a:spcPct val="100000"/>
+                        </a:lnSpc>
+                        <a:spcBef>
+                          <a:spcPts val="0"/>
+                        </a:spcBef>
+                        <a:spcAft>
+                          <a:spcPts val="0"/>
+                        </a:spcAft>
+                        <a:buClrTx/>
+                        <a:buSzTx/>
+                        <a:buFontTx/>
+                        <a:buNone/>
+                        <a:tabLst/>
+                        <a:defRPr/>
+                      </a:pPr>
+                      <a:r>
+                        <a:rPr lang="en-CA" sz="2400" dirty="0" smtClean="0"/>
+                        <a:t>I have 006 cats</a:t>
+                      </a:r>
+                    </a:p>
+                  </a:txBody>
+                  <a:tcPr/>
+                </a:tc>
+                <a:extLst>
+                  <a:ext uri="{0D108BD9-81ED-4DB2-BD59-A6C34878D82A}">
+                    <a16:rowId xmlns="" xmlns:a16="http://schemas.microsoft.com/office/drawing/2014/main" val="3659282646"/>
+                  </a:ext>
+                </a:extLst>
+              </a:tr>
+              <a:tr h="370840">
+                <a:tc>
+                  <a:txBody>
+                    <a:bodyPr/>
+                    <a:lstStyle/>
+                    <a:p>
+                      <a:pPr marL="0" marR="0" lvl="0" indent="0" algn="l" defTabSz="914400" rtl="0" eaLnBrk="0" fontAlgn="base" latinLnBrk="0" hangingPunct="0">
+                        <a:lnSpc>
+                          <a:spcPct val="100000"/>
+                        </a:lnSpc>
+                        <a:spcBef>
+                          <a:spcPct val="0"/>
+                        </a:spcBef>
+                        <a:spcAft>
+                          <a:spcPct val="0"/>
+                        </a:spcAft>
+                        <a:buClrTx/>
+                        <a:buSzTx/>
+                        <a:buFontTx/>
+                        <a:buNone/>
+                        <a:tabLst/>
+                      </a:pPr>
+                      <a:r>
+                        <a:rPr kumimoji="0" lang="en-US" altLang="en-US" sz="2400" b="0" i="0" u="none" strike="noStrike" cap="none" normalizeH="0" baseline="0" dirty="0" smtClean="0">
+                          <a:ln>
+                            <a:noFill/>
+                          </a:ln>
+                          <a:solidFill>
+                            <a:srgbClr val="000000"/>
+                          </a:solidFill>
+                          <a:effectLst/>
+                          <a:latin typeface="Consolas" panose="020B0609020204030204" pitchFamily="49" charset="0"/>
+                          <a:cs typeface="Consolas" panose="020B0609020204030204" pitchFamily="49" charset="0"/>
+                        </a:rPr>
+                        <a:t>print(</a:t>
+                      </a:r>
+                      <a:r>
+                        <a:rPr kumimoji="0" lang="en-US" altLang="en-US" sz="2400" b="0" i="0" u="none" strike="noStrike" cap="none" normalizeH="0" baseline="0" dirty="0" smtClean="0">
+                          <a:ln>
+                            <a:noFill/>
+                          </a:ln>
+                          <a:solidFill>
+                            <a:srgbClr val="A31515"/>
+                          </a:solidFill>
+                          <a:effectLst/>
+                          <a:latin typeface="Consolas" panose="020B0609020204030204" pitchFamily="49" charset="0"/>
+                          <a:cs typeface="Consolas" panose="020B0609020204030204" pitchFamily="49" charset="0"/>
+                        </a:rPr>
+                        <a:t>"I have {0:f} </a:t>
+                      </a:r>
+                      <a:r>
+                        <a:rPr kumimoji="0" lang="en-US" altLang="en-US" sz="2400" b="0" i="0" u="none" strike="noStrike" cap="none" normalizeH="0" baseline="0" dirty="0" err="1" smtClean="0">
+                          <a:ln>
+                            <a:noFill/>
+                          </a:ln>
+                          <a:solidFill>
+                            <a:srgbClr val="A31515"/>
+                          </a:solidFill>
+                          <a:effectLst/>
+                          <a:latin typeface="Consolas" panose="020B0609020204030204" pitchFamily="49" charset="0"/>
+                          <a:cs typeface="Consolas" panose="020B0609020204030204" pitchFamily="49" charset="0"/>
+                        </a:rPr>
+                        <a:t>cats"</a:t>
+                      </a:r>
+                      <a:r>
+                        <a:rPr kumimoji="0" lang="en-US" altLang="en-US" sz="2400" b="0" i="0" u="none" strike="noStrike" cap="none" normalizeH="0" baseline="0" dirty="0" err="1" smtClean="0">
+                          <a:ln>
+                            <a:noFill/>
+                          </a:ln>
+                          <a:solidFill>
+                            <a:srgbClr val="000000"/>
+                          </a:solidFill>
+                          <a:effectLst/>
+                          <a:latin typeface="Consolas" panose="020B0609020204030204" pitchFamily="49" charset="0"/>
+                          <a:cs typeface="Consolas" panose="020B0609020204030204" pitchFamily="49" charset="0"/>
+                        </a:rPr>
+                        <a:t>.format</a:t>
+                      </a:r>
+                      <a:r>
+                        <a:rPr kumimoji="0" lang="en-US" altLang="en-US" sz="2400" b="0" i="0" u="none" strike="noStrike" cap="none" normalizeH="0" baseline="0" dirty="0" smtClean="0">
+                          <a:ln>
+                            <a:noFill/>
+                          </a:ln>
+                          <a:solidFill>
+                            <a:srgbClr val="000000"/>
+                          </a:solidFill>
+                          <a:effectLst/>
+                          <a:latin typeface="Consolas" panose="020B0609020204030204" pitchFamily="49" charset="0"/>
+                          <a:cs typeface="Consolas" panose="020B0609020204030204" pitchFamily="49" charset="0"/>
+                        </a:rPr>
+                        <a:t>(6)) </a:t>
+                      </a:r>
+                      <a:endParaRPr kumimoji="0" lang="en-US" altLang="en-US" sz="5400" b="0" i="0" u="none" strike="noStrike" cap="none" normalizeH="0" baseline="0" dirty="0" smtClean="0">
+                        <a:ln>
+                          <a:noFill/>
+                        </a:ln>
+                        <a:solidFill>
+                          <a:schemeClr val="tx1"/>
+                        </a:solidFill>
+                        <a:effectLst/>
+                        <a:latin typeface="Arial" panose="020B0604020202020204" pitchFamily="34" charset="0"/>
+                      </a:endParaRPr>
+                    </a:p>
+                  </a:txBody>
+                  <a:tcPr/>
+                </a:tc>
+                <a:tc>
+                  <a:txBody>
+                    <a:bodyPr/>
+                    <a:lstStyle/>
+                    <a:p>
+                      <a:pPr marL="0" marR="0" indent="0" algn="l" defTabSz="914088" rtl="0" eaLnBrk="1" fontAlgn="auto" latinLnBrk="0" hangingPunct="1">
+                        <a:lnSpc>
+                          <a:spcPct val="100000"/>
+                        </a:lnSpc>
+                        <a:spcBef>
+                          <a:spcPts val="0"/>
+                        </a:spcBef>
+                        <a:spcAft>
+                          <a:spcPts val="0"/>
+                        </a:spcAft>
+                        <a:buClrTx/>
+                        <a:buSzTx/>
+                        <a:buFontTx/>
+                        <a:buNone/>
+                        <a:tabLst/>
+                        <a:defRPr/>
+                      </a:pPr>
+                      <a:r>
+                        <a:rPr lang="en-CA" sz="2400" dirty="0" smtClean="0"/>
+                        <a:t>I have 6.000000 cats</a:t>
+                      </a:r>
+                    </a:p>
+                  </a:txBody>
+                  <a:tcPr/>
+                </a:tc>
+                <a:extLst>
+                  <a:ext uri="{0D108BD9-81ED-4DB2-BD59-A6C34878D82A}">
+                    <a16:rowId xmlns="" xmlns:a16="http://schemas.microsoft.com/office/drawing/2014/main" val="3087695988"/>
+                  </a:ext>
+                </a:extLst>
+              </a:tr>
+              <a:tr h="370840">
+                <a:tc>
+                  <a:txBody>
+                    <a:bodyPr/>
+                    <a:lstStyle/>
+                    <a:p>
+                      <a:pPr marL="0" marR="0" lvl="0" indent="0" algn="l" defTabSz="914400" rtl="0" eaLnBrk="0" fontAlgn="base" latinLnBrk="0" hangingPunct="0">
+                        <a:lnSpc>
+                          <a:spcPct val="100000"/>
+                        </a:lnSpc>
+                        <a:spcBef>
+                          <a:spcPct val="0"/>
+                        </a:spcBef>
+                        <a:spcAft>
+                          <a:spcPct val="0"/>
+                        </a:spcAft>
+                        <a:buClrTx/>
+                        <a:buSzTx/>
+                        <a:buFontTx/>
+                        <a:buNone/>
+                        <a:tabLst/>
+                      </a:pPr>
+                      <a:r>
+                        <a:rPr kumimoji="0" lang="en-US" altLang="en-US" sz="2400" b="0" i="0" u="none" strike="noStrike" cap="none" normalizeH="0" baseline="0" dirty="0" smtClean="0">
+                          <a:ln>
+                            <a:noFill/>
+                          </a:ln>
+                          <a:solidFill>
+                            <a:srgbClr val="000000"/>
+                          </a:solidFill>
+                          <a:effectLst/>
+                          <a:latin typeface="Consolas" panose="020B0609020204030204" pitchFamily="49" charset="0"/>
+                          <a:cs typeface="Consolas" panose="020B0609020204030204" pitchFamily="49" charset="0"/>
+                        </a:rPr>
+                        <a:t>print(</a:t>
+                      </a:r>
+                      <a:r>
+                        <a:rPr kumimoji="0" lang="en-US" altLang="en-US" sz="2400" b="0" i="0" u="none" strike="noStrike" cap="none" normalizeH="0" baseline="0" dirty="0" smtClean="0">
+                          <a:ln>
+                            <a:noFill/>
+                          </a:ln>
+                          <a:solidFill>
+                            <a:srgbClr val="A31515"/>
+                          </a:solidFill>
+                          <a:effectLst/>
+                          <a:latin typeface="Consolas" panose="020B0609020204030204" pitchFamily="49" charset="0"/>
+                          <a:cs typeface="Consolas" panose="020B0609020204030204" pitchFamily="49" charset="0"/>
+                        </a:rPr>
+                        <a:t>"I have {0:.2f} </a:t>
+                      </a:r>
+                      <a:r>
+                        <a:rPr kumimoji="0" lang="en-US" altLang="en-US" sz="2400" b="0" i="0" u="none" strike="noStrike" cap="none" normalizeH="0" baseline="0" dirty="0" err="1" smtClean="0">
+                          <a:ln>
+                            <a:noFill/>
+                          </a:ln>
+                          <a:solidFill>
+                            <a:srgbClr val="A31515"/>
+                          </a:solidFill>
+                          <a:effectLst/>
+                          <a:latin typeface="Consolas" panose="020B0609020204030204" pitchFamily="49" charset="0"/>
+                          <a:cs typeface="Consolas" panose="020B0609020204030204" pitchFamily="49" charset="0"/>
+                        </a:rPr>
+                        <a:t>cats"</a:t>
+                      </a:r>
+                      <a:r>
+                        <a:rPr kumimoji="0" lang="en-US" altLang="en-US" sz="2400" b="0" i="0" u="none" strike="noStrike" cap="none" normalizeH="0" baseline="0" dirty="0" err="1" smtClean="0">
+                          <a:ln>
+                            <a:noFill/>
+                          </a:ln>
+                          <a:solidFill>
+                            <a:srgbClr val="000000"/>
+                          </a:solidFill>
+                          <a:effectLst/>
+                          <a:latin typeface="Consolas" panose="020B0609020204030204" pitchFamily="49" charset="0"/>
+                          <a:cs typeface="Consolas" panose="020B0609020204030204" pitchFamily="49" charset="0"/>
+                        </a:rPr>
+                        <a:t>.format</a:t>
+                      </a:r>
+                      <a:r>
+                        <a:rPr kumimoji="0" lang="en-US" altLang="en-US" sz="2400" b="0" i="0" u="none" strike="noStrike" cap="none" normalizeH="0" baseline="0" dirty="0" smtClean="0">
+                          <a:ln>
+                            <a:noFill/>
+                          </a:ln>
+                          <a:solidFill>
+                            <a:srgbClr val="000000"/>
+                          </a:solidFill>
+                          <a:effectLst/>
+                          <a:latin typeface="Consolas" panose="020B0609020204030204" pitchFamily="49" charset="0"/>
+                          <a:cs typeface="Consolas" panose="020B0609020204030204" pitchFamily="49" charset="0"/>
+                        </a:rPr>
+                        <a:t>(6)) </a:t>
+                      </a:r>
+                      <a:endParaRPr kumimoji="0" lang="en-US" altLang="en-US" sz="5400" b="0" i="0" u="none" strike="noStrike" cap="none" normalizeH="0" baseline="0" dirty="0" smtClean="0">
+                        <a:ln>
+                          <a:noFill/>
+                        </a:ln>
+                        <a:solidFill>
+                          <a:schemeClr val="tx1"/>
+                        </a:solidFill>
+                        <a:effectLst/>
+                        <a:latin typeface="Arial" panose="020B0604020202020204" pitchFamily="34" charset="0"/>
+                      </a:endParaRPr>
+                    </a:p>
+                  </a:txBody>
+                  <a:tcPr/>
+                </a:tc>
+                <a:tc>
+                  <a:txBody>
+                    <a:bodyPr/>
+                    <a:lstStyle/>
+                    <a:p>
+                      <a:pPr marL="0" marR="0" indent="0" algn="l" defTabSz="914088" rtl="0" eaLnBrk="1" fontAlgn="auto" latinLnBrk="0" hangingPunct="1">
+                        <a:lnSpc>
+                          <a:spcPct val="100000"/>
+                        </a:lnSpc>
+                        <a:spcBef>
+                          <a:spcPts val="0"/>
+                        </a:spcBef>
+                        <a:spcAft>
+                          <a:spcPts val="0"/>
+                        </a:spcAft>
+                        <a:buClrTx/>
+                        <a:buSzTx/>
+                        <a:buFontTx/>
+                        <a:buNone/>
+                        <a:tabLst/>
+                        <a:defRPr/>
+                      </a:pPr>
+                      <a:r>
+                        <a:rPr lang="en-CA" sz="2400" dirty="0" smtClean="0"/>
+                        <a:t>I have 6.00 cats</a:t>
+                      </a:r>
+                    </a:p>
+                  </a:txBody>
+                  <a:tcPr/>
+                </a:tc>
+                <a:extLst>
+                  <a:ext uri="{0D108BD9-81ED-4DB2-BD59-A6C34878D82A}">
+                    <a16:rowId xmlns="" xmlns:a16="http://schemas.microsoft.com/office/drawing/2014/main" val="1983132832"/>
+                  </a:ext>
+                </a:extLst>
+              </a:tr>
+            </a:tbl>
+          </a:graphicData>
+        </a:graphic>
+      </p:graphicFrame>
+      <p:sp>
+        <p:nvSpPr>
+          <p:cNvPr id="11" name="Title 10"/>
           <p:cNvSpPr>
             <a:spLocks noGrp="1"/>
           </p:cNvSpPr>
@@ -11536,12 +12220,14 @@
         </p:nvSpPr>
         <p:spPr/>
         <p:txBody>
-          <a:bodyPr/>
+          <a:bodyPr>
+            <a:normAutofit fontScale="90000"/>
+          </a:bodyPr>
           <a:lstStyle/>
           <a:p>
             <a:r>
-              <a:rPr lang="en-US" dirty="0" smtClean="0"/>
-              <a:t>Formatting numeric values</a:t>
+              <a:rPr lang="en-CA" dirty="0" smtClean="0"/>
+              <a:t>You can also use a format method to format numeric values</a:t>
             </a:r>
             <a:endParaRPr lang="en-US" dirty="0"/>
           </a:p>
@@ -11550,13 +12236,20 @@
     </p:spTree>
     <p:extLst>
       <p:ext uri="{BB962C8B-B14F-4D97-AF65-F5344CB8AC3E}">
-        <p14:creationId xmlns:p14="http://schemas.microsoft.com/office/powerpoint/2010/main" val="2002188732"/>
+        <p14:creationId xmlns:p14="http://schemas.microsoft.com/office/powerpoint/2010/main" val="2681470260"/>
       </p:ext>
     </p:extLst>
   </p:cSld>
   <p:clrMapOvr>
     <a:masterClrMapping/>
   </p:clrMapOvr>
+  <p:timing>
+    <p:tnLst>
+      <p:par>
+        <p:cTn id="1" dur="indefinite" restart="never" nodeType="tmRoot"/>
+      </p:par>
+    </p:tnLst>
+  </p:timing>
 </p:sld>
 </file>
 

--- a/Office Docs/4 Storing numbers.pptx
+++ b/Office Docs/4 Storing numbers.pptx
@@ -5,7 +5,7 @@
     <p:sldMasterId id="2147483660" r:id="rId1"/>
   </p:sldMasterIdLst>
   <p:notesMasterIdLst>
-    <p:notesMasterId r:id="rId24"/>
+    <p:notesMasterId r:id="rId26"/>
   </p:notesMasterIdLst>
   <p:sldIdLst>
     <p:sldId id="357" r:id="rId2"/>
@@ -15,21 +15,23 @@
     <p:sldId id="359" r:id="rId6"/>
     <p:sldId id="271" r:id="rId7"/>
     <p:sldId id="369" r:id="rId8"/>
-    <p:sldId id="363" r:id="rId9"/>
-    <p:sldId id="371" r:id="rId10"/>
-    <p:sldId id="366" r:id="rId11"/>
-    <p:sldId id="361" r:id="rId12"/>
-    <p:sldId id="370" r:id="rId13"/>
-    <p:sldId id="335" r:id="rId14"/>
-    <p:sldId id="275" r:id="rId15"/>
-    <p:sldId id="334" r:id="rId16"/>
-    <p:sldId id="336" r:id="rId17"/>
-    <p:sldId id="333" r:id="rId18"/>
-    <p:sldId id="337" r:id="rId19"/>
-    <p:sldId id="368" r:id="rId20"/>
-    <p:sldId id="360" r:id="rId21"/>
-    <p:sldId id="364" r:id="rId22"/>
-    <p:sldId id="365" r:id="rId23"/>
+    <p:sldId id="372" r:id="rId9"/>
+    <p:sldId id="363" r:id="rId10"/>
+    <p:sldId id="371" r:id="rId11"/>
+    <p:sldId id="366" r:id="rId12"/>
+    <p:sldId id="361" r:id="rId13"/>
+    <p:sldId id="373" r:id="rId14"/>
+    <p:sldId id="370" r:id="rId15"/>
+    <p:sldId id="335" r:id="rId16"/>
+    <p:sldId id="275" r:id="rId17"/>
+    <p:sldId id="334" r:id="rId18"/>
+    <p:sldId id="336" r:id="rId19"/>
+    <p:sldId id="333" r:id="rId20"/>
+    <p:sldId id="337" r:id="rId21"/>
+    <p:sldId id="368" r:id="rId22"/>
+    <p:sldId id="360" r:id="rId23"/>
+    <p:sldId id="364" r:id="rId24"/>
+    <p:sldId id="365" r:id="rId25"/>
   </p:sldIdLst>
   <p:sldSz cx="12192000" cy="6858000"/>
   <p:notesSz cx="6858000" cy="9144000"/>
@@ -140,10 +142,12 @@
             <p14:sldId id="359"/>
             <p14:sldId id="271"/>
             <p14:sldId id="369"/>
+            <p14:sldId id="372"/>
             <p14:sldId id="363"/>
             <p14:sldId id="371"/>
             <p14:sldId id="366"/>
             <p14:sldId id="361"/>
+            <p14:sldId id="373"/>
             <p14:sldId id="370"/>
             <p14:sldId id="335"/>
             <p14:sldId id="275"/>
@@ -254,7 +258,7 @@
           <a:p>
             <a:fld id="{A9DDBD42-E139-45FA-9C16-1611187CAC3F}" type="datetimeFigureOut">
               <a:rPr lang="en-US" smtClean="0"/>
-              <a:t>9/22/2014</a:t>
+              <a:t>9/23/2014</a:t>
             </a:fld>
             <a:endParaRPr lang="en-US"/>
           </a:p>
@@ -671,7 +675,7 @@
           <a:p>
             <a:fld id="{906AB01E-7BD7-442B-8A6B-D31FAFDAE830}" type="slidenum">
               <a:rPr lang="en-US" smtClean="0"/>
-              <a:t>11</a:t>
+              <a:t>12</a:t>
             </a:fld>
             <a:endParaRPr lang="en-US"/>
           </a:p>
@@ -755,7 +759,7 @@
           <a:p>
             <a:fld id="{906AB01E-7BD7-442B-8A6B-D31FAFDAE830}" type="slidenum">
               <a:rPr lang="en-US" smtClean="0"/>
-              <a:t>13</a:t>
+              <a:t>15</a:t>
             </a:fld>
             <a:endParaRPr lang="en-US"/>
           </a:p>
@@ -839,7 +843,7 @@
           <a:p>
             <a:fld id="{906AB01E-7BD7-442B-8A6B-D31FAFDAE830}" type="slidenum">
               <a:rPr lang="en-US" smtClean="0"/>
-              <a:t>14</a:t>
+              <a:t>16</a:t>
             </a:fld>
             <a:endParaRPr lang="en-US"/>
           </a:p>
@@ -923,7 +927,7 @@
           <a:p>
             <a:fld id="{906AB01E-7BD7-442B-8A6B-D31FAFDAE830}" type="slidenum">
               <a:rPr lang="en-US" smtClean="0"/>
-              <a:t>15</a:t>
+              <a:t>17</a:t>
             </a:fld>
             <a:endParaRPr lang="en-US"/>
           </a:p>
@@ -1007,7 +1011,7 @@
           <a:p>
             <a:fld id="{906AB01E-7BD7-442B-8A6B-D31FAFDAE830}" type="slidenum">
               <a:rPr lang="en-US" smtClean="0"/>
-              <a:t>16</a:t>
+              <a:t>18</a:t>
             </a:fld>
             <a:endParaRPr lang="en-US"/>
           </a:p>
@@ -1091,7 +1095,7 @@
           <a:p>
             <a:fld id="{906AB01E-7BD7-442B-8A6B-D31FAFDAE830}" type="slidenum">
               <a:rPr lang="en-US" smtClean="0"/>
-              <a:t>17</a:t>
+              <a:t>19</a:t>
             </a:fld>
             <a:endParaRPr lang="en-US"/>
           </a:p>
@@ -1175,7 +1179,7 @@
           <a:p>
             <a:fld id="{906AB01E-7BD7-442B-8A6B-D31FAFDAE830}" type="slidenum">
               <a:rPr lang="en-US" smtClean="0"/>
-              <a:t>18</a:t>
+              <a:t>20</a:t>
             </a:fld>
             <a:endParaRPr lang="en-US"/>
           </a:p>
@@ -1266,7 +1270,7 @@
           <a:p>
             <a:fld id="{906AB01E-7BD7-442B-8A6B-D31FAFDAE830}" type="slidenum">
               <a:rPr lang="en-US" smtClean="0"/>
-              <a:t>19</a:t>
+              <a:t>21</a:t>
             </a:fld>
             <a:endParaRPr lang="en-US"/>
           </a:p>
@@ -1350,7 +1354,7 @@
           <a:p>
             <a:fld id="{906AB01E-7BD7-442B-8A6B-D31FAFDAE830}" type="slidenum">
               <a:rPr lang="en-US" smtClean="0"/>
-              <a:t>20</a:t>
+              <a:t>22</a:t>
             </a:fld>
             <a:endParaRPr lang="en-US"/>
           </a:p>
@@ -1434,7 +1438,7 @@
           <a:p>
             <a:fld id="{906AB01E-7BD7-442B-8A6B-D31FAFDAE830}" type="slidenum">
               <a:rPr lang="en-US" smtClean="0"/>
-              <a:t>21</a:t>
+              <a:t>23</a:t>
             </a:fld>
             <a:endParaRPr lang="en-US"/>
           </a:p>
@@ -1938,7 +1942,7 @@
           <a:p>
             <a:fld id="{906AB01E-7BD7-442B-8A6B-D31FAFDAE830}" type="slidenum">
               <a:rPr lang="en-US" smtClean="0"/>
-              <a:t>8</a:t>
+              <a:t>9</a:t>
             </a:fld>
             <a:endParaRPr lang="en-US"/>
           </a:p>
@@ -2022,7 +2026,7 @@
           <a:p>
             <a:fld id="{906AB01E-7BD7-442B-8A6B-D31FAFDAE830}" type="slidenum">
               <a:rPr lang="en-US" smtClean="0"/>
-              <a:t>9</a:t>
+              <a:t>10</a:t>
             </a:fld>
             <a:endParaRPr lang="en-US"/>
           </a:p>
@@ -2119,7 +2123,7 @@
           <a:p>
             <a:fld id="{906AB01E-7BD7-442B-8A6B-D31FAFDAE830}" type="slidenum">
               <a:rPr lang="en-US" smtClean="0"/>
-              <a:t>10</a:t>
+              <a:t>11</a:t>
             </a:fld>
             <a:endParaRPr lang="en-US"/>
           </a:p>
@@ -4827,6 +4831,859 @@
           <a:chExt cx="0" cy="0"/>
         </a:xfrm>
       </p:grpSpPr>
+      <p:graphicFrame>
+        <p:nvGraphicFramePr>
+          <p:cNvPr id="8" name="Table 7"/>
+          <p:cNvGraphicFramePr>
+            <a:graphicFrameLocks noGrp="1"/>
+          </p:cNvGraphicFramePr>
+          <p:nvPr>
+            <p:extLst>
+              <p:ext uri="{D42A27DB-BD31-4B8C-83A1-F6EECF244321}">
+                <p14:modId xmlns:p14="http://schemas.microsoft.com/office/powerpoint/2010/main" val="4258549136"/>
+              </p:ext>
+            </p:extLst>
+          </p:nvPr>
+        </p:nvGraphicFramePr>
+        <p:xfrm>
+          <a:off x="652780" y="2411901"/>
+          <a:ext cx="10418046" cy="2743200"/>
+        </p:xfrm>
+        <a:graphic>
+          <a:graphicData uri="http://schemas.openxmlformats.org/drawingml/2006/table">
+            <a:tbl>
+              <a:tblPr firstRow="1" bandRow="1">
+                <a:tableStyleId>{5C22544A-7EE6-4342-B048-85BDC9FD1C3A}</a:tableStyleId>
+              </a:tblPr>
+              <a:tblGrid>
+                <a:gridCol w="7580710">
+                  <a:extLst>
+                    <a:ext uri="{9D8B030D-6E8A-4147-A177-3AD203B41FA5}">
+                      <a16:colId xmlns:a16="http://schemas.microsoft.com/office/drawing/2014/main" xmlns="" val="961687235"/>
+                    </a:ext>
+                  </a:extLst>
+                </a:gridCol>
+                <a:gridCol w="2837336">
+                  <a:extLst>
+                    <a:ext uri="{9D8B030D-6E8A-4147-A177-3AD203B41FA5}">
+                      <a16:colId xmlns:a16="http://schemas.microsoft.com/office/drawing/2014/main" xmlns="" val="1769846214"/>
+                    </a:ext>
+                  </a:extLst>
+                </a:gridCol>
+              </a:tblGrid>
+              <a:tr h="239606">
+                <a:tc>
+                  <a:txBody>
+                    <a:bodyPr/>
+                    <a:lstStyle/>
+                    <a:p>
+                      <a:pPr algn="ctr"/>
+                      <a:r>
+                        <a:rPr lang="en-CA" sz="2400" dirty="0" smtClean="0"/>
+                        <a:t>Syntax</a:t>
+                      </a:r>
+                      <a:endParaRPr lang="en-US" sz="2400" dirty="0"/>
+                    </a:p>
+                  </a:txBody>
+                  <a:tcPr/>
+                </a:tc>
+                <a:tc>
+                  <a:txBody>
+                    <a:bodyPr/>
+                    <a:lstStyle/>
+                    <a:p>
+                      <a:pPr algn="ctr"/>
+                      <a:r>
+                        <a:rPr lang="en-CA" sz="2400" dirty="0" smtClean="0"/>
+                        <a:t>Output</a:t>
+                      </a:r>
+                      <a:endParaRPr lang="en-US" sz="2400" dirty="0"/>
+                    </a:p>
+                  </a:txBody>
+                  <a:tcPr/>
+                </a:tc>
+                <a:extLst>
+                  <a:ext uri="{0D108BD9-81ED-4DB2-BD59-A6C34878D82A}">
+                    <a16:rowId xmlns:a16="http://schemas.microsoft.com/office/drawing/2014/main" xmlns="" val="4236792033"/>
+                  </a:ext>
+                </a:extLst>
+              </a:tr>
+              <a:tr h="370840">
+                <a:tc>
+                  <a:txBody>
+                    <a:bodyPr/>
+                    <a:lstStyle/>
+                    <a:p>
+                      <a:pPr marL="0" marR="0" lvl="0" indent="0" algn="l" defTabSz="914400" rtl="0" eaLnBrk="0" fontAlgn="base" latinLnBrk="0" hangingPunct="0">
+                        <a:lnSpc>
+                          <a:spcPct val="100000"/>
+                        </a:lnSpc>
+                        <a:spcBef>
+                          <a:spcPct val="0"/>
+                        </a:spcBef>
+                        <a:spcAft>
+                          <a:spcPct val="0"/>
+                        </a:spcAft>
+                        <a:buClrTx/>
+                        <a:buSzTx/>
+                        <a:buFontTx/>
+                        <a:buNone/>
+                        <a:tabLst/>
+                      </a:pPr>
+                      <a:r>
+                        <a:rPr kumimoji="0" lang="en-US" altLang="en-US" sz="2400" b="0" i="0" u="none" strike="noStrike" cap="none" normalizeH="0" baseline="0" dirty="0" smtClean="0">
+                          <a:ln>
+                            <a:noFill/>
+                          </a:ln>
+                          <a:solidFill>
+                            <a:srgbClr val="000000"/>
+                          </a:solidFill>
+                          <a:effectLst/>
+                          <a:latin typeface="Consolas" panose="020B0609020204030204" pitchFamily="49" charset="0"/>
+                          <a:cs typeface="Consolas" panose="020B0609020204030204" pitchFamily="49" charset="0"/>
+                        </a:rPr>
+                        <a:t>print(</a:t>
+                      </a:r>
+                      <a:r>
+                        <a:rPr kumimoji="0" lang="en-US" altLang="en-US" sz="2400" b="0" i="0" u="none" strike="noStrike" cap="none" normalizeH="0" baseline="0" dirty="0" smtClean="0">
+                          <a:ln>
+                            <a:noFill/>
+                          </a:ln>
+                          <a:solidFill>
+                            <a:srgbClr val="A31515"/>
+                          </a:solidFill>
+                          <a:effectLst/>
+                          <a:latin typeface="Consolas" panose="020B0609020204030204" pitchFamily="49" charset="0"/>
+                          <a:cs typeface="Consolas" panose="020B0609020204030204" pitchFamily="49" charset="0"/>
+                        </a:rPr>
+                        <a:t>"I have {0:d} </a:t>
+                      </a:r>
+                      <a:r>
+                        <a:rPr kumimoji="0" lang="en-US" altLang="en-US" sz="2400" b="0" i="0" u="none" strike="noStrike" cap="none" normalizeH="0" baseline="0" dirty="0" err="1" smtClean="0">
+                          <a:ln>
+                            <a:noFill/>
+                          </a:ln>
+                          <a:solidFill>
+                            <a:srgbClr val="A31515"/>
+                          </a:solidFill>
+                          <a:effectLst/>
+                          <a:latin typeface="Consolas" panose="020B0609020204030204" pitchFamily="49" charset="0"/>
+                          <a:cs typeface="Consolas" panose="020B0609020204030204" pitchFamily="49" charset="0"/>
+                        </a:rPr>
+                        <a:t>cats"</a:t>
+                      </a:r>
+                      <a:r>
+                        <a:rPr kumimoji="0" lang="en-US" altLang="en-US" sz="2400" b="0" i="0" u="none" strike="noStrike" cap="none" normalizeH="0" baseline="0" dirty="0" err="1" smtClean="0">
+                          <a:ln>
+                            <a:noFill/>
+                          </a:ln>
+                          <a:solidFill>
+                            <a:srgbClr val="000000"/>
+                          </a:solidFill>
+                          <a:effectLst/>
+                          <a:latin typeface="Consolas" panose="020B0609020204030204" pitchFamily="49" charset="0"/>
+                          <a:cs typeface="Consolas" panose="020B0609020204030204" pitchFamily="49" charset="0"/>
+                        </a:rPr>
+                        <a:t>.format</a:t>
+                      </a:r>
+                      <a:r>
+                        <a:rPr kumimoji="0" lang="en-US" altLang="en-US" sz="2400" b="0" i="0" u="none" strike="noStrike" cap="none" normalizeH="0" baseline="0" dirty="0" smtClean="0">
+                          <a:ln>
+                            <a:noFill/>
+                          </a:ln>
+                          <a:solidFill>
+                            <a:srgbClr val="000000"/>
+                          </a:solidFill>
+                          <a:effectLst/>
+                          <a:latin typeface="Consolas" panose="020B0609020204030204" pitchFamily="49" charset="0"/>
+                          <a:cs typeface="Consolas" panose="020B0609020204030204" pitchFamily="49" charset="0"/>
+                        </a:rPr>
+                        <a:t>(6)) </a:t>
+                      </a:r>
+                      <a:endParaRPr kumimoji="0" lang="en-US" altLang="en-US" sz="5400" b="0" i="0" u="none" strike="noStrike" cap="none" normalizeH="0" baseline="0" dirty="0" smtClean="0">
+                        <a:ln>
+                          <a:noFill/>
+                        </a:ln>
+                        <a:solidFill>
+                          <a:schemeClr val="tx1"/>
+                        </a:solidFill>
+                        <a:effectLst/>
+                        <a:latin typeface="Arial" panose="020B0604020202020204" pitchFamily="34" charset="0"/>
+                      </a:endParaRPr>
+                    </a:p>
+                  </a:txBody>
+                  <a:tcPr/>
+                </a:tc>
+                <a:tc>
+                  <a:txBody>
+                    <a:bodyPr/>
+                    <a:lstStyle/>
+                    <a:p>
+                      <a:pPr marL="0" marR="0" indent="0" algn="l" defTabSz="914088" rtl="0" eaLnBrk="1" fontAlgn="auto" latinLnBrk="0" hangingPunct="1">
+                        <a:lnSpc>
+                          <a:spcPct val="100000"/>
+                        </a:lnSpc>
+                        <a:spcBef>
+                          <a:spcPts val="0"/>
+                        </a:spcBef>
+                        <a:spcAft>
+                          <a:spcPts val="0"/>
+                        </a:spcAft>
+                        <a:buClrTx/>
+                        <a:buSzTx/>
+                        <a:buFontTx/>
+                        <a:buNone/>
+                        <a:tabLst/>
+                        <a:defRPr/>
+                      </a:pPr>
+                      <a:r>
+                        <a:rPr lang="en-CA" sz="2400" dirty="0" smtClean="0"/>
+                        <a:t>I have 6 cats</a:t>
+                      </a:r>
+                    </a:p>
+                  </a:txBody>
+                  <a:tcPr/>
+                </a:tc>
+                <a:extLst>
+                  <a:ext uri="{0D108BD9-81ED-4DB2-BD59-A6C34878D82A}">
+                    <a16:rowId xmlns:a16="http://schemas.microsoft.com/office/drawing/2014/main" xmlns="" val="173323767"/>
+                  </a:ext>
+                </a:extLst>
+              </a:tr>
+              <a:tr h="370840">
+                <a:tc>
+                  <a:txBody>
+                    <a:bodyPr/>
+                    <a:lstStyle/>
+                    <a:p>
+                      <a:pPr marL="0" marR="0" lvl="0" indent="0" algn="l" defTabSz="914400" rtl="0" eaLnBrk="0" fontAlgn="base" latinLnBrk="0" hangingPunct="0">
+                        <a:lnSpc>
+                          <a:spcPct val="100000"/>
+                        </a:lnSpc>
+                        <a:spcBef>
+                          <a:spcPct val="0"/>
+                        </a:spcBef>
+                        <a:spcAft>
+                          <a:spcPct val="0"/>
+                        </a:spcAft>
+                        <a:buClrTx/>
+                        <a:buSzTx/>
+                        <a:buFontTx/>
+                        <a:buNone/>
+                        <a:tabLst/>
+                      </a:pPr>
+                      <a:r>
+                        <a:rPr kumimoji="0" lang="en-US" altLang="en-US" sz="2400" b="0" i="0" u="none" strike="noStrike" cap="none" normalizeH="0" baseline="0" dirty="0" smtClean="0">
+                          <a:ln>
+                            <a:noFill/>
+                          </a:ln>
+                          <a:solidFill>
+                            <a:srgbClr val="000000"/>
+                          </a:solidFill>
+                          <a:effectLst/>
+                          <a:latin typeface="Consolas" panose="020B0609020204030204" pitchFamily="49" charset="0"/>
+                          <a:cs typeface="Consolas" panose="020B0609020204030204" pitchFamily="49" charset="0"/>
+                        </a:rPr>
+                        <a:t>print(</a:t>
+                      </a:r>
+                      <a:r>
+                        <a:rPr kumimoji="0" lang="en-US" altLang="en-US" sz="2400" b="0" i="0" u="none" strike="noStrike" cap="none" normalizeH="0" baseline="0" dirty="0" smtClean="0">
+                          <a:ln>
+                            <a:noFill/>
+                          </a:ln>
+                          <a:solidFill>
+                            <a:srgbClr val="A31515"/>
+                          </a:solidFill>
+                          <a:effectLst/>
+                          <a:latin typeface="Consolas" panose="020B0609020204030204" pitchFamily="49" charset="0"/>
+                          <a:cs typeface="Consolas" panose="020B0609020204030204" pitchFamily="49" charset="0"/>
+                        </a:rPr>
+                        <a:t>"I have {0:3d} </a:t>
+                      </a:r>
+                      <a:r>
+                        <a:rPr kumimoji="0" lang="en-US" altLang="en-US" sz="2400" b="0" i="0" u="none" strike="noStrike" cap="none" normalizeH="0" baseline="0" dirty="0" err="1" smtClean="0">
+                          <a:ln>
+                            <a:noFill/>
+                          </a:ln>
+                          <a:solidFill>
+                            <a:srgbClr val="A31515"/>
+                          </a:solidFill>
+                          <a:effectLst/>
+                          <a:latin typeface="Consolas" panose="020B0609020204030204" pitchFamily="49" charset="0"/>
+                          <a:cs typeface="Consolas" panose="020B0609020204030204" pitchFamily="49" charset="0"/>
+                        </a:rPr>
+                        <a:t>cats"</a:t>
+                      </a:r>
+                      <a:r>
+                        <a:rPr kumimoji="0" lang="en-US" altLang="en-US" sz="2400" b="0" i="0" u="none" strike="noStrike" cap="none" normalizeH="0" baseline="0" dirty="0" err="1" smtClean="0">
+                          <a:ln>
+                            <a:noFill/>
+                          </a:ln>
+                          <a:solidFill>
+                            <a:srgbClr val="000000"/>
+                          </a:solidFill>
+                          <a:effectLst/>
+                          <a:latin typeface="Consolas" panose="020B0609020204030204" pitchFamily="49" charset="0"/>
+                          <a:cs typeface="Consolas" panose="020B0609020204030204" pitchFamily="49" charset="0"/>
+                        </a:rPr>
+                        <a:t>.format</a:t>
+                      </a:r>
+                      <a:r>
+                        <a:rPr kumimoji="0" lang="en-US" altLang="en-US" sz="2400" b="0" i="0" u="none" strike="noStrike" cap="none" normalizeH="0" baseline="0" dirty="0" smtClean="0">
+                          <a:ln>
+                            <a:noFill/>
+                          </a:ln>
+                          <a:solidFill>
+                            <a:srgbClr val="000000"/>
+                          </a:solidFill>
+                          <a:effectLst/>
+                          <a:latin typeface="Consolas" panose="020B0609020204030204" pitchFamily="49" charset="0"/>
+                          <a:cs typeface="Consolas" panose="020B0609020204030204" pitchFamily="49" charset="0"/>
+                        </a:rPr>
+                        <a:t>(6)) </a:t>
+                      </a:r>
+                      <a:endParaRPr kumimoji="0" lang="en-US" altLang="en-US" sz="5400" b="0" i="0" u="none" strike="noStrike" cap="none" normalizeH="0" baseline="0" dirty="0" smtClean="0">
+                        <a:ln>
+                          <a:noFill/>
+                        </a:ln>
+                        <a:solidFill>
+                          <a:schemeClr val="tx1"/>
+                        </a:solidFill>
+                        <a:effectLst/>
+                        <a:latin typeface="Arial" panose="020B0604020202020204" pitchFamily="34" charset="0"/>
+                      </a:endParaRPr>
+                    </a:p>
+                  </a:txBody>
+                  <a:tcPr/>
+                </a:tc>
+                <a:tc>
+                  <a:txBody>
+                    <a:bodyPr/>
+                    <a:lstStyle/>
+                    <a:p>
+                      <a:pPr marL="0" marR="0" indent="0" algn="l" defTabSz="914088" rtl="0" eaLnBrk="1" fontAlgn="auto" latinLnBrk="0" hangingPunct="1">
+                        <a:lnSpc>
+                          <a:spcPct val="100000"/>
+                        </a:lnSpc>
+                        <a:spcBef>
+                          <a:spcPts val="0"/>
+                        </a:spcBef>
+                        <a:spcAft>
+                          <a:spcPts val="0"/>
+                        </a:spcAft>
+                        <a:buClrTx/>
+                        <a:buSzTx/>
+                        <a:buFontTx/>
+                        <a:buNone/>
+                        <a:tabLst/>
+                        <a:defRPr/>
+                      </a:pPr>
+                      <a:r>
+                        <a:rPr lang="en-CA" sz="2400" dirty="0" smtClean="0"/>
+                        <a:t>I have    6 cats</a:t>
+                      </a:r>
+                    </a:p>
+                  </a:txBody>
+                  <a:tcPr/>
+                </a:tc>
+                <a:extLst>
+                  <a:ext uri="{0D108BD9-81ED-4DB2-BD59-A6C34878D82A}">
+                    <a16:rowId xmlns:a16="http://schemas.microsoft.com/office/drawing/2014/main" xmlns="" val="3917988680"/>
+                  </a:ext>
+                </a:extLst>
+              </a:tr>
+              <a:tr h="370840">
+                <a:tc>
+                  <a:txBody>
+                    <a:bodyPr/>
+                    <a:lstStyle/>
+                    <a:p>
+                      <a:pPr marL="0" marR="0" lvl="0" indent="0" algn="l" defTabSz="914400" rtl="0" eaLnBrk="0" fontAlgn="base" latinLnBrk="0" hangingPunct="0">
+                        <a:lnSpc>
+                          <a:spcPct val="100000"/>
+                        </a:lnSpc>
+                        <a:spcBef>
+                          <a:spcPct val="0"/>
+                        </a:spcBef>
+                        <a:spcAft>
+                          <a:spcPct val="0"/>
+                        </a:spcAft>
+                        <a:buClrTx/>
+                        <a:buSzTx/>
+                        <a:buFontTx/>
+                        <a:buNone/>
+                        <a:tabLst/>
+                      </a:pPr>
+                      <a:r>
+                        <a:rPr kumimoji="0" lang="en-US" altLang="en-US" sz="2400" b="0" i="0" u="none" strike="noStrike" cap="none" normalizeH="0" baseline="0" dirty="0" smtClean="0">
+                          <a:ln>
+                            <a:noFill/>
+                          </a:ln>
+                          <a:solidFill>
+                            <a:srgbClr val="000000"/>
+                          </a:solidFill>
+                          <a:effectLst/>
+                          <a:latin typeface="Consolas" panose="020B0609020204030204" pitchFamily="49" charset="0"/>
+                          <a:cs typeface="Consolas" panose="020B0609020204030204" pitchFamily="49" charset="0"/>
+                        </a:rPr>
+                        <a:t>print(</a:t>
+                      </a:r>
+                      <a:r>
+                        <a:rPr kumimoji="0" lang="en-US" altLang="en-US" sz="2400" b="0" i="0" u="none" strike="noStrike" cap="none" normalizeH="0" baseline="0" dirty="0" smtClean="0">
+                          <a:ln>
+                            <a:noFill/>
+                          </a:ln>
+                          <a:solidFill>
+                            <a:srgbClr val="A31515"/>
+                          </a:solidFill>
+                          <a:effectLst/>
+                          <a:latin typeface="Consolas" panose="020B0609020204030204" pitchFamily="49" charset="0"/>
+                          <a:cs typeface="Consolas" panose="020B0609020204030204" pitchFamily="49" charset="0"/>
+                        </a:rPr>
+                        <a:t>"I have {0:03d} </a:t>
+                      </a:r>
+                      <a:r>
+                        <a:rPr kumimoji="0" lang="en-US" altLang="en-US" sz="2400" b="0" i="0" u="none" strike="noStrike" cap="none" normalizeH="0" baseline="0" dirty="0" err="1" smtClean="0">
+                          <a:ln>
+                            <a:noFill/>
+                          </a:ln>
+                          <a:solidFill>
+                            <a:srgbClr val="A31515"/>
+                          </a:solidFill>
+                          <a:effectLst/>
+                          <a:latin typeface="Consolas" panose="020B0609020204030204" pitchFamily="49" charset="0"/>
+                          <a:cs typeface="Consolas" panose="020B0609020204030204" pitchFamily="49" charset="0"/>
+                        </a:rPr>
+                        <a:t>cats"</a:t>
+                      </a:r>
+                      <a:r>
+                        <a:rPr kumimoji="0" lang="en-US" altLang="en-US" sz="2400" b="0" i="0" u="none" strike="noStrike" cap="none" normalizeH="0" baseline="0" dirty="0" err="1" smtClean="0">
+                          <a:ln>
+                            <a:noFill/>
+                          </a:ln>
+                          <a:solidFill>
+                            <a:srgbClr val="000000"/>
+                          </a:solidFill>
+                          <a:effectLst/>
+                          <a:latin typeface="Consolas" panose="020B0609020204030204" pitchFamily="49" charset="0"/>
+                          <a:cs typeface="Consolas" panose="020B0609020204030204" pitchFamily="49" charset="0"/>
+                        </a:rPr>
+                        <a:t>.format</a:t>
+                      </a:r>
+                      <a:r>
+                        <a:rPr kumimoji="0" lang="en-US" altLang="en-US" sz="2400" b="0" i="0" u="none" strike="noStrike" cap="none" normalizeH="0" baseline="0" dirty="0" smtClean="0">
+                          <a:ln>
+                            <a:noFill/>
+                          </a:ln>
+                          <a:solidFill>
+                            <a:srgbClr val="000000"/>
+                          </a:solidFill>
+                          <a:effectLst/>
+                          <a:latin typeface="Consolas" panose="020B0609020204030204" pitchFamily="49" charset="0"/>
+                          <a:cs typeface="Consolas" panose="020B0609020204030204" pitchFamily="49" charset="0"/>
+                        </a:rPr>
+                        <a:t>(6)) </a:t>
+                      </a:r>
+                      <a:endParaRPr kumimoji="0" lang="en-US" altLang="en-US" sz="5400" b="0" i="0" u="none" strike="noStrike" cap="none" normalizeH="0" baseline="0" dirty="0" smtClean="0">
+                        <a:ln>
+                          <a:noFill/>
+                        </a:ln>
+                        <a:solidFill>
+                          <a:schemeClr val="tx1"/>
+                        </a:solidFill>
+                        <a:effectLst/>
+                        <a:latin typeface="Arial" panose="020B0604020202020204" pitchFamily="34" charset="0"/>
+                      </a:endParaRPr>
+                    </a:p>
+                  </a:txBody>
+                  <a:tcPr/>
+                </a:tc>
+                <a:tc>
+                  <a:txBody>
+                    <a:bodyPr/>
+                    <a:lstStyle/>
+                    <a:p>
+                      <a:pPr marL="0" marR="0" indent="0" algn="l" defTabSz="914088" rtl="0" eaLnBrk="1" fontAlgn="auto" latinLnBrk="0" hangingPunct="1">
+                        <a:lnSpc>
+                          <a:spcPct val="100000"/>
+                        </a:lnSpc>
+                        <a:spcBef>
+                          <a:spcPts val="0"/>
+                        </a:spcBef>
+                        <a:spcAft>
+                          <a:spcPts val="0"/>
+                        </a:spcAft>
+                        <a:buClrTx/>
+                        <a:buSzTx/>
+                        <a:buFontTx/>
+                        <a:buNone/>
+                        <a:tabLst/>
+                        <a:defRPr/>
+                      </a:pPr>
+                      <a:r>
+                        <a:rPr lang="en-CA" sz="2400" dirty="0" smtClean="0"/>
+                        <a:t>I have 006 cats</a:t>
+                      </a:r>
+                    </a:p>
+                  </a:txBody>
+                  <a:tcPr/>
+                </a:tc>
+                <a:extLst>
+                  <a:ext uri="{0D108BD9-81ED-4DB2-BD59-A6C34878D82A}">
+                    <a16:rowId xmlns:a16="http://schemas.microsoft.com/office/drawing/2014/main" xmlns="" val="3659282646"/>
+                  </a:ext>
+                </a:extLst>
+              </a:tr>
+              <a:tr h="370840">
+                <a:tc>
+                  <a:txBody>
+                    <a:bodyPr/>
+                    <a:lstStyle/>
+                    <a:p>
+                      <a:pPr marL="0" marR="0" lvl="0" indent="0" algn="l" defTabSz="914400" rtl="0" eaLnBrk="0" fontAlgn="base" latinLnBrk="0" hangingPunct="0">
+                        <a:lnSpc>
+                          <a:spcPct val="100000"/>
+                        </a:lnSpc>
+                        <a:spcBef>
+                          <a:spcPct val="0"/>
+                        </a:spcBef>
+                        <a:spcAft>
+                          <a:spcPct val="0"/>
+                        </a:spcAft>
+                        <a:buClrTx/>
+                        <a:buSzTx/>
+                        <a:buFontTx/>
+                        <a:buNone/>
+                        <a:tabLst/>
+                      </a:pPr>
+                      <a:r>
+                        <a:rPr kumimoji="0" lang="en-US" altLang="en-US" sz="2400" b="0" i="0" u="none" strike="noStrike" cap="none" normalizeH="0" baseline="0" dirty="0" smtClean="0">
+                          <a:ln>
+                            <a:noFill/>
+                          </a:ln>
+                          <a:solidFill>
+                            <a:srgbClr val="000000"/>
+                          </a:solidFill>
+                          <a:effectLst/>
+                          <a:latin typeface="Consolas" panose="020B0609020204030204" pitchFamily="49" charset="0"/>
+                          <a:cs typeface="Consolas" panose="020B0609020204030204" pitchFamily="49" charset="0"/>
+                        </a:rPr>
+                        <a:t>print(</a:t>
+                      </a:r>
+                      <a:r>
+                        <a:rPr kumimoji="0" lang="en-US" altLang="en-US" sz="2400" b="0" i="0" u="none" strike="noStrike" cap="none" normalizeH="0" baseline="0" dirty="0" smtClean="0">
+                          <a:ln>
+                            <a:noFill/>
+                          </a:ln>
+                          <a:solidFill>
+                            <a:srgbClr val="A31515"/>
+                          </a:solidFill>
+                          <a:effectLst/>
+                          <a:latin typeface="Consolas" panose="020B0609020204030204" pitchFamily="49" charset="0"/>
+                          <a:cs typeface="Consolas" panose="020B0609020204030204" pitchFamily="49" charset="0"/>
+                        </a:rPr>
+                        <a:t>"I have {0:f} </a:t>
+                      </a:r>
+                      <a:r>
+                        <a:rPr kumimoji="0" lang="en-US" altLang="en-US" sz="2400" b="0" i="0" u="none" strike="noStrike" cap="none" normalizeH="0" baseline="0" dirty="0" err="1" smtClean="0">
+                          <a:ln>
+                            <a:noFill/>
+                          </a:ln>
+                          <a:solidFill>
+                            <a:srgbClr val="A31515"/>
+                          </a:solidFill>
+                          <a:effectLst/>
+                          <a:latin typeface="Consolas" panose="020B0609020204030204" pitchFamily="49" charset="0"/>
+                          <a:cs typeface="Consolas" panose="020B0609020204030204" pitchFamily="49" charset="0"/>
+                        </a:rPr>
+                        <a:t>cats"</a:t>
+                      </a:r>
+                      <a:r>
+                        <a:rPr kumimoji="0" lang="en-US" altLang="en-US" sz="2400" b="0" i="0" u="none" strike="noStrike" cap="none" normalizeH="0" baseline="0" dirty="0" err="1" smtClean="0">
+                          <a:ln>
+                            <a:noFill/>
+                          </a:ln>
+                          <a:solidFill>
+                            <a:srgbClr val="000000"/>
+                          </a:solidFill>
+                          <a:effectLst/>
+                          <a:latin typeface="Consolas" panose="020B0609020204030204" pitchFamily="49" charset="0"/>
+                          <a:cs typeface="Consolas" panose="020B0609020204030204" pitchFamily="49" charset="0"/>
+                        </a:rPr>
+                        <a:t>.format</a:t>
+                      </a:r>
+                      <a:r>
+                        <a:rPr kumimoji="0" lang="en-US" altLang="en-US" sz="2400" b="0" i="0" u="none" strike="noStrike" cap="none" normalizeH="0" baseline="0" dirty="0" smtClean="0">
+                          <a:ln>
+                            <a:noFill/>
+                          </a:ln>
+                          <a:solidFill>
+                            <a:srgbClr val="000000"/>
+                          </a:solidFill>
+                          <a:effectLst/>
+                          <a:latin typeface="Consolas" panose="020B0609020204030204" pitchFamily="49" charset="0"/>
+                          <a:cs typeface="Consolas" panose="020B0609020204030204" pitchFamily="49" charset="0"/>
+                        </a:rPr>
+                        <a:t>(6)) </a:t>
+                      </a:r>
+                      <a:endParaRPr kumimoji="0" lang="en-US" altLang="en-US" sz="5400" b="0" i="0" u="none" strike="noStrike" cap="none" normalizeH="0" baseline="0" dirty="0" smtClean="0">
+                        <a:ln>
+                          <a:noFill/>
+                        </a:ln>
+                        <a:solidFill>
+                          <a:schemeClr val="tx1"/>
+                        </a:solidFill>
+                        <a:effectLst/>
+                        <a:latin typeface="Arial" panose="020B0604020202020204" pitchFamily="34" charset="0"/>
+                      </a:endParaRPr>
+                    </a:p>
+                  </a:txBody>
+                  <a:tcPr/>
+                </a:tc>
+                <a:tc>
+                  <a:txBody>
+                    <a:bodyPr/>
+                    <a:lstStyle/>
+                    <a:p>
+                      <a:pPr marL="0" marR="0" indent="0" algn="l" defTabSz="914088" rtl="0" eaLnBrk="1" fontAlgn="auto" latinLnBrk="0" hangingPunct="1">
+                        <a:lnSpc>
+                          <a:spcPct val="100000"/>
+                        </a:lnSpc>
+                        <a:spcBef>
+                          <a:spcPts val="0"/>
+                        </a:spcBef>
+                        <a:spcAft>
+                          <a:spcPts val="0"/>
+                        </a:spcAft>
+                        <a:buClrTx/>
+                        <a:buSzTx/>
+                        <a:buFontTx/>
+                        <a:buNone/>
+                        <a:tabLst/>
+                        <a:defRPr/>
+                      </a:pPr>
+                      <a:r>
+                        <a:rPr lang="en-CA" sz="2400" dirty="0" smtClean="0"/>
+                        <a:t>I have 6.000000 cats</a:t>
+                      </a:r>
+                    </a:p>
+                  </a:txBody>
+                  <a:tcPr/>
+                </a:tc>
+                <a:extLst>
+                  <a:ext uri="{0D108BD9-81ED-4DB2-BD59-A6C34878D82A}">
+                    <a16:rowId xmlns:a16="http://schemas.microsoft.com/office/drawing/2014/main" xmlns="" val="3087695988"/>
+                  </a:ext>
+                </a:extLst>
+              </a:tr>
+              <a:tr h="370840">
+                <a:tc>
+                  <a:txBody>
+                    <a:bodyPr/>
+                    <a:lstStyle/>
+                    <a:p>
+                      <a:pPr marL="0" marR="0" lvl="0" indent="0" algn="l" defTabSz="914400" rtl="0" eaLnBrk="0" fontAlgn="base" latinLnBrk="0" hangingPunct="0">
+                        <a:lnSpc>
+                          <a:spcPct val="100000"/>
+                        </a:lnSpc>
+                        <a:spcBef>
+                          <a:spcPct val="0"/>
+                        </a:spcBef>
+                        <a:spcAft>
+                          <a:spcPct val="0"/>
+                        </a:spcAft>
+                        <a:buClrTx/>
+                        <a:buSzTx/>
+                        <a:buFontTx/>
+                        <a:buNone/>
+                        <a:tabLst/>
+                      </a:pPr>
+                      <a:r>
+                        <a:rPr kumimoji="0" lang="en-US" altLang="en-US" sz="2400" b="0" i="0" u="none" strike="noStrike" cap="none" normalizeH="0" baseline="0" dirty="0" smtClean="0">
+                          <a:ln>
+                            <a:noFill/>
+                          </a:ln>
+                          <a:solidFill>
+                            <a:srgbClr val="000000"/>
+                          </a:solidFill>
+                          <a:effectLst/>
+                          <a:latin typeface="Consolas" panose="020B0609020204030204" pitchFamily="49" charset="0"/>
+                          <a:cs typeface="Consolas" panose="020B0609020204030204" pitchFamily="49" charset="0"/>
+                        </a:rPr>
+                        <a:t>print(</a:t>
+                      </a:r>
+                      <a:r>
+                        <a:rPr kumimoji="0" lang="en-US" altLang="en-US" sz="2400" b="0" i="0" u="none" strike="noStrike" cap="none" normalizeH="0" baseline="0" dirty="0" smtClean="0">
+                          <a:ln>
+                            <a:noFill/>
+                          </a:ln>
+                          <a:solidFill>
+                            <a:srgbClr val="A31515"/>
+                          </a:solidFill>
+                          <a:effectLst/>
+                          <a:latin typeface="Consolas" panose="020B0609020204030204" pitchFamily="49" charset="0"/>
+                          <a:cs typeface="Consolas" panose="020B0609020204030204" pitchFamily="49" charset="0"/>
+                        </a:rPr>
+                        <a:t>"I have {0:.2f} </a:t>
+                      </a:r>
+                      <a:r>
+                        <a:rPr kumimoji="0" lang="en-US" altLang="en-US" sz="2400" b="0" i="0" u="none" strike="noStrike" cap="none" normalizeH="0" baseline="0" dirty="0" err="1" smtClean="0">
+                          <a:ln>
+                            <a:noFill/>
+                          </a:ln>
+                          <a:solidFill>
+                            <a:srgbClr val="A31515"/>
+                          </a:solidFill>
+                          <a:effectLst/>
+                          <a:latin typeface="Consolas" panose="020B0609020204030204" pitchFamily="49" charset="0"/>
+                          <a:cs typeface="Consolas" panose="020B0609020204030204" pitchFamily="49" charset="0"/>
+                        </a:rPr>
+                        <a:t>cats"</a:t>
+                      </a:r>
+                      <a:r>
+                        <a:rPr kumimoji="0" lang="en-US" altLang="en-US" sz="2400" b="0" i="0" u="none" strike="noStrike" cap="none" normalizeH="0" baseline="0" dirty="0" err="1" smtClean="0">
+                          <a:ln>
+                            <a:noFill/>
+                          </a:ln>
+                          <a:solidFill>
+                            <a:srgbClr val="000000"/>
+                          </a:solidFill>
+                          <a:effectLst/>
+                          <a:latin typeface="Consolas" panose="020B0609020204030204" pitchFamily="49" charset="0"/>
+                          <a:cs typeface="Consolas" panose="020B0609020204030204" pitchFamily="49" charset="0"/>
+                        </a:rPr>
+                        <a:t>.format</a:t>
+                      </a:r>
+                      <a:r>
+                        <a:rPr kumimoji="0" lang="en-US" altLang="en-US" sz="2400" b="0" i="0" u="none" strike="noStrike" cap="none" normalizeH="0" baseline="0" dirty="0" smtClean="0">
+                          <a:ln>
+                            <a:noFill/>
+                          </a:ln>
+                          <a:solidFill>
+                            <a:srgbClr val="000000"/>
+                          </a:solidFill>
+                          <a:effectLst/>
+                          <a:latin typeface="Consolas" panose="020B0609020204030204" pitchFamily="49" charset="0"/>
+                          <a:cs typeface="Consolas" panose="020B0609020204030204" pitchFamily="49" charset="0"/>
+                        </a:rPr>
+                        <a:t>(6)) </a:t>
+                      </a:r>
+                      <a:endParaRPr kumimoji="0" lang="en-US" altLang="en-US" sz="5400" b="0" i="0" u="none" strike="noStrike" cap="none" normalizeH="0" baseline="0" dirty="0" smtClean="0">
+                        <a:ln>
+                          <a:noFill/>
+                        </a:ln>
+                        <a:solidFill>
+                          <a:schemeClr val="tx1"/>
+                        </a:solidFill>
+                        <a:effectLst/>
+                        <a:latin typeface="Arial" panose="020B0604020202020204" pitchFamily="34" charset="0"/>
+                      </a:endParaRPr>
+                    </a:p>
+                  </a:txBody>
+                  <a:tcPr/>
+                </a:tc>
+                <a:tc>
+                  <a:txBody>
+                    <a:bodyPr/>
+                    <a:lstStyle/>
+                    <a:p>
+                      <a:pPr marL="0" marR="0" indent="0" algn="l" defTabSz="914088" rtl="0" eaLnBrk="1" fontAlgn="auto" latinLnBrk="0" hangingPunct="1">
+                        <a:lnSpc>
+                          <a:spcPct val="100000"/>
+                        </a:lnSpc>
+                        <a:spcBef>
+                          <a:spcPts val="0"/>
+                        </a:spcBef>
+                        <a:spcAft>
+                          <a:spcPts val="0"/>
+                        </a:spcAft>
+                        <a:buClrTx/>
+                        <a:buSzTx/>
+                        <a:buFontTx/>
+                        <a:buNone/>
+                        <a:tabLst/>
+                        <a:defRPr/>
+                      </a:pPr>
+                      <a:r>
+                        <a:rPr lang="en-CA" sz="2400" dirty="0" smtClean="0"/>
+                        <a:t>I have 6.00 cats</a:t>
+                      </a:r>
+                    </a:p>
+                  </a:txBody>
+                  <a:tcPr/>
+                </a:tc>
+                <a:extLst>
+                  <a:ext uri="{0D108BD9-81ED-4DB2-BD59-A6C34878D82A}">
+                    <a16:rowId xmlns:a16="http://schemas.microsoft.com/office/drawing/2014/main" xmlns="" val="1983132832"/>
+                  </a:ext>
+                </a:extLst>
+              </a:tr>
+            </a:tbl>
+          </a:graphicData>
+        </a:graphic>
+      </p:graphicFrame>
+      <p:sp>
+        <p:nvSpPr>
+          <p:cNvPr id="11" name="Title 10"/>
+          <p:cNvSpPr>
+            <a:spLocks noGrp="1"/>
+          </p:cNvSpPr>
+          <p:nvPr>
+            <p:ph type="title"/>
+          </p:nvPr>
+        </p:nvSpPr>
+        <p:spPr/>
+        <p:txBody>
+          <a:bodyPr>
+            <a:normAutofit fontScale="90000"/>
+          </a:bodyPr>
+          <a:lstStyle/>
+          <a:p>
+            <a:r>
+              <a:rPr lang="en-CA" dirty="0" smtClean="0"/>
+              <a:t>You can also use a format method to format numeric values</a:t>
+            </a:r>
+            <a:endParaRPr lang="en-US" dirty="0"/>
+          </a:p>
+        </p:txBody>
+      </p:sp>
+    </p:spTree>
+    <p:extLst>
+      <p:ext uri="{BB962C8B-B14F-4D97-AF65-F5344CB8AC3E}">
+        <p14:creationId xmlns:p14="http://schemas.microsoft.com/office/powerpoint/2010/main" val="2681470260"/>
+      </p:ext>
+    </p:extLst>
+  </p:cSld>
+  <p:clrMapOvr>
+    <a:masterClrMapping/>
+  </p:clrMapOvr>
+  <p:timing>
+    <p:tnLst>
+      <p:par>
+        <p:cTn id="1" dur="indefinite" restart="never" nodeType="tmRoot"/>
+      </p:par>
+    </p:tnLst>
+  </p:timing>
+</p:sld>
+</file>
+
+<file path=ppt/slides/slide11.xml><?xml version="1.0" encoding="utf-8"?>
+<p:sld xmlns:a="http://schemas.openxmlformats.org/drawingml/2006/main" xmlns:r="http://schemas.openxmlformats.org/officeDocument/2006/relationships" xmlns:p="http://schemas.openxmlformats.org/presentationml/2006/main">
+  <p:cSld>
+    <p:spTree>
+      <p:nvGrpSpPr>
+        <p:cNvPr id="1" name=""/>
+        <p:cNvGrpSpPr/>
+        <p:nvPr/>
+      </p:nvGrpSpPr>
+      <p:grpSpPr>
+        <a:xfrm>
+          <a:off x="0" y="0"/>
+          <a:ext cx="0" cy="0"/>
+          <a:chOff x="0" y="0"/>
+          <a:chExt cx="0" cy="0"/>
+        </a:xfrm>
+      </p:grpSpPr>
       <p:sp>
         <p:nvSpPr>
           <p:cNvPr id="2" name="Title 1"/>
@@ -4863,7 +5720,7 @@
 </p:sld>
 </file>
 
-<file path=ppt/slides/slide11.xml><?xml version="1.0" encoding="utf-8"?>
+<file path=ppt/slides/slide12.xml><?xml version="1.0" encoding="utf-8"?>
 <p:sld xmlns:a="http://schemas.openxmlformats.org/drawingml/2006/main" xmlns:r="http://schemas.openxmlformats.org/officeDocument/2006/relationships" xmlns:p="http://schemas.openxmlformats.org/presentationml/2006/main">
   <p:cSld>
     <p:spTree>
@@ -5146,7 +6003,7 @@
 </p:sld>
 </file>
 
-<file path=ppt/slides/slide12.xml><?xml version="1.0" encoding="utf-8"?>
+<file path=ppt/slides/slide13.xml><?xml version="1.0" encoding="utf-8"?>
 <p:sld xmlns:a="http://schemas.openxmlformats.org/drawingml/2006/main" xmlns:r="http://schemas.openxmlformats.org/officeDocument/2006/relationships" xmlns:p="http://schemas.openxmlformats.org/presentationml/2006/main">
   <p:cSld>
     <p:spTree>
@@ -5165,6 +6022,78 @@
       </p:grpSpPr>
       <p:sp>
         <p:nvSpPr>
+          <p:cNvPr id="6" name="Text Placeholder 5"/>
+          <p:cNvSpPr>
+            <a:spLocks noGrp="1"/>
+          </p:cNvSpPr>
+          <p:nvPr>
+            <p:ph type="body" sz="quarter" idx="10"/>
+          </p:nvPr>
+        </p:nvSpPr>
+        <p:spPr/>
+        <p:txBody>
+          <a:bodyPr/>
+          <a:lstStyle/>
+          <a:p>
+            <a:r>
+              <a:rPr lang="en-US" dirty="0" smtClean="0"/>
+              <a:t>Inputting numbers</a:t>
+            </a:r>
+            <a:endParaRPr lang="en-US" dirty="0"/>
+          </a:p>
+        </p:txBody>
+      </p:sp>
+      <p:sp>
+        <p:nvSpPr>
+          <p:cNvPr id="5" name="Subtitle 4"/>
+          <p:cNvSpPr>
+            <a:spLocks noGrp="1"/>
+          </p:cNvSpPr>
+          <p:nvPr>
+            <p:ph type="subTitle" idx="1"/>
+          </p:nvPr>
+        </p:nvSpPr>
+        <p:spPr/>
+        <p:txBody>
+          <a:bodyPr/>
+          <a:lstStyle/>
+          <a:p>
+            <a:endParaRPr lang="en-US"/>
+          </a:p>
+        </p:txBody>
+      </p:sp>
+    </p:spTree>
+    <p:extLst>
+      <p:ext uri="{BB962C8B-B14F-4D97-AF65-F5344CB8AC3E}">
+        <p14:creationId xmlns:p14="http://schemas.microsoft.com/office/powerpoint/2010/main" val="1159036201"/>
+      </p:ext>
+    </p:extLst>
+  </p:cSld>
+  <p:clrMapOvr>
+    <a:masterClrMapping/>
+  </p:clrMapOvr>
+</p:sld>
+</file>
+
+<file path=ppt/slides/slide14.xml><?xml version="1.0" encoding="utf-8"?>
+<p:sld xmlns:a="http://schemas.openxmlformats.org/drawingml/2006/main" xmlns:r="http://schemas.openxmlformats.org/officeDocument/2006/relationships" xmlns:p="http://schemas.openxmlformats.org/presentationml/2006/main">
+  <p:cSld>
+    <p:spTree>
+      <p:nvGrpSpPr>
+        <p:cNvPr id="1" name=""/>
+        <p:cNvGrpSpPr/>
+        <p:nvPr/>
+      </p:nvGrpSpPr>
+      <p:grpSpPr>
+        <a:xfrm>
+          <a:off x="0" y="0"/>
+          <a:ext cx="0" cy="0"/>
+          <a:chOff x="0" y="0"/>
+          <a:chExt cx="0" cy="0"/>
+        </a:xfrm>
+      </p:grpSpPr>
+      <p:sp>
+        <p:nvSpPr>
           <p:cNvPr id="5" name="Title 4"/>
           <p:cNvSpPr>
             <a:spLocks noGrp="1"/>
@@ -5199,7 +6128,7 @@
 </p:sld>
 </file>
 
-<file path=ppt/slides/slide13.xml><?xml version="1.0" encoding="utf-8"?>
+<file path=ppt/slides/slide15.xml><?xml version="1.0" encoding="utf-8"?>
 <p:sld xmlns:a="http://schemas.openxmlformats.org/drawingml/2006/main" xmlns:r="http://schemas.openxmlformats.org/officeDocument/2006/relationships" xmlns:p="http://schemas.openxmlformats.org/presentationml/2006/main">
   <p:cSld>
     <p:spTree>
@@ -5867,7 +6796,7 @@
 </p:sld>
 </file>
 
-<file path=ppt/slides/slide14.xml><?xml version="1.0" encoding="utf-8"?>
+<file path=ppt/slides/slide16.xml><?xml version="1.0" encoding="utf-8"?>
 <p:sld xmlns:a="http://schemas.openxmlformats.org/drawingml/2006/main" xmlns:r="http://schemas.openxmlformats.org/officeDocument/2006/relationships" xmlns:p="http://schemas.openxmlformats.org/presentationml/2006/main">
   <p:cSld>
     <p:spTree>
@@ -6409,7 +7338,7 @@
 </p:sld>
 </file>
 
-<file path=ppt/slides/slide15.xml><?xml version="1.0" encoding="utf-8"?>
+<file path=ppt/slides/slide17.xml><?xml version="1.0" encoding="utf-8"?>
 <p:sld xmlns:a="http://schemas.openxmlformats.org/drawingml/2006/main" xmlns:r="http://schemas.openxmlformats.org/officeDocument/2006/relationships" xmlns:p="http://schemas.openxmlformats.org/presentationml/2006/main">
   <p:cSld>
     <p:spTree>
@@ -6888,7 +7817,7 @@
 </p:sld>
 </file>
 
-<file path=ppt/slides/slide16.xml><?xml version="1.0" encoding="utf-8"?>
+<file path=ppt/slides/slide18.xml><?xml version="1.0" encoding="utf-8"?>
 <p:sld xmlns:a="http://schemas.openxmlformats.org/drawingml/2006/main" xmlns:r="http://schemas.openxmlformats.org/officeDocument/2006/relationships" xmlns:p="http://schemas.openxmlformats.org/presentationml/2006/main">
   <p:cSld>
     <p:spTree>
@@ -7136,7 +8065,7 @@
 </p:sld>
 </file>
 
-<file path=ppt/slides/slide17.xml><?xml version="1.0" encoding="utf-8"?>
+<file path=ppt/slides/slide19.xml><?xml version="1.0" encoding="utf-8"?>
 <p:sld xmlns:a="http://schemas.openxmlformats.org/drawingml/2006/main" xmlns:r="http://schemas.openxmlformats.org/officeDocument/2006/relationships" xmlns:p="http://schemas.openxmlformats.org/presentationml/2006/main">
   <p:cSld>
     <p:spTree>
@@ -7566,7 +8495,280 @@
 </p:sld>
 </file>
 
-<file path=ppt/slides/slide18.xml><?xml version="1.0" encoding="utf-8"?>
+<file path=ppt/slides/slide2.xml><?xml version="1.0" encoding="utf-8"?>
+<p:sld xmlns:a="http://schemas.openxmlformats.org/drawingml/2006/main" xmlns:r="http://schemas.openxmlformats.org/officeDocument/2006/relationships" xmlns:p="http://schemas.openxmlformats.org/presentationml/2006/main">
+  <p:cSld>
+    <p:spTree>
+      <p:nvGrpSpPr>
+        <p:cNvPr id="1" name=""/>
+        <p:cNvGrpSpPr/>
+        <p:nvPr/>
+      </p:nvGrpSpPr>
+      <p:grpSpPr>
+        <a:xfrm>
+          <a:off x="0" y="0"/>
+          <a:ext cx="0" cy="0"/>
+          <a:chOff x="0" y="0"/>
+          <a:chExt cx="0" cy="0"/>
+        </a:xfrm>
+      </p:grpSpPr>
+      <p:sp>
+        <p:nvSpPr>
+          <p:cNvPr id="4" name="Title 3"/>
+          <p:cNvSpPr>
+            <a:spLocks noGrp="1"/>
+          </p:cNvSpPr>
+          <p:nvPr>
+            <p:ph type="title"/>
+          </p:nvPr>
+        </p:nvSpPr>
+        <p:spPr/>
+        <p:txBody>
+          <a:bodyPr/>
+          <a:lstStyle/>
+          <a:p>
+            <a:r>
+              <a:rPr lang="en-CA" dirty="0" smtClean="0"/>
+              <a:t>Many problems we have to solve involve math</a:t>
+            </a:r>
+            <a:endParaRPr lang="en-US" dirty="0"/>
+          </a:p>
+        </p:txBody>
+      </p:sp>
+      <p:sp>
+        <p:nvSpPr>
+          <p:cNvPr id="5" name="Content Placeholder 4"/>
+          <p:cNvSpPr>
+            <a:spLocks noGrp="1"/>
+          </p:cNvSpPr>
+          <p:nvPr>
+            <p:ph sz="quarter" idx="10"/>
+          </p:nvPr>
+        </p:nvSpPr>
+        <p:spPr/>
+        <p:txBody>
+          <a:bodyPr/>
+          <a:lstStyle/>
+          <a:p>
+            <a:r>
+              <a:rPr lang="en-CA" dirty="0" smtClean="0"/>
+              <a:t>How much will I pay monthly on a mortgage?</a:t>
+            </a:r>
+          </a:p>
+          <a:p>
+            <a:r>
+              <a:rPr lang="en-CA" dirty="0" smtClean="0"/>
+              <a:t>How much will this cost when I add taxes?</a:t>
+            </a:r>
+          </a:p>
+          <a:p>
+            <a:r>
+              <a:rPr lang="en-CA" dirty="0" smtClean="0"/>
+              <a:t>How much milk do I need to use in this recipe if I want to double the recipe?</a:t>
+            </a:r>
+          </a:p>
+          <a:p>
+            <a:pPr marL="0" indent="0">
+              <a:buNone/>
+            </a:pPr>
+            <a:endParaRPr lang="en-US" dirty="0"/>
+          </a:p>
+        </p:txBody>
+      </p:sp>
+    </p:spTree>
+    <p:extLst>
+      <p:ext uri="{BB962C8B-B14F-4D97-AF65-F5344CB8AC3E}">
+        <p14:creationId xmlns:p14="http://schemas.microsoft.com/office/powerpoint/2010/main" val="2449272264"/>
+      </p:ext>
+    </p:extLst>
+  </p:cSld>
+  <p:clrMapOvr>
+    <a:masterClrMapping/>
+  </p:clrMapOvr>
+  <p:timing>
+    <p:tnLst>
+      <p:par>
+        <p:cTn id="1" dur="indefinite" restart="never" nodeType="tmRoot">
+          <p:childTnLst>
+            <p:seq concurrent="1" nextAc="seek">
+              <p:cTn id="2" dur="indefinite" nodeType="mainSeq">
+                <p:childTnLst>
+                  <p:par>
+                    <p:cTn id="3" fill="hold">
+                      <p:stCondLst>
+                        <p:cond delay="indefinite"/>
+                      </p:stCondLst>
+                      <p:childTnLst>
+                        <p:par>
+                          <p:cTn id="4" fill="hold">
+                            <p:stCondLst>
+                              <p:cond delay="0"/>
+                            </p:stCondLst>
+                            <p:childTnLst>
+                              <p:par>
+                                <p:cTn id="5" presetID="1" presetClass="entr" presetSubtype="0" fill="hold" grpId="0" nodeType="clickEffect">
+                                  <p:stCondLst>
+                                    <p:cond delay="0"/>
+                                  </p:stCondLst>
+                                  <p:childTnLst>
+                                    <p:set>
+                                      <p:cBhvr>
+                                        <p:cTn id="6" dur="1" fill="hold">
+                                          <p:stCondLst>
+                                            <p:cond delay="0"/>
+                                          </p:stCondLst>
+                                        </p:cTn>
+                                        <p:tgtEl>
+                                          <p:spTgt spid="5">
+                                            <p:txEl>
+                                              <p:pRg st="0" end="0"/>
+                                            </p:txEl>
+                                          </p:spTgt>
+                                        </p:tgtEl>
+                                        <p:attrNameLst>
+                                          <p:attrName>style.visibility</p:attrName>
+                                        </p:attrNameLst>
+                                      </p:cBhvr>
+                                      <p:to>
+                                        <p:strVal val="visible"/>
+                                      </p:to>
+                                    </p:set>
+                                  </p:childTnLst>
+                                </p:cTn>
+                              </p:par>
+                            </p:childTnLst>
+                          </p:cTn>
+                        </p:par>
+                      </p:childTnLst>
+                    </p:cTn>
+                  </p:par>
+                  <p:par>
+                    <p:cTn id="7" fill="hold">
+                      <p:stCondLst>
+                        <p:cond delay="indefinite"/>
+                      </p:stCondLst>
+                      <p:childTnLst>
+                        <p:par>
+                          <p:cTn id="8" fill="hold">
+                            <p:stCondLst>
+                              <p:cond delay="0"/>
+                            </p:stCondLst>
+                            <p:childTnLst>
+                              <p:par>
+                                <p:cTn id="9" presetID="1" presetClass="entr" presetSubtype="0" fill="hold" grpId="0" nodeType="clickEffect">
+                                  <p:stCondLst>
+                                    <p:cond delay="0"/>
+                                  </p:stCondLst>
+                                  <p:childTnLst>
+                                    <p:set>
+                                      <p:cBhvr>
+                                        <p:cTn id="10" dur="1" fill="hold">
+                                          <p:stCondLst>
+                                            <p:cond delay="0"/>
+                                          </p:stCondLst>
+                                        </p:cTn>
+                                        <p:tgtEl>
+                                          <p:spTgt spid="5">
+                                            <p:txEl>
+                                              <p:pRg st="1" end="1"/>
+                                            </p:txEl>
+                                          </p:spTgt>
+                                        </p:tgtEl>
+                                        <p:attrNameLst>
+                                          <p:attrName>style.visibility</p:attrName>
+                                        </p:attrNameLst>
+                                      </p:cBhvr>
+                                      <p:to>
+                                        <p:strVal val="visible"/>
+                                      </p:to>
+                                    </p:set>
+                                  </p:childTnLst>
+                                </p:cTn>
+                              </p:par>
+                            </p:childTnLst>
+                          </p:cTn>
+                        </p:par>
+                      </p:childTnLst>
+                    </p:cTn>
+                  </p:par>
+                  <p:par>
+                    <p:cTn id="11" fill="hold">
+                      <p:stCondLst>
+                        <p:cond delay="indefinite"/>
+                      </p:stCondLst>
+                      <p:childTnLst>
+                        <p:par>
+                          <p:cTn id="12" fill="hold">
+                            <p:stCondLst>
+                              <p:cond delay="0"/>
+                            </p:stCondLst>
+                            <p:childTnLst>
+                              <p:par>
+                                <p:cTn id="13" presetID="1" presetClass="entr" presetSubtype="0" fill="hold" grpId="0" nodeType="clickEffect">
+                                  <p:stCondLst>
+                                    <p:cond delay="0"/>
+                                  </p:stCondLst>
+                                  <p:childTnLst>
+                                    <p:set>
+                                      <p:cBhvr>
+                                        <p:cTn id="14" dur="1" fill="hold">
+                                          <p:stCondLst>
+                                            <p:cond delay="0"/>
+                                          </p:stCondLst>
+                                        </p:cTn>
+                                        <p:tgtEl>
+                                          <p:spTgt spid="5">
+                                            <p:txEl>
+                                              <p:pRg st="2" end="2"/>
+                                            </p:txEl>
+                                          </p:spTgt>
+                                        </p:tgtEl>
+                                        <p:attrNameLst>
+                                          <p:attrName>style.visibility</p:attrName>
+                                        </p:attrNameLst>
+                                      </p:cBhvr>
+                                      <p:to>
+                                        <p:strVal val="visible"/>
+                                      </p:to>
+                                    </p:set>
+                                  </p:childTnLst>
+                                </p:cTn>
+                              </p:par>
+                            </p:childTnLst>
+                          </p:cTn>
+                        </p:par>
+                      </p:childTnLst>
+                    </p:cTn>
+                  </p:par>
+                </p:childTnLst>
+              </p:cTn>
+              <p:prevCondLst>
+                <p:cond evt="onPrev" delay="0">
+                  <p:tgtEl>
+                    <p:sldTgt/>
+                  </p:tgtEl>
+                </p:cond>
+              </p:prevCondLst>
+              <p:nextCondLst>
+                <p:cond evt="onNext" delay="0">
+                  <p:tgtEl>
+                    <p:sldTgt/>
+                  </p:tgtEl>
+                </p:cond>
+              </p:nextCondLst>
+            </p:seq>
+          </p:childTnLst>
+        </p:cTn>
+      </p:par>
+    </p:tnLst>
+    <p:bldLst>
+      <p:bldP spid="5" grpId="0" build="p"/>
+    </p:bldLst>
+  </p:timing>
+</p:sld>
+</file>
+
+<file path=ppt/slides/slide20.xml><?xml version="1.0" encoding="utf-8"?>
 <p:sld xmlns:a="http://schemas.openxmlformats.org/drawingml/2006/main" xmlns:r="http://schemas.openxmlformats.org/officeDocument/2006/relationships" xmlns:p="http://schemas.openxmlformats.org/presentationml/2006/main">
   <p:cSld>
     <p:spTree>
@@ -8277,7 +9479,7 @@
 </p:sld>
 </file>
 
-<file path=ppt/slides/slide19.xml><?xml version="1.0" encoding="utf-8"?>
+<file path=ppt/slides/slide21.xml><?xml version="1.0" encoding="utf-8"?>
 <p:sld xmlns:a="http://schemas.openxmlformats.org/drawingml/2006/main" xmlns:r="http://schemas.openxmlformats.org/officeDocument/2006/relationships" xmlns:p="http://schemas.openxmlformats.org/presentationml/2006/main">
   <p:cSld>
     <p:spTree>
@@ -8334,280 +9536,7 @@
 </p:sld>
 </file>
 
-<file path=ppt/slides/slide2.xml><?xml version="1.0" encoding="utf-8"?>
-<p:sld xmlns:a="http://schemas.openxmlformats.org/drawingml/2006/main" xmlns:r="http://schemas.openxmlformats.org/officeDocument/2006/relationships" xmlns:p="http://schemas.openxmlformats.org/presentationml/2006/main">
-  <p:cSld>
-    <p:spTree>
-      <p:nvGrpSpPr>
-        <p:cNvPr id="1" name=""/>
-        <p:cNvGrpSpPr/>
-        <p:nvPr/>
-      </p:nvGrpSpPr>
-      <p:grpSpPr>
-        <a:xfrm>
-          <a:off x="0" y="0"/>
-          <a:ext cx="0" cy="0"/>
-          <a:chOff x="0" y="0"/>
-          <a:chExt cx="0" cy="0"/>
-        </a:xfrm>
-      </p:grpSpPr>
-      <p:sp>
-        <p:nvSpPr>
-          <p:cNvPr id="4" name="Title 3"/>
-          <p:cNvSpPr>
-            <a:spLocks noGrp="1"/>
-          </p:cNvSpPr>
-          <p:nvPr>
-            <p:ph type="title"/>
-          </p:nvPr>
-        </p:nvSpPr>
-        <p:spPr/>
-        <p:txBody>
-          <a:bodyPr/>
-          <a:lstStyle/>
-          <a:p>
-            <a:r>
-              <a:rPr lang="en-CA" dirty="0" smtClean="0"/>
-              <a:t>Many problems we have to solve involve math</a:t>
-            </a:r>
-            <a:endParaRPr lang="en-US" dirty="0"/>
-          </a:p>
-        </p:txBody>
-      </p:sp>
-      <p:sp>
-        <p:nvSpPr>
-          <p:cNvPr id="5" name="Content Placeholder 4"/>
-          <p:cNvSpPr>
-            <a:spLocks noGrp="1"/>
-          </p:cNvSpPr>
-          <p:nvPr>
-            <p:ph sz="quarter" idx="10"/>
-          </p:nvPr>
-        </p:nvSpPr>
-        <p:spPr/>
-        <p:txBody>
-          <a:bodyPr/>
-          <a:lstStyle/>
-          <a:p>
-            <a:r>
-              <a:rPr lang="en-CA" dirty="0" smtClean="0"/>
-              <a:t>How much will I pay monthly on a mortgage?</a:t>
-            </a:r>
-          </a:p>
-          <a:p>
-            <a:r>
-              <a:rPr lang="en-CA" dirty="0" smtClean="0"/>
-              <a:t>How much will this cost when I add taxes?</a:t>
-            </a:r>
-          </a:p>
-          <a:p>
-            <a:r>
-              <a:rPr lang="en-CA" dirty="0" smtClean="0"/>
-              <a:t>How much milk do I need to use in this recipe if I want to double the recipe?</a:t>
-            </a:r>
-          </a:p>
-          <a:p>
-            <a:pPr marL="0" indent="0">
-              <a:buNone/>
-            </a:pPr>
-            <a:endParaRPr lang="en-US" dirty="0"/>
-          </a:p>
-        </p:txBody>
-      </p:sp>
-    </p:spTree>
-    <p:extLst>
-      <p:ext uri="{BB962C8B-B14F-4D97-AF65-F5344CB8AC3E}">
-        <p14:creationId xmlns:p14="http://schemas.microsoft.com/office/powerpoint/2010/main" val="2449272264"/>
-      </p:ext>
-    </p:extLst>
-  </p:cSld>
-  <p:clrMapOvr>
-    <a:masterClrMapping/>
-  </p:clrMapOvr>
-  <p:timing>
-    <p:tnLst>
-      <p:par>
-        <p:cTn id="1" dur="indefinite" restart="never" nodeType="tmRoot">
-          <p:childTnLst>
-            <p:seq concurrent="1" nextAc="seek">
-              <p:cTn id="2" dur="indefinite" nodeType="mainSeq">
-                <p:childTnLst>
-                  <p:par>
-                    <p:cTn id="3" fill="hold">
-                      <p:stCondLst>
-                        <p:cond delay="indefinite"/>
-                      </p:stCondLst>
-                      <p:childTnLst>
-                        <p:par>
-                          <p:cTn id="4" fill="hold">
-                            <p:stCondLst>
-                              <p:cond delay="0"/>
-                            </p:stCondLst>
-                            <p:childTnLst>
-                              <p:par>
-                                <p:cTn id="5" presetID="1" presetClass="entr" presetSubtype="0" fill="hold" grpId="0" nodeType="clickEffect">
-                                  <p:stCondLst>
-                                    <p:cond delay="0"/>
-                                  </p:stCondLst>
-                                  <p:childTnLst>
-                                    <p:set>
-                                      <p:cBhvr>
-                                        <p:cTn id="6" dur="1" fill="hold">
-                                          <p:stCondLst>
-                                            <p:cond delay="0"/>
-                                          </p:stCondLst>
-                                        </p:cTn>
-                                        <p:tgtEl>
-                                          <p:spTgt spid="5">
-                                            <p:txEl>
-                                              <p:pRg st="0" end="0"/>
-                                            </p:txEl>
-                                          </p:spTgt>
-                                        </p:tgtEl>
-                                        <p:attrNameLst>
-                                          <p:attrName>style.visibility</p:attrName>
-                                        </p:attrNameLst>
-                                      </p:cBhvr>
-                                      <p:to>
-                                        <p:strVal val="visible"/>
-                                      </p:to>
-                                    </p:set>
-                                  </p:childTnLst>
-                                </p:cTn>
-                              </p:par>
-                            </p:childTnLst>
-                          </p:cTn>
-                        </p:par>
-                      </p:childTnLst>
-                    </p:cTn>
-                  </p:par>
-                  <p:par>
-                    <p:cTn id="7" fill="hold">
-                      <p:stCondLst>
-                        <p:cond delay="indefinite"/>
-                      </p:stCondLst>
-                      <p:childTnLst>
-                        <p:par>
-                          <p:cTn id="8" fill="hold">
-                            <p:stCondLst>
-                              <p:cond delay="0"/>
-                            </p:stCondLst>
-                            <p:childTnLst>
-                              <p:par>
-                                <p:cTn id="9" presetID="1" presetClass="entr" presetSubtype="0" fill="hold" grpId="0" nodeType="clickEffect">
-                                  <p:stCondLst>
-                                    <p:cond delay="0"/>
-                                  </p:stCondLst>
-                                  <p:childTnLst>
-                                    <p:set>
-                                      <p:cBhvr>
-                                        <p:cTn id="10" dur="1" fill="hold">
-                                          <p:stCondLst>
-                                            <p:cond delay="0"/>
-                                          </p:stCondLst>
-                                        </p:cTn>
-                                        <p:tgtEl>
-                                          <p:spTgt spid="5">
-                                            <p:txEl>
-                                              <p:pRg st="1" end="1"/>
-                                            </p:txEl>
-                                          </p:spTgt>
-                                        </p:tgtEl>
-                                        <p:attrNameLst>
-                                          <p:attrName>style.visibility</p:attrName>
-                                        </p:attrNameLst>
-                                      </p:cBhvr>
-                                      <p:to>
-                                        <p:strVal val="visible"/>
-                                      </p:to>
-                                    </p:set>
-                                  </p:childTnLst>
-                                </p:cTn>
-                              </p:par>
-                            </p:childTnLst>
-                          </p:cTn>
-                        </p:par>
-                      </p:childTnLst>
-                    </p:cTn>
-                  </p:par>
-                  <p:par>
-                    <p:cTn id="11" fill="hold">
-                      <p:stCondLst>
-                        <p:cond delay="indefinite"/>
-                      </p:stCondLst>
-                      <p:childTnLst>
-                        <p:par>
-                          <p:cTn id="12" fill="hold">
-                            <p:stCondLst>
-                              <p:cond delay="0"/>
-                            </p:stCondLst>
-                            <p:childTnLst>
-                              <p:par>
-                                <p:cTn id="13" presetID="1" presetClass="entr" presetSubtype="0" fill="hold" grpId="0" nodeType="clickEffect">
-                                  <p:stCondLst>
-                                    <p:cond delay="0"/>
-                                  </p:stCondLst>
-                                  <p:childTnLst>
-                                    <p:set>
-                                      <p:cBhvr>
-                                        <p:cTn id="14" dur="1" fill="hold">
-                                          <p:stCondLst>
-                                            <p:cond delay="0"/>
-                                          </p:stCondLst>
-                                        </p:cTn>
-                                        <p:tgtEl>
-                                          <p:spTgt spid="5">
-                                            <p:txEl>
-                                              <p:pRg st="2" end="2"/>
-                                            </p:txEl>
-                                          </p:spTgt>
-                                        </p:tgtEl>
-                                        <p:attrNameLst>
-                                          <p:attrName>style.visibility</p:attrName>
-                                        </p:attrNameLst>
-                                      </p:cBhvr>
-                                      <p:to>
-                                        <p:strVal val="visible"/>
-                                      </p:to>
-                                    </p:set>
-                                  </p:childTnLst>
-                                </p:cTn>
-                              </p:par>
-                            </p:childTnLst>
-                          </p:cTn>
-                        </p:par>
-                      </p:childTnLst>
-                    </p:cTn>
-                  </p:par>
-                </p:childTnLst>
-              </p:cTn>
-              <p:prevCondLst>
-                <p:cond evt="onPrev" delay="0">
-                  <p:tgtEl>
-                    <p:sldTgt/>
-                  </p:tgtEl>
-                </p:cond>
-              </p:prevCondLst>
-              <p:nextCondLst>
-                <p:cond evt="onNext" delay="0">
-                  <p:tgtEl>
-                    <p:sldTgt/>
-                  </p:tgtEl>
-                </p:cond>
-              </p:nextCondLst>
-            </p:seq>
-          </p:childTnLst>
-        </p:cTn>
-      </p:par>
-    </p:tnLst>
-    <p:bldLst>
-      <p:bldP spid="5" grpId="0" build="p"/>
-    </p:bldLst>
-  </p:timing>
-</p:sld>
-</file>
-
-<file path=ppt/slides/slide20.xml><?xml version="1.0" encoding="utf-8"?>
+<file path=ppt/slides/slide22.xml><?xml version="1.0" encoding="utf-8"?>
 <p:sld xmlns:a="http://schemas.openxmlformats.org/drawingml/2006/main" xmlns:r="http://schemas.openxmlformats.org/officeDocument/2006/relationships" xmlns:p="http://schemas.openxmlformats.org/presentationml/2006/main">
   <p:cSld>
     <p:spTree>
@@ -9025,7 +9954,7 @@
 </p:sld>
 </file>
 
-<file path=ppt/slides/slide21.xml><?xml version="1.0" encoding="utf-8"?>
+<file path=ppt/slides/slide23.xml><?xml version="1.0" encoding="utf-8"?>
 <p:sld xmlns:a="http://schemas.openxmlformats.org/drawingml/2006/main" xmlns:r="http://schemas.openxmlformats.org/officeDocument/2006/relationships" xmlns:p="http://schemas.openxmlformats.org/presentationml/2006/main">
   <p:cSld>
     <p:spTree>
@@ -9137,7 +10066,7 @@
 </p:sld>
 </file>
 
-<file path=ppt/slides/slide22.xml><?xml version="1.0" encoding="utf-8"?>
+<file path=ppt/slides/slide24.xml><?xml version="1.0" encoding="utf-8"?>
 <p:sld xmlns:a="http://schemas.openxmlformats.org/drawingml/2006/main" xmlns:r="http://schemas.openxmlformats.org/officeDocument/2006/relationships" xmlns:p="http://schemas.openxmlformats.org/presentationml/2006/main">
   <p:cSld>
     <p:spTree>
@@ -10002,21 +10931,21 @@
                 <a:gridCol w="1463147">
                   <a:extLst>
                     <a:ext uri="{9D8B030D-6E8A-4147-A177-3AD203B41FA5}">
-                      <a16:colId xmlns="" xmlns:a16="http://schemas.microsoft.com/office/drawing/2014/main" val="3302812797"/>
+                      <a16:colId xmlns:a16="http://schemas.microsoft.com/office/drawing/2014/main" xmlns="" val="3302812797"/>
                     </a:ext>
                   </a:extLst>
                 </a:gridCol>
                 <a:gridCol w="3078131">
                   <a:extLst>
                     <a:ext uri="{9D8B030D-6E8A-4147-A177-3AD203B41FA5}">
-                      <a16:colId xmlns="" xmlns:a16="http://schemas.microsoft.com/office/drawing/2014/main" val="726788657"/>
+                      <a16:colId xmlns:a16="http://schemas.microsoft.com/office/drawing/2014/main" xmlns="" val="726788657"/>
                     </a:ext>
                   </a:extLst>
                 </a:gridCol>
                 <a:gridCol w="2608821">
                   <a:extLst>
                     <a:ext uri="{9D8B030D-6E8A-4147-A177-3AD203B41FA5}">
-                      <a16:colId xmlns="" xmlns:a16="http://schemas.microsoft.com/office/drawing/2014/main" val="479426941"/>
+                      <a16:colId xmlns:a16="http://schemas.microsoft.com/office/drawing/2014/main" xmlns="" val="479426941"/>
                     </a:ext>
                   </a:extLst>
                 </a:gridCol>
@@ -10069,7 +10998,7 @@
                 </a:tc>
                 <a:extLst>
                   <a:ext uri="{0D108BD9-81ED-4DB2-BD59-A6C34878D82A}">
-                    <a16:rowId xmlns="" xmlns:a16="http://schemas.microsoft.com/office/drawing/2014/main" val="1522480120"/>
+                    <a16:rowId xmlns:a16="http://schemas.microsoft.com/office/drawing/2014/main" xmlns="" val="1522480120"/>
                   </a:ext>
                 </a:extLst>
               </a:tr>
@@ -10122,7 +11051,7 @@
                 </a:tc>
                 <a:extLst>
                   <a:ext uri="{0D108BD9-81ED-4DB2-BD59-A6C34878D82A}">
-                    <a16:rowId xmlns="" xmlns:a16="http://schemas.microsoft.com/office/drawing/2014/main" val="3206670584"/>
+                    <a16:rowId xmlns:a16="http://schemas.microsoft.com/office/drawing/2014/main" xmlns="" val="3206670584"/>
                   </a:ext>
                 </a:extLst>
               </a:tr>
@@ -10175,7 +11104,7 @@
                 </a:tc>
                 <a:extLst>
                   <a:ext uri="{0D108BD9-81ED-4DB2-BD59-A6C34878D82A}">
-                    <a16:rowId xmlns="" xmlns:a16="http://schemas.microsoft.com/office/drawing/2014/main" val="1688054447"/>
+                    <a16:rowId xmlns:a16="http://schemas.microsoft.com/office/drawing/2014/main" xmlns="" val="1688054447"/>
                   </a:ext>
                 </a:extLst>
               </a:tr>
@@ -10224,7 +11153,7 @@
                 </a:tc>
                 <a:extLst>
                   <a:ext uri="{0D108BD9-81ED-4DB2-BD59-A6C34878D82A}">
-                    <a16:rowId xmlns="" xmlns:a16="http://schemas.microsoft.com/office/drawing/2014/main" val="549480022"/>
+                    <a16:rowId xmlns:a16="http://schemas.microsoft.com/office/drawing/2014/main" xmlns="" val="549480022"/>
                   </a:ext>
                 </a:extLst>
               </a:tr>
@@ -10273,7 +11202,7 @@
                 </a:tc>
                 <a:extLst>
                   <a:ext uri="{0D108BD9-81ED-4DB2-BD59-A6C34878D82A}">
-                    <a16:rowId xmlns="" xmlns:a16="http://schemas.microsoft.com/office/drawing/2014/main" val="3885486608"/>
+                    <a16:rowId xmlns:a16="http://schemas.microsoft.com/office/drawing/2014/main" xmlns="" val="3885486608"/>
                   </a:ext>
                 </a:extLst>
               </a:tr>
@@ -10322,7 +11251,7 @@
                 </a:tc>
                 <a:extLst>
                   <a:ext uri="{0D108BD9-81ED-4DB2-BD59-A6C34878D82A}">
-                    <a16:rowId xmlns="" xmlns:a16="http://schemas.microsoft.com/office/drawing/2014/main" val="4020642671"/>
+                    <a16:rowId xmlns:a16="http://schemas.microsoft.com/office/drawing/2014/main" xmlns="" val="4020642671"/>
                   </a:ext>
                 </a:extLst>
               </a:tr>
@@ -10371,7 +11300,7 @@
                 </a:tc>
                 <a:extLst>
                   <a:ext uri="{0D108BD9-81ED-4DB2-BD59-A6C34878D82A}">
-                    <a16:rowId xmlns="" xmlns:a16="http://schemas.microsoft.com/office/drawing/2014/main" val="2247788632"/>
+                    <a16:rowId xmlns:a16="http://schemas.microsoft.com/office/drawing/2014/main" xmlns="" val="2247788632"/>
                   </a:ext>
                 </a:extLst>
               </a:tr>
@@ -10806,6 +11735,78 @@
           <a:chExt cx="0" cy="0"/>
         </a:xfrm>
       </p:grpSpPr>
+      <p:sp>
+        <p:nvSpPr>
+          <p:cNvPr id="4" name="Text Placeholder 3"/>
+          <p:cNvSpPr>
+            <a:spLocks noGrp="1"/>
+          </p:cNvSpPr>
+          <p:nvPr>
+            <p:ph type="body" sz="quarter" idx="10"/>
+          </p:nvPr>
+        </p:nvSpPr>
+        <p:spPr/>
+        <p:txBody>
+          <a:bodyPr/>
+          <a:lstStyle/>
+          <a:p>
+            <a:r>
+              <a:rPr lang="en-US" dirty="0" smtClean="0"/>
+              <a:t>Formatting numbers</a:t>
+            </a:r>
+            <a:endParaRPr lang="en-US" dirty="0"/>
+          </a:p>
+        </p:txBody>
+      </p:sp>
+      <p:sp>
+        <p:nvSpPr>
+          <p:cNvPr id="3" name="Subtitle 2"/>
+          <p:cNvSpPr>
+            <a:spLocks noGrp="1"/>
+          </p:cNvSpPr>
+          <p:nvPr>
+            <p:ph type="subTitle" idx="1"/>
+          </p:nvPr>
+        </p:nvSpPr>
+        <p:spPr/>
+        <p:txBody>
+          <a:bodyPr/>
+          <a:lstStyle/>
+          <a:p>
+            <a:endParaRPr lang="en-US"/>
+          </a:p>
+        </p:txBody>
+      </p:sp>
+    </p:spTree>
+    <p:extLst>
+      <p:ext uri="{BB962C8B-B14F-4D97-AF65-F5344CB8AC3E}">
+        <p14:creationId xmlns:p14="http://schemas.microsoft.com/office/powerpoint/2010/main" val="848590085"/>
+      </p:ext>
+    </p:extLst>
+  </p:cSld>
+  <p:clrMapOvr>
+    <a:masterClrMapping/>
+  </p:clrMapOvr>
+</p:sld>
+</file>
+
+<file path=ppt/slides/slide9.xml><?xml version="1.0" encoding="utf-8"?>
+<p:sld xmlns:a="http://schemas.openxmlformats.org/drawingml/2006/main" xmlns:r="http://schemas.openxmlformats.org/officeDocument/2006/relationships" xmlns:p="http://schemas.openxmlformats.org/presentationml/2006/main">
+  <p:cSld>
+    <p:spTree>
+      <p:nvGrpSpPr>
+        <p:cNvPr id="1" name=""/>
+        <p:cNvGrpSpPr/>
+        <p:nvPr/>
+      </p:nvGrpSpPr>
+      <p:grpSpPr>
+        <a:xfrm>
+          <a:off x="0" y="0"/>
+          <a:ext cx="0" cy="0"/>
+          <a:chOff x="0" y="0"/>
+          <a:chExt cx="0" cy="0"/>
+        </a:xfrm>
+      </p:grpSpPr>
       <p:graphicFrame>
         <p:nvGraphicFramePr>
           <p:cNvPr id="8" name="Table 7"/>
@@ -10834,14 +11835,14 @@
                 <a:gridCol w="5702300">
                   <a:extLst>
                     <a:ext uri="{9D8B030D-6E8A-4147-A177-3AD203B41FA5}">
-                      <a16:colId xmlns="" xmlns:a16="http://schemas.microsoft.com/office/drawing/2014/main" val="961687235"/>
+                      <a16:colId xmlns:a16="http://schemas.microsoft.com/office/drawing/2014/main" xmlns="" val="961687235"/>
                     </a:ext>
                   </a:extLst>
                 </a:gridCol>
                 <a:gridCol w="3202426">
                   <a:extLst>
                     <a:ext uri="{9D8B030D-6E8A-4147-A177-3AD203B41FA5}">
-                      <a16:colId xmlns="" xmlns:a16="http://schemas.microsoft.com/office/drawing/2014/main" val="1769846214"/>
+                      <a16:colId xmlns:a16="http://schemas.microsoft.com/office/drawing/2014/main" xmlns="" val="1769846214"/>
                     </a:ext>
                   </a:extLst>
                 </a:gridCol>
@@ -10879,7 +11880,7 @@
                 </a:tc>
                 <a:extLst>
                   <a:ext uri="{0D108BD9-81ED-4DB2-BD59-A6C34878D82A}">
-                    <a16:rowId xmlns="" xmlns:a16="http://schemas.microsoft.com/office/drawing/2014/main" val="4236792033"/>
+                    <a16:rowId xmlns:a16="http://schemas.microsoft.com/office/drawing/2014/main" xmlns="" val="4236792033"/>
                   </a:ext>
                 </a:extLst>
               </a:tr>
@@ -10972,7 +11973,7 @@
                 </a:tc>
                 <a:extLst>
                   <a:ext uri="{0D108BD9-81ED-4DB2-BD59-A6C34878D82A}">
-                    <a16:rowId xmlns="" xmlns:a16="http://schemas.microsoft.com/office/drawing/2014/main" val="173323767"/>
+                    <a16:rowId xmlns:a16="http://schemas.microsoft.com/office/drawing/2014/main" xmlns="" val="173323767"/>
                   </a:ext>
                 </a:extLst>
               </a:tr>
@@ -11065,7 +12066,7 @@
                 </a:tc>
                 <a:extLst>
                   <a:ext uri="{0D108BD9-81ED-4DB2-BD59-A6C34878D82A}">
-                    <a16:rowId xmlns="" xmlns:a16="http://schemas.microsoft.com/office/drawing/2014/main" val="3917988680"/>
+                    <a16:rowId xmlns:a16="http://schemas.microsoft.com/office/drawing/2014/main" xmlns="" val="3917988680"/>
                   </a:ext>
                 </a:extLst>
               </a:tr>
@@ -11158,7 +12159,7 @@
                 </a:tc>
                 <a:extLst>
                   <a:ext uri="{0D108BD9-81ED-4DB2-BD59-A6C34878D82A}">
-                    <a16:rowId xmlns="" xmlns:a16="http://schemas.microsoft.com/office/drawing/2014/main" val="3659282646"/>
+                    <a16:rowId xmlns:a16="http://schemas.microsoft.com/office/drawing/2014/main" xmlns="" val="3659282646"/>
                   </a:ext>
                 </a:extLst>
               </a:tr>
@@ -11251,7 +12252,7 @@
                 </a:tc>
                 <a:extLst>
                   <a:ext uri="{0D108BD9-81ED-4DB2-BD59-A6C34878D82A}">
-                    <a16:rowId xmlns="" xmlns:a16="http://schemas.microsoft.com/office/drawing/2014/main" val="3087695988"/>
+                    <a16:rowId xmlns:a16="http://schemas.microsoft.com/office/drawing/2014/main" xmlns="" val="3087695988"/>
                   </a:ext>
                 </a:extLst>
               </a:tr>
@@ -11347,7 +12348,7 @@
                 </a:tc>
                 <a:extLst>
                   <a:ext uri="{0D108BD9-81ED-4DB2-BD59-A6C34878D82A}">
-                    <a16:rowId xmlns="" xmlns:a16="http://schemas.microsoft.com/office/drawing/2014/main" val="1983132832"/>
+                    <a16:rowId xmlns:a16="http://schemas.microsoft.com/office/drawing/2014/main" xmlns="" val="1983132832"/>
                   </a:ext>
                 </a:extLst>
               </a:tr>
@@ -11384,859 +12385,6 @@
     <p:extLst>
       <p:ext uri="{BB962C8B-B14F-4D97-AF65-F5344CB8AC3E}">
         <p14:creationId xmlns:p14="http://schemas.microsoft.com/office/powerpoint/2010/main" val="2519918180"/>
-      </p:ext>
-    </p:extLst>
-  </p:cSld>
-  <p:clrMapOvr>
-    <a:masterClrMapping/>
-  </p:clrMapOvr>
-  <p:timing>
-    <p:tnLst>
-      <p:par>
-        <p:cTn id="1" dur="indefinite" restart="never" nodeType="tmRoot"/>
-      </p:par>
-    </p:tnLst>
-  </p:timing>
-</p:sld>
-</file>
-
-<file path=ppt/slides/slide9.xml><?xml version="1.0" encoding="utf-8"?>
-<p:sld xmlns:a="http://schemas.openxmlformats.org/drawingml/2006/main" xmlns:r="http://schemas.openxmlformats.org/officeDocument/2006/relationships" xmlns:p="http://schemas.openxmlformats.org/presentationml/2006/main">
-  <p:cSld>
-    <p:spTree>
-      <p:nvGrpSpPr>
-        <p:cNvPr id="1" name=""/>
-        <p:cNvGrpSpPr/>
-        <p:nvPr/>
-      </p:nvGrpSpPr>
-      <p:grpSpPr>
-        <a:xfrm>
-          <a:off x="0" y="0"/>
-          <a:ext cx="0" cy="0"/>
-          <a:chOff x="0" y="0"/>
-          <a:chExt cx="0" cy="0"/>
-        </a:xfrm>
-      </p:grpSpPr>
-      <p:graphicFrame>
-        <p:nvGraphicFramePr>
-          <p:cNvPr id="8" name="Table 7"/>
-          <p:cNvGraphicFramePr>
-            <a:graphicFrameLocks noGrp="1"/>
-          </p:cNvGraphicFramePr>
-          <p:nvPr>
-            <p:extLst>
-              <p:ext uri="{D42A27DB-BD31-4B8C-83A1-F6EECF244321}">
-                <p14:modId xmlns:p14="http://schemas.microsoft.com/office/powerpoint/2010/main" val="4258549136"/>
-              </p:ext>
-            </p:extLst>
-          </p:nvPr>
-        </p:nvGraphicFramePr>
-        <p:xfrm>
-          <a:off x="652780" y="2411901"/>
-          <a:ext cx="10418046" cy="2743200"/>
-        </p:xfrm>
-        <a:graphic>
-          <a:graphicData uri="http://schemas.openxmlformats.org/drawingml/2006/table">
-            <a:tbl>
-              <a:tblPr firstRow="1" bandRow="1">
-                <a:tableStyleId>{5C22544A-7EE6-4342-B048-85BDC9FD1C3A}</a:tableStyleId>
-              </a:tblPr>
-              <a:tblGrid>
-                <a:gridCol w="7580710">
-                  <a:extLst>
-                    <a:ext uri="{9D8B030D-6E8A-4147-A177-3AD203B41FA5}">
-                      <a16:colId xmlns="" xmlns:a16="http://schemas.microsoft.com/office/drawing/2014/main" val="961687235"/>
-                    </a:ext>
-                  </a:extLst>
-                </a:gridCol>
-                <a:gridCol w="2837336">
-                  <a:extLst>
-                    <a:ext uri="{9D8B030D-6E8A-4147-A177-3AD203B41FA5}">
-                      <a16:colId xmlns="" xmlns:a16="http://schemas.microsoft.com/office/drawing/2014/main" val="1769846214"/>
-                    </a:ext>
-                  </a:extLst>
-                </a:gridCol>
-              </a:tblGrid>
-              <a:tr h="239606">
-                <a:tc>
-                  <a:txBody>
-                    <a:bodyPr/>
-                    <a:lstStyle/>
-                    <a:p>
-                      <a:pPr algn="ctr"/>
-                      <a:r>
-                        <a:rPr lang="en-CA" sz="2400" dirty="0" smtClean="0"/>
-                        <a:t>Syntax</a:t>
-                      </a:r>
-                      <a:endParaRPr lang="en-US" sz="2400" dirty="0"/>
-                    </a:p>
-                  </a:txBody>
-                  <a:tcPr/>
-                </a:tc>
-                <a:tc>
-                  <a:txBody>
-                    <a:bodyPr/>
-                    <a:lstStyle/>
-                    <a:p>
-                      <a:pPr algn="ctr"/>
-                      <a:r>
-                        <a:rPr lang="en-CA" sz="2400" dirty="0" smtClean="0"/>
-                        <a:t>Output</a:t>
-                      </a:r>
-                      <a:endParaRPr lang="en-US" sz="2400" dirty="0"/>
-                    </a:p>
-                  </a:txBody>
-                  <a:tcPr/>
-                </a:tc>
-                <a:extLst>
-                  <a:ext uri="{0D108BD9-81ED-4DB2-BD59-A6C34878D82A}">
-                    <a16:rowId xmlns="" xmlns:a16="http://schemas.microsoft.com/office/drawing/2014/main" val="4236792033"/>
-                  </a:ext>
-                </a:extLst>
-              </a:tr>
-              <a:tr h="370840">
-                <a:tc>
-                  <a:txBody>
-                    <a:bodyPr/>
-                    <a:lstStyle/>
-                    <a:p>
-                      <a:pPr marL="0" marR="0" lvl="0" indent="0" algn="l" defTabSz="914400" rtl="0" eaLnBrk="0" fontAlgn="base" latinLnBrk="0" hangingPunct="0">
-                        <a:lnSpc>
-                          <a:spcPct val="100000"/>
-                        </a:lnSpc>
-                        <a:spcBef>
-                          <a:spcPct val="0"/>
-                        </a:spcBef>
-                        <a:spcAft>
-                          <a:spcPct val="0"/>
-                        </a:spcAft>
-                        <a:buClrTx/>
-                        <a:buSzTx/>
-                        <a:buFontTx/>
-                        <a:buNone/>
-                        <a:tabLst/>
-                      </a:pPr>
-                      <a:r>
-                        <a:rPr kumimoji="0" lang="en-US" altLang="en-US" sz="2400" b="0" i="0" u="none" strike="noStrike" cap="none" normalizeH="0" baseline="0" dirty="0" smtClean="0">
-                          <a:ln>
-                            <a:noFill/>
-                          </a:ln>
-                          <a:solidFill>
-                            <a:srgbClr val="000000"/>
-                          </a:solidFill>
-                          <a:effectLst/>
-                          <a:latin typeface="Consolas" panose="020B0609020204030204" pitchFamily="49" charset="0"/>
-                          <a:cs typeface="Consolas" panose="020B0609020204030204" pitchFamily="49" charset="0"/>
-                        </a:rPr>
-                        <a:t>print(</a:t>
-                      </a:r>
-                      <a:r>
-                        <a:rPr kumimoji="0" lang="en-US" altLang="en-US" sz="2400" b="0" i="0" u="none" strike="noStrike" cap="none" normalizeH="0" baseline="0" dirty="0" smtClean="0">
-                          <a:ln>
-                            <a:noFill/>
-                          </a:ln>
-                          <a:solidFill>
-                            <a:srgbClr val="A31515"/>
-                          </a:solidFill>
-                          <a:effectLst/>
-                          <a:latin typeface="Consolas" panose="020B0609020204030204" pitchFamily="49" charset="0"/>
-                          <a:cs typeface="Consolas" panose="020B0609020204030204" pitchFamily="49" charset="0"/>
-                        </a:rPr>
-                        <a:t>"I have {0:d} </a:t>
-                      </a:r>
-                      <a:r>
-                        <a:rPr kumimoji="0" lang="en-US" altLang="en-US" sz="2400" b="0" i="0" u="none" strike="noStrike" cap="none" normalizeH="0" baseline="0" dirty="0" err="1" smtClean="0">
-                          <a:ln>
-                            <a:noFill/>
-                          </a:ln>
-                          <a:solidFill>
-                            <a:srgbClr val="A31515"/>
-                          </a:solidFill>
-                          <a:effectLst/>
-                          <a:latin typeface="Consolas" panose="020B0609020204030204" pitchFamily="49" charset="0"/>
-                          <a:cs typeface="Consolas" panose="020B0609020204030204" pitchFamily="49" charset="0"/>
-                        </a:rPr>
-                        <a:t>cats"</a:t>
-                      </a:r>
-                      <a:r>
-                        <a:rPr kumimoji="0" lang="en-US" altLang="en-US" sz="2400" b="0" i="0" u="none" strike="noStrike" cap="none" normalizeH="0" baseline="0" dirty="0" err="1" smtClean="0">
-                          <a:ln>
-                            <a:noFill/>
-                          </a:ln>
-                          <a:solidFill>
-                            <a:srgbClr val="000000"/>
-                          </a:solidFill>
-                          <a:effectLst/>
-                          <a:latin typeface="Consolas" panose="020B0609020204030204" pitchFamily="49" charset="0"/>
-                          <a:cs typeface="Consolas" panose="020B0609020204030204" pitchFamily="49" charset="0"/>
-                        </a:rPr>
-                        <a:t>.format</a:t>
-                      </a:r>
-                      <a:r>
-                        <a:rPr kumimoji="0" lang="en-US" altLang="en-US" sz="2400" b="0" i="0" u="none" strike="noStrike" cap="none" normalizeH="0" baseline="0" dirty="0" smtClean="0">
-                          <a:ln>
-                            <a:noFill/>
-                          </a:ln>
-                          <a:solidFill>
-                            <a:srgbClr val="000000"/>
-                          </a:solidFill>
-                          <a:effectLst/>
-                          <a:latin typeface="Consolas" panose="020B0609020204030204" pitchFamily="49" charset="0"/>
-                          <a:cs typeface="Consolas" panose="020B0609020204030204" pitchFamily="49" charset="0"/>
-                        </a:rPr>
-                        <a:t>(6)) </a:t>
-                      </a:r>
-                      <a:endParaRPr kumimoji="0" lang="en-US" altLang="en-US" sz="5400" b="0" i="0" u="none" strike="noStrike" cap="none" normalizeH="0" baseline="0" dirty="0" smtClean="0">
-                        <a:ln>
-                          <a:noFill/>
-                        </a:ln>
-                        <a:solidFill>
-                          <a:schemeClr val="tx1"/>
-                        </a:solidFill>
-                        <a:effectLst/>
-                        <a:latin typeface="Arial" panose="020B0604020202020204" pitchFamily="34" charset="0"/>
-                      </a:endParaRPr>
-                    </a:p>
-                  </a:txBody>
-                  <a:tcPr/>
-                </a:tc>
-                <a:tc>
-                  <a:txBody>
-                    <a:bodyPr/>
-                    <a:lstStyle/>
-                    <a:p>
-                      <a:pPr marL="0" marR="0" indent="0" algn="l" defTabSz="914088" rtl="0" eaLnBrk="1" fontAlgn="auto" latinLnBrk="0" hangingPunct="1">
-                        <a:lnSpc>
-                          <a:spcPct val="100000"/>
-                        </a:lnSpc>
-                        <a:spcBef>
-                          <a:spcPts val="0"/>
-                        </a:spcBef>
-                        <a:spcAft>
-                          <a:spcPts val="0"/>
-                        </a:spcAft>
-                        <a:buClrTx/>
-                        <a:buSzTx/>
-                        <a:buFontTx/>
-                        <a:buNone/>
-                        <a:tabLst/>
-                        <a:defRPr/>
-                      </a:pPr>
-                      <a:r>
-                        <a:rPr lang="en-CA" sz="2400" dirty="0" smtClean="0"/>
-                        <a:t>I have 6 cats</a:t>
-                      </a:r>
-                    </a:p>
-                  </a:txBody>
-                  <a:tcPr/>
-                </a:tc>
-                <a:extLst>
-                  <a:ext uri="{0D108BD9-81ED-4DB2-BD59-A6C34878D82A}">
-                    <a16:rowId xmlns="" xmlns:a16="http://schemas.microsoft.com/office/drawing/2014/main" val="173323767"/>
-                  </a:ext>
-                </a:extLst>
-              </a:tr>
-              <a:tr h="370840">
-                <a:tc>
-                  <a:txBody>
-                    <a:bodyPr/>
-                    <a:lstStyle/>
-                    <a:p>
-                      <a:pPr marL="0" marR="0" lvl="0" indent="0" algn="l" defTabSz="914400" rtl="0" eaLnBrk="0" fontAlgn="base" latinLnBrk="0" hangingPunct="0">
-                        <a:lnSpc>
-                          <a:spcPct val="100000"/>
-                        </a:lnSpc>
-                        <a:spcBef>
-                          <a:spcPct val="0"/>
-                        </a:spcBef>
-                        <a:spcAft>
-                          <a:spcPct val="0"/>
-                        </a:spcAft>
-                        <a:buClrTx/>
-                        <a:buSzTx/>
-                        <a:buFontTx/>
-                        <a:buNone/>
-                        <a:tabLst/>
-                      </a:pPr>
-                      <a:r>
-                        <a:rPr kumimoji="0" lang="en-US" altLang="en-US" sz="2400" b="0" i="0" u="none" strike="noStrike" cap="none" normalizeH="0" baseline="0" dirty="0" smtClean="0">
-                          <a:ln>
-                            <a:noFill/>
-                          </a:ln>
-                          <a:solidFill>
-                            <a:srgbClr val="000000"/>
-                          </a:solidFill>
-                          <a:effectLst/>
-                          <a:latin typeface="Consolas" panose="020B0609020204030204" pitchFamily="49" charset="0"/>
-                          <a:cs typeface="Consolas" panose="020B0609020204030204" pitchFamily="49" charset="0"/>
-                        </a:rPr>
-                        <a:t>print(</a:t>
-                      </a:r>
-                      <a:r>
-                        <a:rPr kumimoji="0" lang="en-US" altLang="en-US" sz="2400" b="0" i="0" u="none" strike="noStrike" cap="none" normalizeH="0" baseline="0" dirty="0" smtClean="0">
-                          <a:ln>
-                            <a:noFill/>
-                          </a:ln>
-                          <a:solidFill>
-                            <a:srgbClr val="A31515"/>
-                          </a:solidFill>
-                          <a:effectLst/>
-                          <a:latin typeface="Consolas" panose="020B0609020204030204" pitchFamily="49" charset="0"/>
-                          <a:cs typeface="Consolas" panose="020B0609020204030204" pitchFamily="49" charset="0"/>
-                        </a:rPr>
-                        <a:t>"I have {0:3d} </a:t>
-                      </a:r>
-                      <a:r>
-                        <a:rPr kumimoji="0" lang="en-US" altLang="en-US" sz="2400" b="0" i="0" u="none" strike="noStrike" cap="none" normalizeH="0" baseline="0" dirty="0" err="1" smtClean="0">
-                          <a:ln>
-                            <a:noFill/>
-                          </a:ln>
-                          <a:solidFill>
-                            <a:srgbClr val="A31515"/>
-                          </a:solidFill>
-                          <a:effectLst/>
-                          <a:latin typeface="Consolas" panose="020B0609020204030204" pitchFamily="49" charset="0"/>
-                          <a:cs typeface="Consolas" panose="020B0609020204030204" pitchFamily="49" charset="0"/>
-                        </a:rPr>
-                        <a:t>cats"</a:t>
-                      </a:r>
-                      <a:r>
-                        <a:rPr kumimoji="0" lang="en-US" altLang="en-US" sz="2400" b="0" i="0" u="none" strike="noStrike" cap="none" normalizeH="0" baseline="0" dirty="0" err="1" smtClean="0">
-                          <a:ln>
-                            <a:noFill/>
-                          </a:ln>
-                          <a:solidFill>
-                            <a:srgbClr val="000000"/>
-                          </a:solidFill>
-                          <a:effectLst/>
-                          <a:latin typeface="Consolas" panose="020B0609020204030204" pitchFamily="49" charset="0"/>
-                          <a:cs typeface="Consolas" panose="020B0609020204030204" pitchFamily="49" charset="0"/>
-                        </a:rPr>
-                        <a:t>.format</a:t>
-                      </a:r>
-                      <a:r>
-                        <a:rPr kumimoji="0" lang="en-US" altLang="en-US" sz="2400" b="0" i="0" u="none" strike="noStrike" cap="none" normalizeH="0" baseline="0" dirty="0" smtClean="0">
-                          <a:ln>
-                            <a:noFill/>
-                          </a:ln>
-                          <a:solidFill>
-                            <a:srgbClr val="000000"/>
-                          </a:solidFill>
-                          <a:effectLst/>
-                          <a:latin typeface="Consolas" panose="020B0609020204030204" pitchFamily="49" charset="0"/>
-                          <a:cs typeface="Consolas" panose="020B0609020204030204" pitchFamily="49" charset="0"/>
-                        </a:rPr>
-                        <a:t>(6)) </a:t>
-                      </a:r>
-                      <a:endParaRPr kumimoji="0" lang="en-US" altLang="en-US" sz="5400" b="0" i="0" u="none" strike="noStrike" cap="none" normalizeH="0" baseline="0" dirty="0" smtClean="0">
-                        <a:ln>
-                          <a:noFill/>
-                        </a:ln>
-                        <a:solidFill>
-                          <a:schemeClr val="tx1"/>
-                        </a:solidFill>
-                        <a:effectLst/>
-                        <a:latin typeface="Arial" panose="020B0604020202020204" pitchFamily="34" charset="0"/>
-                      </a:endParaRPr>
-                    </a:p>
-                  </a:txBody>
-                  <a:tcPr/>
-                </a:tc>
-                <a:tc>
-                  <a:txBody>
-                    <a:bodyPr/>
-                    <a:lstStyle/>
-                    <a:p>
-                      <a:pPr marL="0" marR="0" indent="0" algn="l" defTabSz="914088" rtl="0" eaLnBrk="1" fontAlgn="auto" latinLnBrk="0" hangingPunct="1">
-                        <a:lnSpc>
-                          <a:spcPct val="100000"/>
-                        </a:lnSpc>
-                        <a:spcBef>
-                          <a:spcPts val="0"/>
-                        </a:spcBef>
-                        <a:spcAft>
-                          <a:spcPts val="0"/>
-                        </a:spcAft>
-                        <a:buClrTx/>
-                        <a:buSzTx/>
-                        <a:buFontTx/>
-                        <a:buNone/>
-                        <a:tabLst/>
-                        <a:defRPr/>
-                      </a:pPr>
-                      <a:r>
-                        <a:rPr lang="en-CA" sz="2400" dirty="0" smtClean="0"/>
-                        <a:t>I have    6 cats</a:t>
-                      </a:r>
-                    </a:p>
-                  </a:txBody>
-                  <a:tcPr/>
-                </a:tc>
-                <a:extLst>
-                  <a:ext uri="{0D108BD9-81ED-4DB2-BD59-A6C34878D82A}">
-                    <a16:rowId xmlns="" xmlns:a16="http://schemas.microsoft.com/office/drawing/2014/main" val="3917988680"/>
-                  </a:ext>
-                </a:extLst>
-              </a:tr>
-              <a:tr h="370840">
-                <a:tc>
-                  <a:txBody>
-                    <a:bodyPr/>
-                    <a:lstStyle/>
-                    <a:p>
-                      <a:pPr marL="0" marR="0" lvl="0" indent="0" algn="l" defTabSz="914400" rtl="0" eaLnBrk="0" fontAlgn="base" latinLnBrk="0" hangingPunct="0">
-                        <a:lnSpc>
-                          <a:spcPct val="100000"/>
-                        </a:lnSpc>
-                        <a:spcBef>
-                          <a:spcPct val="0"/>
-                        </a:spcBef>
-                        <a:spcAft>
-                          <a:spcPct val="0"/>
-                        </a:spcAft>
-                        <a:buClrTx/>
-                        <a:buSzTx/>
-                        <a:buFontTx/>
-                        <a:buNone/>
-                        <a:tabLst/>
-                      </a:pPr>
-                      <a:r>
-                        <a:rPr kumimoji="0" lang="en-US" altLang="en-US" sz="2400" b="0" i="0" u="none" strike="noStrike" cap="none" normalizeH="0" baseline="0" dirty="0" smtClean="0">
-                          <a:ln>
-                            <a:noFill/>
-                          </a:ln>
-                          <a:solidFill>
-                            <a:srgbClr val="000000"/>
-                          </a:solidFill>
-                          <a:effectLst/>
-                          <a:latin typeface="Consolas" panose="020B0609020204030204" pitchFamily="49" charset="0"/>
-                          <a:cs typeface="Consolas" panose="020B0609020204030204" pitchFamily="49" charset="0"/>
-                        </a:rPr>
-                        <a:t>print(</a:t>
-                      </a:r>
-                      <a:r>
-                        <a:rPr kumimoji="0" lang="en-US" altLang="en-US" sz="2400" b="0" i="0" u="none" strike="noStrike" cap="none" normalizeH="0" baseline="0" dirty="0" smtClean="0">
-                          <a:ln>
-                            <a:noFill/>
-                          </a:ln>
-                          <a:solidFill>
-                            <a:srgbClr val="A31515"/>
-                          </a:solidFill>
-                          <a:effectLst/>
-                          <a:latin typeface="Consolas" panose="020B0609020204030204" pitchFamily="49" charset="0"/>
-                          <a:cs typeface="Consolas" panose="020B0609020204030204" pitchFamily="49" charset="0"/>
-                        </a:rPr>
-                        <a:t>"I have {0:03d} </a:t>
-                      </a:r>
-                      <a:r>
-                        <a:rPr kumimoji="0" lang="en-US" altLang="en-US" sz="2400" b="0" i="0" u="none" strike="noStrike" cap="none" normalizeH="0" baseline="0" dirty="0" err="1" smtClean="0">
-                          <a:ln>
-                            <a:noFill/>
-                          </a:ln>
-                          <a:solidFill>
-                            <a:srgbClr val="A31515"/>
-                          </a:solidFill>
-                          <a:effectLst/>
-                          <a:latin typeface="Consolas" panose="020B0609020204030204" pitchFamily="49" charset="0"/>
-                          <a:cs typeface="Consolas" panose="020B0609020204030204" pitchFamily="49" charset="0"/>
-                        </a:rPr>
-                        <a:t>cats"</a:t>
-                      </a:r>
-                      <a:r>
-                        <a:rPr kumimoji="0" lang="en-US" altLang="en-US" sz="2400" b="0" i="0" u="none" strike="noStrike" cap="none" normalizeH="0" baseline="0" dirty="0" err="1" smtClean="0">
-                          <a:ln>
-                            <a:noFill/>
-                          </a:ln>
-                          <a:solidFill>
-                            <a:srgbClr val="000000"/>
-                          </a:solidFill>
-                          <a:effectLst/>
-                          <a:latin typeface="Consolas" panose="020B0609020204030204" pitchFamily="49" charset="0"/>
-                          <a:cs typeface="Consolas" panose="020B0609020204030204" pitchFamily="49" charset="0"/>
-                        </a:rPr>
-                        <a:t>.format</a:t>
-                      </a:r>
-                      <a:r>
-                        <a:rPr kumimoji="0" lang="en-US" altLang="en-US" sz="2400" b="0" i="0" u="none" strike="noStrike" cap="none" normalizeH="0" baseline="0" dirty="0" smtClean="0">
-                          <a:ln>
-                            <a:noFill/>
-                          </a:ln>
-                          <a:solidFill>
-                            <a:srgbClr val="000000"/>
-                          </a:solidFill>
-                          <a:effectLst/>
-                          <a:latin typeface="Consolas" panose="020B0609020204030204" pitchFamily="49" charset="0"/>
-                          <a:cs typeface="Consolas" panose="020B0609020204030204" pitchFamily="49" charset="0"/>
-                        </a:rPr>
-                        <a:t>(6)) </a:t>
-                      </a:r>
-                      <a:endParaRPr kumimoji="0" lang="en-US" altLang="en-US" sz="5400" b="0" i="0" u="none" strike="noStrike" cap="none" normalizeH="0" baseline="0" dirty="0" smtClean="0">
-                        <a:ln>
-                          <a:noFill/>
-                        </a:ln>
-                        <a:solidFill>
-                          <a:schemeClr val="tx1"/>
-                        </a:solidFill>
-                        <a:effectLst/>
-                        <a:latin typeface="Arial" panose="020B0604020202020204" pitchFamily="34" charset="0"/>
-                      </a:endParaRPr>
-                    </a:p>
-                  </a:txBody>
-                  <a:tcPr/>
-                </a:tc>
-                <a:tc>
-                  <a:txBody>
-                    <a:bodyPr/>
-                    <a:lstStyle/>
-                    <a:p>
-                      <a:pPr marL="0" marR="0" indent="0" algn="l" defTabSz="914088" rtl="0" eaLnBrk="1" fontAlgn="auto" latinLnBrk="0" hangingPunct="1">
-                        <a:lnSpc>
-                          <a:spcPct val="100000"/>
-                        </a:lnSpc>
-                        <a:spcBef>
-                          <a:spcPts val="0"/>
-                        </a:spcBef>
-                        <a:spcAft>
-                          <a:spcPts val="0"/>
-                        </a:spcAft>
-                        <a:buClrTx/>
-                        <a:buSzTx/>
-                        <a:buFontTx/>
-                        <a:buNone/>
-                        <a:tabLst/>
-                        <a:defRPr/>
-                      </a:pPr>
-                      <a:r>
-                        <a:rPr lang="en-CA" sz="2400" dirty="0" smtClean="0"/>
-                        <a:t>I have 006 cats</a:t>
-                      </a:r>
-                    </a:p>
-                  </a:txBody>
-                  <a:tcPr/>
-                </a:tc>
-                <a:extLst>
-                  <a:ext uri="{0D108BD9-81ED-4DB2-BD59-A6C34878D82A}">
-                    <a16:rowId xmlns="" xmlns:a16="http://schemas.microsoft.com/office/drawing/2014/main" val="3659282646"/>
-                  </a:ext>
-                </a:extLst>
-              </a:tr>
-              <a:tr h="370840">
-                <a:tc>
-                  <a:txBody>
-                    <a:bodyPr/>
-                    <a:lstStyle/>
-                    <a:p>
-                      <a:pPr marL="0" marR="0" lvl="0" indent="0" algn="l" defTabSz="914400" rtl="0" eaLnBrk="0" fontAlgn="base" latinLnBrk="0" hangingPunct="0">
-                        <a:lnSpc>
-                          <a:spcPct val="100000"/>
-                        </a:lnSpc>
-                        <a:spcBef>
-                          <a:spcPct val="0"/>
-                        </a:spcBef>
-                        <a:spcAft>
-                          <a:spcPct val="0"/>
-                        </a:spcAft>
-                        <a:buClrTx/>
-                        <a:buSzTx/>
-                        <a:buFontTx/>
-                        <a:buNone/>
-                        <a:tabLst/>
-                      </a:pPr>
-                      <a:r>
-                        <a:rPr kumimoji="0" lang="en-US" altLang="en-US" sz="2400" b="0" i="0" u="none" strike="noStrike" cap="none" normalizeH="0" baseline="0" dirty="0" smtClean="0">
-                          <a:ln>
-                            <a:noFill/>
-                          </a:ln>
-                          <a:solidFill>
-                            <a:srgbClr val="000000"/>
-                          </a:solidFill>
-                          <a:effectLst/>
-                          <a:latin typeface="Consolas" panose="020B0609020204030204" pitchFamily="49" charset="0"/>
-                          <a:cs typeface="Consolas" panose="020B0609020204030204" pitchFamily="49" charset="0"/>
-                        </a:rPr>
-                        <a:t>print(</a:t>
-                      </a:r>
-                      <a:r>
-                        <a:rPr kumimoji="0" lang="en-US" altLang="en-US" sz="2400" b="0" i="0" u="none" strike="noStrike" cap="none" normalizeH="0" baseline="0" dirty="0" smtClean="0">
-                          <a:ln>
-                            <a:noFill/>
-                          </a:ln>
-                          <a:solidFill>
-                            <a:srgbClr val="A31515"/>
-                          </a:solidFill>
-                          <a:effectLst/>
-                          <a:latin typeface="Consolas" panose="020B0609020204030204" pitchFamily="49" charset="0"/>
-                          <a:cs typeface="Consolas" panose="020B0609020204030204" pitchFamily="49" charset="0"/>
-                        </a:rPr>
-                        <a:t>"I have {0:f} </a:t>
-                      </a:r>
-                      <a:r>
-                        <a:rPr kumimoji="0" lang="en-US" altLang="en-US" sz="2400" b="0" i="0" u="none" strike="noStrike" cap="none" normalizeH="0" baseline="0" dirty="0" err="1" smtClean="0">
-                          <a:ln>
-                            <a:noFill/>
-                          </a:ln>
-                          <a:solidFill>
-                            <a:srgbClr val="A31515"/>
-                          </a:solidFill>
-                          <a:effectLst/>
-                          <a:latin typeface="Consolas" panose="020B0609020204030204" pitchFamily="49" charset="0"/>
-                          <a:cs typeface="Consolas" panose="020B0609020204030204" pitchFamily="49" charset="0"/>
-                        </a:rPr>
-                        <a:t>cats"</a:t>
-                      </a:r>
-                      <a:r>
-                        <a:rPr kumimoji="0" lang="en-US" altLang="en-US" sz="2400" b="0" i="0" u="none" strike="noStrike" cap="none" normalizeH="0" baseline="0" dirty="0" err="1" smtClean="0">
-                          <a:ln>
-                            <a:noFill/>
-                          </a:ln>
-                          <a:solidFill>
-                            <a:srgbClr val="000000"/>
-                          </a:solidFill>
-                          <a:effectLst/>
-                          <a:latin typeface="Consolas" panose="020B0609020204030204" pitchFamily="49" charset="0"/>
-                          <a:cs typeface="Consolas" panose="020B0609020204030204" pitchFamily="49" charset="0"/>
-                        </a:rPr>
-                        <a:t>.format</a:t>
-                      </a:r>
-                      <a:r>
-                        <a:rPr kumimoji="0" lang="en-US" altLang="en-US" sz="2400" b="0" i="0" u="none" strike="noStrike" cap="none" normalizeH="0" baseline="0" dirty="0" smtClean="0">
-                          <a:ln>
-                            <a:noFill/>
-                          </a:ln>
-                          <a:solidFill>
-                            <a:srgbClr val="000000"/>
-                          </a:solidFill>
-                          <a:effectLst/>
-                          <a:latin typeface="Consolas" panose="020B0609020204030204" pitchFamily="49" charset="0"/>
-                          <a:cs typeface="Consolas" panose="020B0609020204030204" pitchFamily="49" charset="0"/>
-                        </a:rPr>
-                        <a:t>(6)) </a:t>
-                      </a:r>
-                      <a:endParaRPr kumimoji="0" lang="en-US" altLang="en-US" sz="5400" b="0" i="0" u="none" strike="noStrike" cap="none" normalizeH="0" baseline="0" dirty="0" smtClean="0">
-                        <a:ln>
-                          <a:noFill/>
-                        </a:ln>
-                        <a:solidFill>
-                          <a:schemeClr val="tx1"/>
-                        </a:solidFill>
-                        <a:effectLst/>
-                        <a:latin typeface="Arial" panose="020B0604020202020204" pitchFamily="34" charset="0"/>
-                      </a:endParaRPr>
-                    </a:p>
-                  </a:txBody>
-                  <a:tcPr/>
-                </a:tc>
-                <a:tc>
-                  <a:txBody>
-                    <a:bodyPr/>
-                    <a:lstStyle/>
-                    <a:p>
-                      <a:pPr marL="0" marR="0" indent="0" algn="l" defTabSz="914088" rtl="0" eaLnBrk="1" fontAlgn="auto" latinLnBrk="0" hangingPunct="1">
-                        <a:lnSpc>
-                          <a:spcPct val="100000"/>
-                        </a:lnSpc>
-                        <a:spcBef>
-                          <a:spcPts val="0"/>
-                        </a:spcBef>
-                        <a:spcAft>
-                          <a:spcPts val="0"/>
-                        </a:spcAft>
-                        <a:buClrTx/>
-                        <a:buSzTx/>
-                        <a:buFontTx/>
-                        <a:buNone/>
-                        <a:tabLst/>
-                        <a:defRPr/>
-                      </a:pPr>
-                      <a:r>
-                        <a:rPr lang="en-CA" sz="2400" dirty="0" smtClean="0"/>
-                        <a:t>I have 6.000000 cats</a:t>
-                      </a:r>
-                    </a:p>
-                  </a:txBody>
-                  <a:tcPr/>
-                </a:tc>
-                <a:extLst>
-                  <a:ext uri="{0D108BD9-81ED-4DB2-BD59-A6C34878D82A}">
-                    <a16:rowId xmlns="" xmlns:a16="http://schemas.microsoft.com/office/drawing/2014/main" val="3087695988"/>
-                  </a:ext>
-                </a:extLst>
-              </a:tr>
-              <a:tr h="370840">
-                <a:tc>
-                  <a:txBody>
-                    <a:bodyPr/>
-                    <a:lstStyle/>
-                    <a:p>
-                      <a:pPr marL="0" marR="0" lvl="0" indent="0" algn="l" defTabSz="914400" rtl="0" eaLnBrk="0" fontAlgn="base" latinLnBrk="0" hangingPunct="0">
-                        <a:lnSpc>
-                          <a:spcPct val="100000"/>
-                        </a:lnSpc>
-                        <a:spcBef>
-                          <a:spcPct val="0"/>
-                        </a:spcBef>
-                        <a:spcAft>
-                          <a:spcPct val="0"/>
-                        </a:spcAft>
-                        <a:buClrTx/>
-                        <a:buSzTx/>
-                        <a:buFontTx/>
-                        <a:buNone/>
-                        <a:tabLst/>
-                      </a:pPr>
-                      <a:r>
-                        <a:rPr kumimoji="0" lang="en-US" altLang="en-US" sz="2400" b="0" i="0" u="none" strike="noStrike" cap="none" normalizeH="0" baseline="0" dirty="0" smtClean="0">
-                          <a:ln>
-                            <a:noFill/>
-                          </a:ln>
-                          <a:solidFill>
-                            <a:srgbClr val="000000"/>
-                          </a:solidFill>
-                          <a:effectLst/>
-                          <a:latin typeface="Consolas" panose="020B0609020204030204" pitchFamily="49" charset="0"/>
-                          <a:cs typeface="Consolas" panose="020B0609020204030204" pitchFamily="49" charset="0"/>
-                        </a:rPr>
-                        <a:t>print(</a:t>
-                      </a:r>
-                      <a:r>
-                        <a:rPr kumimoji="0" lang="en-US" altLang="en-US" sz="2400" b="0" i="0" u="none" strike="noStrike" cap="none" normalizeH="0" baseline="0" dirty="0" smtClean="0">
-                          <a:ln>
-                            <a:noFill/>
-                          </a:ln>
-                          <a:solidFill>
-                            <a:srgbClr val="A31515"/>
-                          </a:solidFill>
-                          <a:effectLst/>
-                          <a:latin typeface="Consolas" panose="020B0609020204030204" pitchFamily="49" charset="0"/>
-                          <a:cs typeface="Consolas" panose="020B0609020204030204" pitchFamily="49" charset="0"/>
-                        </a:rPr>
-                        <a:t>"I have {0:.2f} </a:t>
-                      </a:r>
-                      <a:r>
-                        <a:rPr kumimoji="0" lang="en-US" altLang="en-US" sz="2400" b="0" i="0" u="none" strike="noStrike" cap="none" normalizeH="0" baseline="0" dirty="0" err="1" smtClean="0">
-                          <a:ln>
-                            <a:noFill/>
-                          </a:ln>
-                          <a:solidFill>
-                            <a:srgbClr val="A31515"/>
-                          </a:solidFill>
-                          <a:effectLst/>
-                          <a:latin typeface="Consolas" panose="020B0609020204030204" pitchFamily="49" charset="0"/>
-                          <a:cs typeface="Consolas" panose="020B0609020204030204" pitchFamily="49" charset="0"/>
-                        </a:rPr>
-                        <a:t>cats"</a:t>
-                      </a:r>
-                      <a:r>
-                        <a:rPr kumimoji="0" lang="en-US" altLang="en-US" sz="2400" b="0" i="0" u="none" strike="noStrike" cap="none" normalizeH="0" baseline="0" dirty="0" err="1" smtClean="0">
-                          <a:ln>
-                            <a:noFill/>
-                          </a:ln>
-                          <a:solidFill>
-                            <a:srgbClr val="000000"/>
-                          </a:solidFill>
-                          <a:effectLst/>
-                          <a:latin typeface="Consolas" panose="020B0609020204030204" pitchFamily="49" charset="0"/>
-                          <a:cs typeface="Consolas" panose="020B0609020204030204" pitchFamily="49" charset="0"/>
-                        </a:rPr>
-                        <a:t>.format</a:t>
-                      </a:r>
-                      <a:r>
-                        <a:rPr kumimoji="0" lang="en-US" altLang="en-US" sz="2400" b="0" i="0" u="none" strike="noStrike" cap="none" normalizeH="0" baseline="0" dirty="0" smtClean="0">
-                          <a:ln>
-                            <a:noFill/>
-                          </a:ln>
-                          <a:solidFill>
-                            <a:srgbClr val="000000"/>
-                          </a:solidFill>
-                          <a:effectLst/>
-                          <a:latin typeface="Consolas" panose="020B0609020204030204" pitchFamily="49" charset="0"/>
-                          <a:cs typeface="Consolas" panose="020B0609020204030204" pitchFamily="49" charset="0"/>
-                        </a:rPr>
-                        <a:t>(6)) </a:t>
-                      </a:r>
-                      <a:endParaRPr kumimoji="0" lang="en-US" altLang="en-US" sz="5400" b="0" i="0" u="none" strike="noStrike" cap="none" normalizeH="0" baseline="0" dirty="0" smtClean="0">
-                        <a:ln>
-                          <a:noFill/>
-                        </a:ln>
-                        <a:solidFill>
-                          <a:schemeClr val="tx1"/>
-                        </a:solidFill>
-                        <a:effectLst/>
-                        <a:latin typeface="Arial" panose="020B0604020202020204" pitchFamily="34" charset="0"/>
-                      </a:endParaRPr>
-                    </a:p>
-                  </a:txBody>
-                  <a:tcPr/>
-                </a:tc>
-                <a:tc>
-                  <a:txBody>
-                    <a:bodyPr/>
-                    <a:lstStyle/>
-                    <a:p>
-                      <a:pPr marL="0" marR="0" indent="0" algn="l" defTabSz="914088" rtl="0" eaLnBrk="1" fontAlgn="auto" latinLnBrk="0" hangingPunct="1">
-                        <a:lnSpc>
-                          <a:spcPct val="100000"/>
-                        </a:lnSpc>
-                        <a:spcBef>
-                          <a:spcPts val="0"/>
-                        </a:spcBef>
-                        <a:spcAft>
-                          <a:spcPts val="0"/>
-                        </a:spcAft>
-                        <a:buClrTx/>
-                        <a:buSzTx/>
-                        <a:buFontTx/>
-                        <a:buNone/>
-                        <a:tabLst/>
-                        <a:defRPr/>
-                      </a:pPr>
-                      <a:r>
-                        <a:rPr lang="en-CA" sz="2400" dirty="0" smtClean="0"/>
-                        <a:t>I have 6.00 cats</a:t>
-                      </a:r>
-                    </a:p>
-                  </a:txBody>
-                  <a:tcPr/>
-                </a:tc>
-                <a:extLst>
-                  <a:ext uri="{0D108BD9-81ED-4DB2-BD59-A6C34878D82A}">
-                    <a16:rowId xmlns="" xmlns:a16="http://schemas.microsoft.com/office/drawing/2014/main" val="1983132832"/>
-                  </a:ext>
-                </a:extLst>
-              </a:tr>
-            </a:tbl>
-          </a:graphicData>
-        </a:graphic>
-      </p:graphicFrame>
-      <p:sp>
-        <p:nvSpPr>
-          <p:cNvPr id="11" name="Title 10"/>
-          <p:cNvSpPr>
-            <a:spLocks noGrp="1"/>
-          </p:cNvSpPr>
-          <p:nvPr>
-            <p:ph type="title"/>
-          </p:nvPr>
-        </p:nvSpPr>
-        <p:spPr/>
-        <p:txBody>
-          <a:bodyPr>
-            <a:normAutofit fontScale="90000"/>
-          </a:bodyPr>
-          <a:lstStyle/>
-          <a:p>
-            <a:r>
-              <a:rPr lang="en-CA" dirty="0" smtClean="0"/>
-              <a:t>You can also use a format method to format numeric values</a:t>
-            </a:r>
-            <a:endParaRPr lang="en-US" dirty="0"/>
-          </a:p>
-        </p:txBody>
-      </p:sp>
-    </p:spTree>
-    <p:extLst>
-      <p:ext uri="{BB962C8B-B14F-4D97-AF65-F5344CB8AC3E}">
-        <p14:creationId xmlns:p14="http://schemas.microsoft.com/office/powerpoint/2010/main" val="2681470260"/>
       </p:ext>
     </p:extLst>
   </p:cSld>
